--- a/Technasium-Dag-1-Presentatie-2-Python-start.pptx
+++ b/Technasium-Dag-1-Presentatie-2-Python-start.pptx
@@ -2,7 +2,7 @@
 <file path=ppt/presentation.xml><?xml version="1.0" encoding="utf-8"?>
 <p:presentation xmlns:a="http://schemas.openxmlformats.org/drawingml/2006/main" xmlns:r="http://schemas.openxmlformats.org/officeDocument/2006/relationships" xmlns:p="http://schemas.openxmlformats.org/presentationml/2006/main" saveSubsetFonts="1" autoCompressPictures="0">
   <p:sldMasterIdLst>
-    <p:sldMasterId id="2147483648" r:id="rId1"/>
+    <p:sldMasterId id="2147483921" r:id="rId1"/>
   </p:sldMasterIdLst>
   <p:notesMasterIdLst>
     <p:notesMasterId r:id="rId29"/>
@@ -40,7 +40,7 @@
   <p:notesSz cx="6858000" cy="9144000"/>
   <p:defaultTextStyle>
     <a:defPPr>
-      <a:defRPr lang="en-US"/>
+      <a:defRPr lang="nl-NL"/>
     </a:defPPr>
     <a:lvl1pPr marL="0" algn="l" defTabSz="914400" rtl="0" eaLnBrk="1" latinLnBrk="0" hangingPunct="1">
       <a:defRPr sz="1800" kern="1200">
@@ -223,7 +223,7 @@
           <a:p>
             <a:fld id="{48706978-EB0F-E44D-9C63-35E683643073}" type="datetimeFigureOut">
               <a:rPr lang="en-US" smtClean="0"/>
-              <a:t>11/30/2023</a:t>
+              <a:t>11/6/2024</a:t>
             </a:fld>
             <a:endParaRPr lang="en-US"/>
           </a:p>
@@ -859,7 +859,7 @@
 
 <file path=ppt/slideLayouts/slideLayout1.xml><?xml version="1.0" encoding="utf-8"?>
 <p:sldLayout xmlns:a="http://schemas.openxmlformats.org/drawingml/2006/main" xmlns:r="http://schemas.openxmlformats.org/officeDocument/2006/relationships" xmlns:p="http://schemas.openxmlformats.org/presentationml/2006/main" type="title" preserve="1">
-  <p:cSld name="Title Slide">
+  <p:cSld name="Titeldia">
     <p:spTree>
       <p:nvGrpSpPr>
         <p:cNvPr id="1" name=""/>
@@ -876,7 +876,13 @@
       </p:grpSpPr>
       <p:sp>
         <p:nvSpPr>
-          <p:cNvPr id="2" name="Title 1"/>
+          <p:cNvPr id="2" name="Titel 1">
+            <a:extLst>
+              <a:ext uri="{FF2B5EF4-FFF2-40B4-BE49-F238E27FC236}">
+                <a16:creationId xmlns:a16="http://schemas.microsoft.com/office/drawing/2014/main" id="{78386BFB-E5EB-0248-69AD-C07DA6527BA8}"/>
+              </a:ext>
+            </a:extLst>
+          </p:cNvPr>
           <p:cNvSpPr>
             <a:spLocks noGrp="1"/>
           </p:cNvSpPr>
@@ -899,15 +905,21 @@
           </a:lstStyle>
           <a:p>
             <a:r>
-              <a:rPr lang="en-US"/>
-              <a:t>Click to edit Master title style</a:t>
+              <a:rPr lang="nl-NL"/>
+              <a:t>Klik om stijl te bewerken</a:t>
             </a:r>
           </a:p>
         </p:txBody>
       </p:sp>
       <p:sp>
         <p:nvSpPr>
-          <p:cNvPr id="3" name="Subtitle 2"/>
+          <p:cNvPr id="3" name="Ondertitel 2">
+            <a:extLst>
+              <a:ext uri="{FF2B5EF4-FFF2-40B4-BE49-F238E27FC236}">
+                <a16:creationId xmlns:a16="http://schemas.microsoft.com/office/drawing/2014/main" id="{BDC6182A-A0E1-B023-5145-F14433B16FCD}"/>
+              </a:ext>
+            </a:extLst>
+          </p:cNvPr>
           <p:cNvSpPr>
             <a:spLocks noGrp="1"/>
           </p:cNvSpPr>
@@ -963,15 +975,21 @@
           </a:lstStyle>
           <a:p>
             <a:r>
-              <a:rPr lang="en-US"/>
-              <a:t>Click to edit Master subtitle style</a:t>
+              <a:rPr lang="nl-NL"/>
+              <a:t>Klikken om de ondertitelstijl van het model te bewerken</a:t>
             </a:r>
           </a:p>
         </p:txBody>
       </p:sp>
       <p:sp>
         <p:nvSpPr>
-          <p:cNvPr id="4" name="Date Placeholder 3"/>
+          <p:cNvPr id="4" name="Tijdelijke aanduiding voor datum 3">
+            <a:extLst>
+              <a:ext uri="{FF2B5EF4-FFF2-40B4-BE49-F238E27FC236}">
+                <a16:creationId xmlns:a16="http://schemas.microsoft.com/office/drawing/2014/main" id="{A6CEE30D-402E-D4DC-401F-12D70BDE021C}"/>
+              </a:ext>
+            </a:extLst>
+          </p:cNvPr>
           <p:cNvSpPr>
             <a:spLocks noGrp="1"/>
           </p:cNvSpPr>
@@ -986,7 +1004,7 @@
           <a:p>
             <a:fld id="{F0E53E00-DC67-B043-B571-30083E803751}" type="datetimeFigureOut">
               <a:rPr lang="en-US" smtClean="0"/>
-              <a:t>11/30/2023</a:t>
+              <a:t>11/6/2024</a:t>
             </a:fld>
             <a:endParaRPr lang="en-US"/>
           </a:p>
@@ -994,7 +1012,13 @@
       </p:sp>
       <p:sp>
         <p:nvSpPr>
-          <p:cNvPr id="5" name="Footer Placeholder 4"/>
+          <p:cNvPr id="5" name="Tijdelijke aanduiding voor voettekst 4">
+            <a:extLst>
+              <a:ext uri="{FF2B5EF4-FFF2-40B4-BE49-F238E27FC236}">
+                <a16:creationId xmlns:a16="http://schemas.microsoft.com/office/drawing/2014/main" id="{1362C7AC-5C4A-0754-D714-01D30681F07C}"/>
+              </a:ext>
+            </a:extLst>
+          </p:cNvPr>
           <p:cNvSpPr>
             <a:spLocks noGrp="1"/>
           </p:cNvSpPr>
@@ -1013,7 +1037,13 @@
       </p:sp>
       <p:sp>
         <p:nvSpPr>
-          <p:cNvPr id="6" name="Slide Number Placeholder 5"/>
+          <p:cNvPr id="6" name="Tijdelijke aanduiding voor dianummer 5">
+            <a:extLst>
+              <a:ext uri="{FF2B5EF4-FFF2-40B4-BE49-F238E27FC236}">
+                <a16:creationId xmlns:a16="http://schemas.microsoft.com/office/drawing/2014/main" id="{03158B5C-1C5F-0A54-DE29-1BE2FA680A8D}"/>
+              </a:ext>
+            </a:extLst>
+          </p:cNvPr>
           <p:cNvSpPr>
             <a:spLocks noGrp="1"/>
           </p:cNvSpPr>
@@ -1037,7 +1067,7 @@
     </p:spTree>
     <p:extLst>
       <p:ext uri="{BB962C8B-B14F-4D97-AF65-F5344CB8AC3E}">
-        <p14:creationId xmlns:p14="http://schemas.microsoft.com/office/powerpoint/2010/main" val="1089508071"/>
+        <p14:creationId xmlns:p14="http://schemas.microsoft.com/office/powerpoint/2010/main" val="1874768121"/>
       </p:ext>
     </p:extLst>
   </p:cSld>
@@ -1048,8 +1078,8 @@
 </file>
 
 <file path=ppt/slideLayouts/slideLayout10.xml><?xml version="1.0" encoding="utf-8"?>
-<p:sldLayout xmlns:a="http://schemas.openxmlformats.org/drawingml/2006/main" xmlns:r="http://schemas.openxmlformats.org/officeDocument/2006/relationships" xmlns:p="http://schemas.openxmlformats.org/presentationml/2006/main" type="picTx" preserve="1">
-  <p:cSld name="Picture with Caption">
+<p:sldLayout xmlns:a="http://schemas.openxmlformats.org/drawingml/2006/main" xmlns:r="http://schemas.openxmlformats.org/officeDocument/2006/relationships" xmlns:p="http://schemas.openxmlformats.org/presentationml/2006/main" type="vertTx" preserve="1">
+  <p:cSld name="Titel en verticale tekst">
     <p:spTree>
       <p:nvGrpSpPr>
         <p:cNvPr id="1" name=""/>
@@ -1066,7 +1096,1949 @@
       </p:grpSpPr>
       <p:sp>
         <p:nvSpPr>
-          <p:cNvPr id="2" name="Title 1"/>
+          <p:cNvPr id="2" name="Titel 1">
+            <a:extLst>
+              <a:ext uri="{FF2B5EF4-FFF2-40B4-BE49-F238E27FC236}">
+                <a16:creationId xmlns:a16="http://schemas.microsoft.com/office/drawing/2014/main" id="{5F556A19-E914-5B30-F70B-1BE1D6F964C7}"/>
+              </a:ext>
+            </a:extLst>
+          </p:cNvPr>
+          <p:cNvSpPr>
+            <a:spLocks noGrp="1"/>
+          </p:cNvSpPr>
+          <p:nvPr>
+            <p:ph type="title"/>
+          </p:nvPr>
+        </p:nvSpPr>
+        <p:spPr/>
+        <p:txBody>
+          <a:bodyPr/>
+          <a:lstStyle/>
+          <a:p>
+            <a:r>
+              <a:rPr lang="nl-NL"/>
+              <a:t>Klik om stijl te bewerken</a:t>
+            </a:r>
+          </a:p>
+        </p:txBody>
+      </p:sp>
+      <p:sp>
+        <p:nvSpPr>
+          <p:cNvPr id="3" name="Tijdelijke aanduiding voor verticale tekst 2">
+            <a:extLst>
+              <a:ext uri="{FF2B5EF4-FFF2-40B4-BE49-F238E27FC236}">
+                <a16:creationId xmlns:a16="http://schemas.microsoft.com/office/drawing/2014/main" id="{A4368470-47CE-104F-5B6D-5AAAC5DDB15A}"/>
+              </a:ext>
+            </a:extLst>
+          </p:cNvPr>
+          <p:cNvSpPr>
+            <a:spLocks noGrp="1"/>
+          </p:cNvSpPr>
+          <p:nvPr>
+            <p:ph type="body" orient="vert" idx="1"/>
+          </p:nvPr>
+        </p:nvSpPr>
+        <p:spPr/>
+        <p:txBody>
+          <a:bodyPr vert="eaVert"/>
+          <a:lstStyle/>
+          <a:p>
+            <a:pPr lvl="0"/>
+            <a:r>
+              <a:rPr lang="nl-NL"/>
+              <a:t>Klikken om de tekststijl van het model te bewerken</a:t>
+            </a:r>
+          </a:p>
+          <a:p>
+            <a:pPr lvl="1"/>
+            <a:r>
+              <a:rPr lang="nl-NL"/>
+              <a:t>Tweede niveau</a:t>
+            </a:r>
+          </a:p>
+          <a:p>
+            <a:pPr lvl="2"/>
+            <a:r>
+              <a:rPr lang="nl-NL"/>
+              <a:t>Derde niveau</a:t>
+            </a:r>
+          </a:p>
+          <a:p>
+            <a:pPr lvl="3"/>
+            <a:r>
+              <a:rPr lang="nl-NL"/>
+              <a:t>Vierde niveau</a:t>
+            </a:r>
+          </a:p>
+          <a:p>
+            <a:pPr lvl="4"/>
+            <a:r>
+              <a:rPr lang="nl-NL"/>
+              <a:t>Vijfde niveau</a:t>
+            </a:r>
+          </a:p>
+        </p:txBody>
+      </p:sp>
+      <p:sp>
+        <p:nvSpPr>
+          <p:cNvPr id="4" name="Tijdelijke aanduiding voor datum 3">
+            <a:extLst>
+              <a:ext uri="{FF2B5EF4-FFF2-40B4-BE49-F238E27FC236}">
+                <a16:creationId xmlns:a16="http://schemas.microsoft.com/office/drawing/2014/main" id="{CC5481BE-AE2C-09B9-08B8-7CF412C98D4F}"/>
+              </a:ext>
+            </a:extLst>
+          </p:cNvPr>
+          <p:cNvSpPr>
+            <a:spLocks noGrp="1"/>
+          </p:cNvSpPr>
+          <p:nvPr>
+            <p:ph type="dt" sz="half" idx="10"/>
+          </p:nvPr>
+        </p:nvSpPr>
+        <p:spPr/>
+        <p:txBody>
+          <a:bodyPr/>
+          <a:lstStyle/>
+          <a:p>
+            <a:fld id="{F0E53E00-DC67-B043-B571-30083E803751}" type="datetimeFigureOut">
+              <a:rPr lang="en-US" smtClean="0"/>
+              <a:t>11/6/2024</a:t>
+            </a:fld>
+            <a:endParaRPr lang="en-US"/>
+          </a:p>
+        </p:txBody>
+      </p:sp>
+      <p:sp>
+        <p:nvSpPr>
+          <p:cNvPr id="5" name="Tijdelijke aanduiding voor voettekst 4">
+            <a:extLst>
+              <a:ext uri="{FF2B5EF4-FFF2-40B4-BE49-F238E27FC236}">
+                <a16:creationId xmlns:a16="http://schemas.microsoft.com/office/drawing/2014/main" id="{5EB426BA-2D4D-3AB4-E48C-1B0AE57C9898}"/>
+              </a:ext>
+            </a:extLst>
+          </p:cNvPr>
+          <p:cNvSpPr>
+            <a:spLocks noGrp="1"/>
+          </p:cNvSpPr>
+          <p:nvPr>
+            <p:ph type="ftr" sz="quarter" idx="11"/>
+          </p:nvPr>
+        </p:nvSpPr>
+        <p:spPr/>
+        <p:txBody>
+          <a:bodyPr/>
+          <a:lstStyle/>
+          <a:p>
+            <a:endParaRPr lang="en-US"/>
+          </a:p>
+        </p:txBody>
+      </p:sp>
+      <p:sp>
+        <p:nvSpPr>
+          <p:cNvPr id="6" name="Tijdelijke aanduiding voor dianummer 5">
+            <a:extLst>
+              <a:ext uri="{FF2B5EF4-FFF2-40B4-BE49-F238E27FC236}">
+                <a16:creationId xmlns:a16="http://schemas.microsoft.com/office/drawing/2014/main" id="{96DB8678-A372-61D6-3EBC-314CE1F55C51}"/>
+              </a:ext>
+            </a:extLst>
+          </p:cNvPr>
+          <p:cNvSpPr>
+            <a:spLocks noGrp="1"/>
+          </p:cNvSpPr>
+          <p:nvPr>
+            <p:ph type="sldNum" sz="quarter" idx="12"/>
+          </p:nvPr>
+        </p:nvSpPr>
+        <p:spPr/>
+        <p:txBody>
+          <a:bodyPr/>
+          <a:lstStyle/>
+          <a:p>
+            <a:fld id="{1EF4C9A1-A5AA-A442-908E-CD6EBABAD4FA}" type="slidenum">
+              <a:rPr lang="en-US" smtClean="0"/>
+              <a:t>‹nr.›</a:t>
+            </a:fld>
+            <a:endParaRPr lang="en-US"/>
+          </a:p>
+        </p:txBody>
+      </p:sp>
+    </p:spTree>
+    <p:extLst>
+      <p:ext uri="{BB962C8B-B14F-4D97-AF65-F5344CB8AC3E}">
+        <p14:creationId xmlns:p14="http://schemas.microsoft.com/office/powerpoint/2010/main" val="96100791"/>
+      </p:ext>
+    </p:extLst>
+  </p:cSld>
+  <p:clrMapOvr>
+    <a:masterClrMapping/>
+  </p:clrMapOvr>
+</p:sldLayout>
+</file>
+
+<file path=ppt/slideLayouts/slideLayout11.xml><?xml version="1.0" encoding="utf-8"?>
+<p:sldLayout xmlns:a="http://schemas.openxmlformats.org/drawingml/2006/main" xmlns:r="http://schemas.openxmlformats.org/officeDocument/2006/relationships" xmlns:p="http://schemas.openxmlformats.org/presentationml/2006/main" type="vertTitleAndTx" preserve="1">
+  <p:cSld name="Verticale titel en tekst">
+    <p:spTree>
+      <p:nvGrpSpPr>
+        <p:cNvPr id="1" name=""/>
+        <p:cNvGrpSpPr/>
+        <p:nvPr/>
+      </p:nvGrpSpPr>
+      <p:grpSpPr>
+        <a:xfrm>
+          <a:off x="0" y="0"/>
+          <a:ext cx="0" cy="0"/>
+          <a:chOff x="0" y="0"/>
+          <a:chExt cx="0" cy="0"/>
+        </a:xfrm>
+      </p:grpSpPr>
+      <p:sp>
+        <p:nvSpPr>
+          <p:cNvPr id="2" name="Verticale titel 1">
+            <a:extLst>
+              <a:ext uri="{FF2B5EF4-FFF2-40B4-BE49-F238E27FC236}">
+                <a16:creationId xmlns:a16="http://schemas.microsoft.com/office/drawing/2014/main" id="{C266DDF5-CA5F-C0C6-50F1-94110EC6A328}"/>
+              </a:ext>
+            </a:extLst>
+          </p:cNvPr>
+          <p:cNvSpPr>
+            <a:spLocks noGrp="1"/>
+          </p:cNvSpPr>
+          <p:nvPr>
+            <p:ph type="title" orient="vert"/>
+          </p:nvPr>
+        </p:nvSpPr>
+        <p:spPr>
+          <a:xfrm>
+            <a:off x="8724900" y="365125"/>
+            <a:ext cx="2628900" cy="5811838"/>
+          </a:xfrm>
+        </p:spPr>
+        <p:txBody>
+          <a:bodyPr vert="eaVert"/>
+          <a:lstStyle/>
+          <a:p>
+            <a:r>
+              <a:rPr lang="nl-NL"/>
+              <a:t>Klik om stijl te bewerken</a:t>
+            </a:r>
+          </a:p>
+        </p:txBody>
+      </p:sp>
+      <p:sp>
+        <p:nvSpPr>
+          <p:cNvPr id="3" name="Tijdelijke aanduiding voor verticale tekst 2">
+            <a:extLst>
+              <a:ext uri="{FF2B5EF4-FFF2-40B4-BE49-F238E27FC236}">
+                <a16:creationId xmlns:a16="http://schemas.microsoft.com/office/drawing/2014/main" id="{EA31482D-6214-131A-2292-A7925AD05932}"/>
+              </a:ext>
+            </a:extLst>
+          </p:cNvPr>
+          <p:cNvSpPr>
+            <a:spLocks noGrp="1"/>
+          </p:cNvSpPr>
+          <p:nvPr>
+            <p:ph type="body" orient="vert" idx="1"/>
+          </p:nvPr>
+        </p:nvSpPr>
+        <p:spPr>
+          <a:xfrm>
+            <a:off x="838200" y="365125"/>
+            <a:ext cx="7734300" cy="5811838"/>
+          </a:xfrm>
+        </p:spPr>
+        <p:txBody>
+          <a:bodyPr vert="eaVert"/>
+          <a:lstStyle/>
+          <a:p>
+            <a:pPr lvl="0"/>
+            <a:r>
+              <a:rPr lang="nl-NL"/>
+              <a:t>Klikken om de tekststijl van het model te bewerken</a:t>
+            </a:r>
+          </a:p>
+          <a:p>
+            <a:pPr lvl="1"/>
+            <a:r>
+              <a:rPr lang="nl-NL"/>
+              <a:t>Tweede niveau</a:t>
+            </a:r>
+          </a:p>
+          <a:p>
+            <a:pPr lvl="2"/>
+            <a:r>
+              <a:rPr lang="nl-NL"/>
+              <a:t>Derde niveau</a:t>
+            </a:r>
+          </a:p>
+          <a:p>
+            <a:pPr lvl="3"/>
+            <a:r>
+              <a:rPr lang="nl-NL"/>
+              <a:t>Vierde niveau</a:t>
+            </a:r>
+          </a:p>
+          <a:p>
+            <a:pPr lvl="4"/>
+            <a:r>
+              <a:rPr lang="nl-NL"/>
+              <a:t>Vijfde niveau</a:t>
+            </a:r>
+          </a:p>
+        </p:txBody>
+      </p:sp>
+      <p:sp>
+        <p:nvSpPr>
+          <p:cNvPr id="4" name="Tijdelijke aanduiding voor datum 3">
+            <a:extLst>
+              <a:ext uri="{FF2B5EF4-FFF2-40B4-BE49-F238E27FC236}">
+                <a16:creationId xmlns:a16="http://schemas.microsoft.com/office/drawing/2014/main" id="{13EE2830-E0EA-47C7-E5F9-3E7FCC3C6903}"/>
+              </a:ext>
+            </a:extLst>
+          </p:cNvPr>
+          <p:cNvSpPr>
+            <a:spLocks noGrp="1"/>
+          </p:cNvSpPr>
+          <p:nvPr>
+            <p:ph type="dt" sz="half" idx="10"/>
+          </p:nvPr>
+        </p:nvSpPr>
+        <p:spPr/>
+        <p:txBody>
+          <a:bodyPr/>
+          <a:lstStyle/>
+          <a:p>
+            <a:fld id="{F0E53E00-DC67-B043-B571-30083E803751}" type="datetimeFigureOut">
+              <a:rPr lang="en-US" smtClean="0"/>
+              <a:t>11/6/2024</a:t>
+            </a:fld>
+            <a:endParaRPr lang="en-US"/>
+          </a:p>
+        </p:txBody>
+      </p:sp>
+      <p:sp>
+        <p:nvSpPr>
+          <p:cNvPr id="5" name="Tijdelijke aanduiding voor voettekst 4">
+            <a:extLst>
+              <a:ext uri="{FF2B5EF4-FFF2-40B4-BE49-F238E27FC236}">
+                <a16:creationId xmlns:a16="http://schemas.microsoft.com/office/drawing/2014/main" id="{9C950423-5E06-274E-37F4-27532CA6C566}"/>
+              </a:ext>
+            </a:extLst>
+          </p:cNvPr>
+          <p:cNvSpPr>
+            <a:spLocks noGrp="1"/>
+          </p:cNvSpPr>
+          <p:nvPr>
+            <p:ph type="ftr" sz="quarter" idx="11"/>
+          </p:nvPr>
+        </p:nvSpPr>
+        <p:spPr/>
+        <p:txBody>
+          <a:bodyPr/>
+          <a:lstStyle/>
+          <a:p>
+            <a:endParaRPr lang="en-US"/>
+          </a:p>
+        </p:txBody>
+      </p:sp>
+      <p:sp>
+        <p:nvSpPr>
+          <p:cNvPr id="6" name="Tijdelijke aanduiding voor dianummer 5">
+            <a:extLst>
+              <a:ext uri="{FF2B5EF4-FFF2-40B4-BE49-F238E27FC236}">
+                <a16:creationId xmlns:a16="http://schemas.microsoft.com/office/drawing/2014/main" id="{9AB48885-80C9-EAF6-6306-5C5CB79DD985}"/>
+              </a:ext>
+            </a:extLst>
+          </p:cNvPr>
+          <p:cNvSpPr>
+            <a:spLocks noGrp="1"/>
+          </p:cNvSpPr>
+          <p:nvPr>
+            <p:ph type="sldNum" sz="quarter" idx="12"/>
+          </p:nvPr>
+        </p:nvSpPr>
+        <p:spPr/>
+        <p:txBody>
+          <a:bodyPr/>
+          <a:lstStyle/>
+          <a:p>
+            <a:fld id="{1EF4C9A1-A5AA-A442-908E-CD6EBABAD4FA}" type="slidenum">
+              <a:rPr lang="en-US" smtClean="0"/>
+              <a:t>‹nr.›</a:t>
+            </a:fld>
+            <a:endParaRPr lang="en-US"/>
+          </a:p>
+        </p:txBody>
+      </p:sp>
+    </p:spTree>
+    <p:extLst>
+      <p:ext uri="{BB962C8B-B14F-4D97-AF65-F5344CB8AC3E}">
+        <p14:creationId xmlns:p14="http://schemas.microsoft.com/office/powerpoint/2010/main" val="2315508107"/>
+      </p:ext>
+    </p:extLst>
+  </p:cSld>
+  <p:clrMapOvr>
+    <a:masterClrMapping/>
+  </p:clrMapOvr>
+</p:sldLayout>
+</file>
+
+<file path=ppt/slideLayouts/slideLayout12.xml><?xml version="1.0" encoding="utf-8"?>
+<p:sldLayout xmlns:a="http://schemas.openxmlformats.org/drawingml/2006/main" xmlns:r="http://schemas.openxmlformats.org/officeDocument/2006/relationships" xmlns:p="http://schemas.openxmlformats.org/presentationml/2006/main" userDrawn="1">
+  <p:cSld name="Custom Layout">
+    <p:spTree>
+      <p:nvGrpSpPr>
+        <p:cNvPr id="1" name=""/>
+        <p:cNvGrpSpPr/>
+        <p:nvPr/>
+      </p:nvGrpSpPr>
+      <p:grpSpPr>
+        <a:xfrm>
+          <a:off x="0" y="0"/>
+          <a:ext cx="0" cy="0"/>
+          <a:chOff x="0" y="0"/>
+          <a:chExt cx="0" cy="0"/>
+        </a:xfrm>
+      </p:grpSpPr>
+      <p:sp>
+        <p:nvSpPr>
+          <p:cNvPr id="3" name="Date Placeholder 2"/>
+          <p:cNvSpPr>
+            <a:spLocks noGrp="1"/>
+          </p:cNvSpPr>
+          <p:nvPr>
+            <p:ph type="dt" sz="half" idx="10"/>
+          </p:nvPr>
+        </p:nvSpPr>
+        <p:spPr/>
+        <p:txBody>
+          <a:bodyPr/>
+          <a:lstStyle/>
+          <a:p>
+            <a:fld id="{F0E53E00-DC67-B043-B571-30083E803751}" type="datetimeFigureOut">
+              <a:rPr lang="en-US" smtClean="0"/>
+              <a:t>11/6/2024</a:t>
+            </a:fld>
+            <a:endParaRPr lang="en-US"/>
+          </a:p>
+        </p:txBody>
+      </p:sp>
+      <p:sp>
+        <p:nvSpPr>
+          <p:cNvPr id="4" name="Footer Placeholder 3"/>
+          <p:cNvSpPr>
+            <a:spLocks noGrp="1"/>
+          </p:cNvSpPr>
+          <p:nvPr>
+            <p:ph type="ftr" sz="quarter" idx="11"/>
+          </p:nvPr>
+        </p:nvSpPr>
+        <p:spPr/>
+        <p:txBody>
+          <a:bodyPr/>
+          <a:lstStyle/>
+          <a:p>
+            <a:endParaRPr lang="en-US"/>
+          </a:p>
+        </p:txBody>
+      </p:sp>
+      <p:sp>
+        <p:nvSpPr>
+          <p:cNvPr id="5" name="Slide Number Placeholder 4"/>
+          <p:cNvSpPr>
+            <a:spLocks noGrp="1"/>
+          </p:cNvSpPr>
+          <p:nvPr>
+            <p:ph type="sldNum" sz="quarter" idx="12"/>
+          </p:nvPr>
+        </p:nvSpPr>
+        <p:spPr/>
+        <p:txBody>
+          <a:bodyPr/>
+          <a:lstStyle/>
+          <a:p>
+            <a:fld id="{1EF4C9A1-A5AA-A442-908E-CD6EBABAD4FA}" type="slidenum">
+              <a:rPr lang="en-US" smtClean="0"/>
+              <a:t>‹nr.›</a:t>
+            </a:fld>
+            <a:endParaRPr lang="en-US"/>
+          </a:p>
+        </p:txBody>
+      </p:sp>
+      <p:pic>
+        <p:nvPicPr>
+          <p:cNvPr id="6" name="Picture 5"/>
+          <p:cNvPicPr>
+            <a:picLocks noChangeAspect="1"/>
+          </p:cNvPicPr>
+          <p:nvPr userDrawn="1"/>
+        </p:nvPicPr>
+        <p:blipFill>
+          <a:blip r:embed="rId2">
+            <a:alphaModFix amt="35000"/>
+            <a:extLst>
+              <a:ext uri="{28A0092B-C50C-407E-A947-70E740481C1C}">
+                <a14:useLocalDpi xmlns:a14="http://schemas.microsoft.com/office/drawing/2010/main"/>
+              </a:ext>
+            </a:extLst>
+          </a:blip>
+          <a:stretch>
+            <a:fillRect/>
+          </a:stretch>
+        </p:blipFill>
+        <p:spPr>
+          <a:xfrm>
+            <a:off x="9360000" y="0"/>
+            <a:ext cx="7740203" cy="2614411"/>
+          </a:xfrm>
+          <a:prstGeom prst="rect">
+            <a:avLst/>
+          </a:prstGeom>
+        </p:spPr>
+      </p:pic>
+    </p:spTree>
+    <p:extLst>
+      <p:ext uri="{BB962C8B-B14F-4D97-AF65-F5344CB8AC3E}">
+        <p14:creationId xmlns:p14="http://schemas.microsoft.com/office/powerpoint/2010/main" val="4240811224"/>
+      </p:ext>
+    </p:extLst>
+  </p:cSld>
+  <p:clrMapOvr>
+    <a:masterClrMapping/>
+  </p:clrMapOvr>
+</p:sldLayout>
+</file>
+
+<file path=ppt/slideLayouts/slideLayout2.xml><?xml version="1.0" encoding="utf-8"?>
+<p:sldLayout xmlns:a="http://schemas.openxmlformats.org/drawingml/2006/main" xmlns:r="http://schemas.openxmlformats.org/officeDocument/2006/relationships" xmlns:p="http://schemas.openxmlformats.org/presentationml/2006/main" type="obj" preserve="1">
+  <p:cSld name="Titel en object">
+    <p:spTree>
+      <p:nvGrpSpPr>
+        <p:cNvPr id="1" name=""/>
+        <p:cNvGrpSpPr/>
+        <p:nvPr/>
+      </p:nvGrpSpPr>
+      <p:grpSpPr>
+        <a:xfrm>
+          <a:off x="0" y="0"/>
+          <a:ext cx="0" cy="0"/>
+          <a:chOff x="0" y="0"/>
+          <a:chExt cx="0" cy="0"/>
+        </a:xfrm>
+      </p:grpSpPr>
+      <p:sp>
+        <p:nvSpPr>
+          <p:cNvPr id="2" name="Titel 1">
+            <a:extLst>
+              <a:ext uri="{FF2B5EF4-FFF2-40B4-BE49-F238E27FC236}">
+                <a16:creationId xmlns:a16="http://schemas.microsoft.com/office/drawing/2014/main" id="{1D6CA981-875D-AB96-B716-BFD0B8253C5A}"/>
+              </a:ext>
+            </a:extLst>
+          </p:cNvPr>
+          <p:cNvSpPr>
+            <a:spLocks noGrp="1"/>
+          </p:cNvSpPr>
+          <p:nvPr>
+            <p:ph type="title"/>
+          </p:nvPr>
+        </p:nvSpPr>
+        <p:spPr/>
+        <p:txBody>
+          <a:bodyPr/>
+          <a:lstStyle/>
+          <a:p>
+            <a:r>
+              <a:rPr lang="nl-NL"/>
+              <a:t>Klik om stijl te bewerken</a:t>
+            </a:r>
+          </a:p>
+        </p:txBody>
+      </p:sp>
+      <p:sp>
+        <p:nvSpPr>
+          <p:cNvPr id="3" name="Tijdelijke aanduiding voor inhoud 2">
+            <a:extLst>
+              <a:ext uri="{FF2B5EF4-FFF2-40B4-BE49-F238E27FC236}">
+                <a16:creationId xmlns:a16="http://schemas.microsoft.com/office/drawing/2014/main" id="{AA4E12DA-A4C1-5EF0-6E66-2516A8D5C317}"/>
+              </a:ext>
+            </a:extLst>
+          </p:cNvPr>
+          <p:cNvSpPr>
+            <a:spLocks noGrp="1"/>
+          </p:cNvSpPr>
+          <p:nvPr>
+            <p:ph idx="1"/>
+          </p:nvPr>
+        </p:nvSpPr>
+        <p:spPr/>
+        <p:txBody>
+          <a:bodyPr/>
+          <a:lstStyle/>
+          <a:p>
+            <a:pPr lvl="0"/>
+            <a:r>
+              <a:rPr lang="nl-NL"/>
+              <a:t>Klikken om de tekststijl van het model te bewerken</a:t>
+            </a:r>
+          </a:p>
+          <a:p>
+            <a:pPr lvl="1"/>
+            <a:r>
+              <a:rPr lang="nl-NL"/>
+              <a:t>Tweede niveau</a:t>
+            </a:r>
+          </a:p>
+          <a:p>
+            <a:pPr lvl="2"/>
+            <a:r>
+              <a:rPr lang="nl-NL"/>
+              <a:t>Derde niveau</a:t>
+            </a:r>
+          </a:p>
+          <a:p>
+            <a:pPr lvl="3"/>
+            <a:r>
+              <a:rPr lang="nl-NL"/>
+              <a:t>Vierde niveau</a:t>
+            </a:r>
+          </a:p>
+          <a:p>
+            <a:pPr lvl="4"/>
+            <a:r>
+              <a:rPr lang="nl-NL"/>
+              <a:t>Vijfde niveau</a:t>
+            </a:r>
+          </a:p>
+        </p:txBody>
+      </p:sp>
+      <p:sp>
+        <p:nvSpPr>
+          <p:cNvPr id="4" name="Tijdelijke aanduiding voor datum 3">
+            <a:extLst>
+              <a:ext uri="{FF2B5EF4-FFF2-40B4-BE49-F238E27FC236}">
+                <a16:creationId xmlns:a16="http://schemas.microsoft.com/office/drawing/2014/main" id="{AE08EF94-1A56-B963-B74D-A2287E150300}"/>
+              </a:ext>
+            </a:extLst>
+          </p:cNvPr>
+          <p:cNvSpPr>
+            <a:spLocks noGrp="1"/>
+          </p:cNvSpPr>
+          <p:nvPr>
+            <p:ph type="dt" sz="half" idx="10"/>
+          </p:nvPr>
+        </p:nvSpPr>
+        <p:spPr/>
+        <p:txBody>
+          <a:bodyPr/>
+          <a:lstStyle/>
+          <a:p>
+            <a:fld id="{F0E53E00-DC67-B043-B571-30083E803751}" type="datetimeFigureOut">
+              <a:rPr lang="en-US" smtClean="0"/>
+              <a:t>11/6/2024</a:t>
+            </a:fld>
+            <a:endParaRPr lang="en-US"/>
+          </a:p>
+        </p:txBody>
+      </p:sp>
+      <p:sp>
+        <p:nvSpPr>
+          <p:cNvPr id="5" name="Tijdelijke aanduiding voor voettekst 4">
+            <a:extLst>
+              <a:ext uri="{FF2B5EF4-FFF2-40B4-BE49-F238E27FC236}">
+                <a16:creationId xmlns:a16="http://schemas.microsoft.com/office/drawing/2014/main" id="{9D74433C-75D0-BB66-AB37-F8CF7550ABB9}"/>
+              </a:ext>
+            </a:extLst>
+          </p:cNvPr>
+          <p:cNvSpPr>
+            <a:spLocks noGrp="1"/>
+          </p:cNvSpPr>
+          <p:nvPr>
+            <p:ph type="ftr" sz="quarter" idx="11"/>
+          </p:nvPr>
+        </p:nvSpPr>
+        <p:spPr/>
+        <p:txBody>
+          <a:bodyPr/>
+          <a:lstStyle/>
+          <a:p>
+            <a:endParaRPr lang="en-US"/>
+          </a:p>
+        </p:txBody>
+      </p:sp>
+      <p:sp>
+        <p:nvSpPr>
+          <p:cNvPr id="6" name="Tijdelijke aanduiding voor dianummer 5">
+            <a:extLst>
+              <a:ext uri="{FF2B5EF4-FFF2-40B4-BE49-F238E27FC236}">
+                <a16:creationId xmlns:a16="http://schemas.microsoft.com/office/drawing/2014/main" id="{2CE36434-5E89-F7C2-A77A-133C56A535D8}"/>
+              </a:ext>
+            </a:extLst>
+          </p:cNvPr>
+          <p:cNvSpPr>
+            <a:spLocks noGrp="1"/>
+          </p:cNvSpPr>
+          <p:nvPr>
+            <p:ph type="sldNum" sz="quarter" idx="12"/>
+          </p:nvPr>
+        </p:nvSpPr>
+        <p:spPr/>
+        <p:txBody>
+          <a:bodyPr/>
+          <a:lstStyle/>
+          <a:p>
+            <a:fld id="{1EF4C9A1-A5AA-A442-908E-CD6EBABAD4FA}" type="slidenum">
+              <a:rPr lang="en-US" smtClean="0"/>
+              <a:t>‹nr.›</a:t>
+            </a:fld>
+            <a:endParaRPr lang="en-US"/>
+          </a:p>
+        </p:txBody>
+      </p:sp>
+    </p:spTree>
+    <p:extLst>
+      <p:ext uri="{BB962C8B-B14F-4D97-AF65-F5344CB8AC3E}">
+        <p14:creationId xmlns:p14="http://schemas.microsoft.com/office/powerpoint/2010/main" val="3535877177"/>
+      </p:ext>
+    </p:extLst>
+  </p:cSld>
+  <p:clrMapOvr>
+    <a:masterClrMapping/>
+  </p:clrMapOvr>
+</p:sldLayout>
+</file>
+
+<file path=ppt/slideLayouts/slideLayout3.xml><?xml version="1.0" encoding="utf-8"?>
+<p:sldLayout xmlns:a="http://schemas.openxmlformats.org/drawingml/2006/main" xmlns:r="http://schemas.openxmlformats.org/officeDocument/2006/relationships" xmlns:p="http://schemas.openxmlformats.org/presentationml/2006/main" type="secHead" preserve="1">
+  <p:cSld name="Sectiekop">
+    <p:spTree>
+      <p:nvGrpSpPr>
+        <p:cNvPr id="1" name=""/>
+        <p:cNvGrpSpPr/>
+        <p:nvPr/>
+      </p:nvGrpSpPr>
+      <p:grpSpPr>
+        <a:xfrm>
+          <a:off x="0" y="0"/>
+          <a:ext cx="0" cy="0"/>
+          <a:chOff x="0" y="0"/>
+          <a:chExt cx="0" cy="0"/>
+        </a:xfrm>
+      </p:grpSpPr>
+      <p:sp>
+        <p:nvSpPr>
+          <p:cNvPr id="2" name="Titel 1">
+            <a:extLst>
+              <a:ext uri="{FF2B5EF4-FFF2-40B4-BE49-F238E27FC236}">
+                <a16:creationId xmlns:a16="http://schemas.microsoft.com/office/drawing/2014/main" id="{89BBA32E-CFDD-3B83-CB02-F912FDBF72E3}"/>
+              </a:ext>
+            </a:extLst>
+          </p:cNvPr>
+          <p:cNvSpPr>
+            <a:spLocks noGrp="1"/>
+          </p:cNvSpPr>
+          <p:nvPr>
+            <p:ph type="title"/>
+          </p:nvPr>
+        </p:nvSpPr>
+        <p:spPr>
+          <a:xfrm>
+            <a:off x="831850" y="1709738"/>
+            <a:ext cx="10515600" cy="2852737"/>
+          </a:xfrm>
+        </p:spPr>
+        <p:txBody>
+          <a:bodyPr anchor="b"/>
+          <a:lstStyle>
+            <a:lvl1pPr>
+              <a:defRPr sz="6000"/>
+            </a:lvl1pPr>
+          </a:lstStyle>
+          <a:p>
+            <a:r>
+              <a:rPr lang="nl-NL"/>
+              <a:t>Klik om stijl te bewerken</a:t>
+            </a:r>
+          </a:p>
+        </p:txBody>
+      </p:sp>
+      <p:sp>
+        <p:nvSpPr>
+          <p:cNvPr id="3" name="Tijdelijke aanduiding voor tekst 2">
+            <a:extLst>
+              <a:ext uri="{FF2B5EF4-FFF2-40B4-BE49-F238E27FC236}">
+                <a16:creationId xmlns:a16="http://schemas.microsoft.com/office/drawing/2014/main" id="{3A801C75-2E56-EAA9-76CF-7CB0E2CD75BA}"/>
+              </a:ext>
+            </a:extLst>
+          </p:cNvPr>
+          <p:cNvSpPr>
+            <a:spLocks noGrp="1"/>
+          </p:cNvSpPr>
+          <p:nvPr>
+            <p:ph type="body" idx="1"/>
+          </p:nvPr>
+        </p:nvSpPr>
+        <p:spPr>
+          <a:xfrm>
+            <a:off x="831850" y="4589463"/>
+            <a:ext cx="10515600" cy="1500187"/>
+          </a:xfrm>
+        </p:spPr>
+        <p:txBody>
+          <a:bodyPr/>
+          <a:lstStyle>
+            <a:lvl1pPr marL="0" indent="0">
+              <a:buNone/>
+              <a:defRPr sz="2400">
+                <a:solidFill>
+                  <a:schemeClr val="tx1">
+                    <a:tint val="82000"/>
+                  </a:schemeClr>
+                </a:solidFill>
+              </a:defRPr>
+            </a:lvl1pPr>
+            <a:lvl2pPr marL="457200" indent="0">
+              <a:buNone/>
+              <a:defRPr sz="2000">
+                <a:solidFill>
+                  <a:schemeClr val="tx1">
+                    <a:tint val="82000"/>
+                  </a:schemeClr>
+                </a:solidFill>
+              </a:defRPr>
+            </a:lvl2pPr>
+            <a:lvl3pPr marL="914400" indent="0">
+              <a:buNone/>
+              <a:defRPr sz="1800">
+                <a:solidFill>
+                  <a:schemeClr val="tx1">
+                    <a:tint val="82000"/>
+                  </a:schemeClr>
+                </a:solidFill>
+              </a:defRPr>
+            </a:lvl3pPr>
+            <a:lvl4pPr marL="1371600" indent="0">
+              <a:buNone/>
+              <a:defRPr sz="1600">
+                <a:solidFill>
+                  <a:schemeClr val="tx1">
+                    <a:tint val="82000"/>
+                  </a:schemeClr>
+                </a:solidFill>
+              </a:defRPr>
+            </a:lvl4pPr>
+            <a:lvl5pPr marL="1828800" indent="0">
+              <a:buNone/>
+              <a:defRPr sz="1600">
+                <a:solidFill>
+                  <a:schemeClr val="tx1">
+                    <a:tint val="82000"/>
+                  </a:schemeClr>
+                </a:solidFill>
+              </a:defRPr>
+            </a:lvl5pPr>
+            <a:lvl6pPr marL="2286000" indent="0">
+              <a:buNone/>
+              <a:defRPr sz="1600">
+                <a:solidFill>
+                  <a:schemeClr val="tx1">
+                    <a:tint val="82000"/>
+                  </a:schemeClr>
+                </a:solidFill>
+              </a:defRPr>
+            </a:lvl6pPr>
+            <a:lvl7pPr marL="2743200" indent="0">
+              <a:buNone/>
+              <a:defRPr sz="1600">
+                <a:solidFill>
+                  <a:schemeClr val="tx1">
+                    <a:tint val="82000"/>
+                  </a:schemeClr>
+                </a:solidFill>
+              </a:defRPr>
+            </a:lvl7pPr>
+            <a:lvl8pPr marL="3200400" indent="0">
+              <a:buNone/>
+              <a:defRPr sz="1600">
+                <a:solidFill>
+                  <a:schemeClr val="tx1">
+                    <a:tint val="82000"/>
+                  </a:schemeClr>
+                </a:solidFill>
+              </a:defRPr>
+            </a:lvl8pPr>
+            <a:lvl9pPr marL="3657600" indent="0">
+              <a:buNone/>
+              <a:defRPr sz="1600">
+                <a:solidFill>
+                  <a:schemeClr val="tx1">
+                    <a:tint val="82000"/>
+                  </a:schemeClr>
+                </a:solidFill>
+              </a:defRPr>
+            </a:lvl9pPr>
+          </a:lstStyle>
+          <a:p>
+            <a:pPr lvl="0"/>
+            <a:r>
+              <a:rPr lang="nl-NL"/>
+              <a:t>Klikken om de tekststijl van het model te bewerken</a:t>
+            </a:r>
+          </a:p>
+        </p:txBody>
+      </p:sp>
+      <p:sp>
+        <p:nvSpPr>
+          <p:cNvPr id="4" name="Tijdelijke aanduiding voor datum 3">
+            <a:extLst>
+              <a:ext uri="{FF2B5EF4-FFF2-40B4-BE49-F238E27FC236}">
+                <a16:creationId xmlns:a16="http://schemas.microsoft.com/office/drawing/2014/main" id="{FA2F912E-7682-DCE5-2A8F-E314AE0A2F63}"/>
+              </a:ext>
+            </a:extLst>
+          </p:cNvPr>
+          <p:cNvSpPr>
+            <a:spLocks noGrp="1"/>
+          </p:cNvSpPr>
+          <p:nvPr>
+            <p:ph type="dt" sz="half" idx="10"/>
+          </p:nvPr>
+        </p:nvSpPr>
+        <p:spPr/>
+        <p:txBody>
+          <a:bodyPr/>
+          <a:lstStyle/>
+          <a:p>
+            <a:fld id="{F0E53E00-DC67-B043-B571-30083E803751}" type="datetimeFigureOut">
+              <a:rPr lang="en-US" smtClean="0"/>
+              <a:t>11/6/2024</a:t>
+            </a:fld>
+            <a:endParaRPr lang="en-US"/>
+          </a:p>
+        </p:txBody>
+      </p:sp>
+      <p:sp>
+        <p:nvSpPr>
+          <p:cNvPr id="5" name="Tijdelijke aanduiding voor voettekst 4">
+            <a:extLst>
+              <a:ext uri="{FF2B5EF4-FFF2-40B4-BE49-F238E27FC236}">
+                <a16:creationId xmlns:a16="http://schemas.microsoft.com/office/drawing/2014/main" id="{51985248-C0D3-FE75-E3ED-BDEF76DA8834}"/>
+              </a:ext>
+            </a:extLst>
+          </p:cNvPr>
+          <p:cNvSpPr>
+            <a:spLocks noGrp="1"/>
+          </p:cNvSpPr>
+          <p:nvPr>
+            <p:ph type="ftr" sz="quarter" idx="11"/>
+          </p:nvPr>
+        </p:nvSpPr>
+        <p:spPr/>
+        <p:txBody>
+          <a:bodyPr/>
+          <a:lstStyle/>
+          <a:p>
+            <a:endParaRPr lang="en-US"/>
+          </a:p>
+        </p:txBody>
+      </p:sp>
+      <p:sp>
+        <p:nvSpPr>
+          <p:cNvPr id="6" name="Tijdelijke aanduiding voor dianummer 5">
+            <a:extLst>
+              <a:ext uri="{FF2B5EF4-FFF2-40B4-BE49-F238E27FC236}">
+                <a16:creationId xmlns:a16="http://schemas.microsoft.com/office/drawing/2014/main" id="{8D4B98DE-A538-9D86-CD2A-254DE484BD92}"/>
+              </a:ext>
+            </a:extLst>
+          </p:cNvPr>
+          <p:cNvSpPr>
+            <a:spLocks noGrp="1"/>
+          </p:cNvSpPr>
+          <p:nvPr>
+            <p:ph type="sldNum" sz="quarter" idx="12"/>
+          </p:nvPr>
+        </p:nvSpPr>
+        <p:spPr/>
+        <p:txBody>
+          <a:bodyPr/>
+          <a:lstStyle/>
+          <a:p>
+            <a:fld id="{1EF4C9A1-A5AA-A442-908E-CD6EBABAD4FA}" type="slidenum">
+              <a:rPr lang="en-US" smtClean="0"/>
+              <a:t>‹nr.›</a:t>
+            </a:fld>
+            <a:endParaRPr lang="en-US"/>
+          </a:p>
+        </p:txBody>
+      </p:sp>
+    </p:spTree>
+    <p:extLst>
+      <p:ext uri="{BB962C8B-B14F-4D97-AF65-F5344CB8AC3E}">
+        <p14:creationId xmlns:p14="http://schemas.microsoft.com/office/powerpoint/2010/main" val="2988867450"/>
+      </p:ext>
+    </p:extLst>
+  </p:cSld>
+  <p:clrMapOvr>
+    <a:masterClrMapping/>
+  </p:clrMapOvr>
+</p:sldLayout>
+</file>
+
+<file path=ppt/slideLayouts/slideLayout4.xml><?xml version="1.0" encoding="utf-8"?>
+<p:sldLayout xmlns:a="http://schemas.openxmlformats.org/drawingml/2006/main" xmlns:r="http://schemas.openxmlformats.org/officeDocument/2006/relationships" xmlns:p="http://schemas.openxmlformats.org/presentationml/2006/main" type="twoObj" preserve="1">
+  <p:cSld name="Inhoud van twee">
+    <p:spTree>
+      <p:nvGrpSpPr>
+        <p:cNvPr id="1" name=""/>
+        <p:cNvGrpSpPr/>
+        <p:nvPr/>
+      </p:nvGrpSpPr>
+      <p:grpSpPr>
+        <a:xfrm>
+          <a:off x="0" y="0"/>
+          <a:ext cx="0" cy="0"/>
+          <a:chOff x="0" y="0"/>
+          <a:chExt cx="0" cy="0"/>
+        </a:xfrm>
+      </p:grpSpPr>
+      <p:sp>
+        <p:nvSpPr>
+          <p:cNvPr id="2" name="Titel 1">
+            <a:extLst>
+              <a:ext uri="{FF2B5EF4-FFF2-40B4-BE49-F238E27FC236}">
+                <a16:creationId xmlns:a16="http://schemas.microsoft.com/office/drawing/2014/main" id="{E4DA6E37-6E46-386E-9B8D-D78A20A64BDC}"/>
+              </a:ext>
+            </a:extLst>
+          </p:cNvPr>
+          <p:cNvSpPr>
+            <a:spLocks noGrp="1"/>
+          </p:cNvSpPr>
+          <p:nvPr>
+            <p:ph type="title"/>
+          </p:nvPr>
+        </p:nvSpPr>
+        <p:spPr/>
+        <p:txBody>
+          <a:bodyPr/>
+          <a:lstStyle/>
+          <a:p>
+            <a:r>
+              <a:rPr lang="nl-NL"/>
+              <a:t>Klik om stijl te bewerken</a:t>
+            </a:r>
+          </a:p>
+        </p:txBody>
+      </p:sp>
+      <p:sp>
+        <p:nvSpPr>
+          <p:cNvPr id="3" name="Tijdelijke aanduiding voor inhoud 2">
+            <a:extLst>
+              <a:ext uri="{FF2B5EF4-FFF2-40B4-BE49-F238E27FC236}">
+                <a16:creationId xmlns:a16="http://schemas.microsoft.com/office/drawing/2014/main" id="{3F64E7E8-F763-BFA2-ED8D-BE51785622BE}"/>
+              </a:ext>
+            </a:extLst>
+          </p:cNvPr>
+          <p:cNvSpPr>
+            <a:spLocks noGrp="1"/>
+          </p:cNvSpPr>
+          <p:nvPr>
+            <p:ph sz="half" idx="1"/>
+          </p:nvPr>
+        </p:nvSpPr>
+        <p:spPr>
+          <a:xfrm>
+            <a:off x="838200" y="1825625"/>
+            <a:ext cx="5181600" cy="4351338"/>
+          </a:xfrm>
+        </p:spPr>
+        <p:txBody>
+          <a:bodyPr/>
+          <a:lstStyle/>
+          <a:p>
+            <a:pPr lvl="0"/>
+            <a:r>
+              <a:rPr lang="nl-NL"/>
+              <a:t>Klikken om de tekststijl van het model te bewerken</a:t>
+            </a:r>
+          </a:p>
+          <a:p>
+            <a:pPr lvl="1"/>
+            <a:r>
+              <a:rPr lang="nl-NL"/>
+              <a:t>Tweede niveau</a:t>
+            </a:r>
+          </a:p>
+          <a:p>
+            <a:pPr lvl="2"/>
+            <a:r>
+              <a:rPr lang="nl-NL"/>
+              <a:t>Derde niveau</a:t>
+            </a:r>
+          </a:p>
+          <a:p>
+            <a:pPr lvl="3"/>
+            <a:r>
+              <a:rPr lang="nl-NL"/>
+              <a:t>Vierde niveau</a:t>
+            </a:r>
+          </a:p>
+          <a:p>
+            <a:pPr lvl="4"/>
+            <a:r>
+              <a:rPr lang="nl-NL"/>
+              <a:t>Vijfde niveau</a:t>
+            </a:r>
+          </a:p>
+        </p:txBody>
+      </p:sp>
+      <p:sp>
+        <p:nvSpPr>
+          <p:cNvPr id="4" name="Tijdelijke aanduiding voor inhoud 3">
+            <a:extLst>
+              <a:ext uri="{FF2B5EF4-FFF2-40B4-BE49-F238E27FC236}">
+                <a16:creationId xmlns:a16="http://schemas.microsoft.com/office/drawing/2014/main" id="{2699E5D0-6DF7-6492-7AF2-3F1826F2EAFC}"/>
+              </a:ext>
+            </a:extLst>
+          </p:cNvPr>
+          <p:cNvSpPr>
+            <a:spLocks noGrp="1"/>
+          </p:cNvSpPr>
+          <p:nvPr>
+            <p:ph sz="half" idx="2"/>
+          </p:nvPr>
+        </p:nvSpPr>
+        <p:spPr>
+          <a:xfrm>
+            <a:off x="6172200" y="1825625"/>
+            <a:ext cx="5181600" cy="4351338"/>
+          </a:xfrm>
+        </p:spPr>
+        <p:txBody>
+          <a:bodyPr/>
+          <a:lstStyle/>
+          <a:p>
+            <a:pPr lvl="0"/>
+            <a:r>
+              <a:rPr lang="nl-NL"/>
+              <a:t>Klikken om de tekststijl van het model te bewerken</a:t>
+            </a:r>
+          </a:p>
+          <a:p>
+            <a:pPr lvl="1"/>
+            <a:r>
+              <a:rPr lang="nl-NL"/>
+              <a:t>Tweede niveau</a:t>
+            </a:r>
+          </a:p>
+          <a:p>
+            <a:pPr lvl="2"/>
+            <a:r>
+              <a:rPr lang="nl-NL"/>
+              <a:t>Derde niveau</a:t>
+            </a:r>
+          </a:p>
+          <a:p>
+            <a:pPr lvl="3"/>
+            <a:r>
+              <a:rPr lang="nl-NL"/>
+              <a:t>Vierde niveau</a:t>
+            </a:r>
+          </a:p>
+          <a:p>
+            <a:pPr lvl="4"/>
+            <a:r>
+              <a:rPr lang="nl-NL"/>
+              <a:t>Vijfde niveau</a:t>
+            </a:r>
+          </a:p>
+        </p:txBody>
+      </p:sp>
+      <p:sp>
+        <p:nvSpPr>
+          <p:cNvPr id="5" name="Tijdelijke aanduiding voor datum 4">
+            <a:extLst>
+              <a:ext uri="{FF2B5EF4-FFF2-40B4-BE49-F238E27FC236}">
+                <a16:creationId xmlns:a16="http://schemas.microsoft.com/office/drawing/2014/main" id="{0A0FFEDC-D534-FBA0-CF1F-D7477B07DA5A}"/>
+              </a:ext>
+            </a:extLst>
+          </p:cNvPr>
+          <p:cNvSpPr>
+            <a:spLocks noGrp="1"/>
+          </p:cNvSpPr>
+          <p:nvPr>
+            <p:ph type="dt" sz="half" idx="10"/>
+          </p:nvPr>
+        </p:nvSpPr>
+        <p:spPr/>
+        <p:txBody>
+          <a:bodyPr/>
+          <a:lstStyle/>
+          <a:p>
+            <a:fld id="{F0E53E00-DC67-B043-B571-30083E803751}" type="datetimeFigureOut">
+              <a:rPr lang="en-US" smtClean="0"/>
+              <a:t>11/6/2024</a:t>
+            </a:fld>
+            <a:endParaRPr lang="en-US"/>
+          </a:p>
+        </p:txBody>
+      </p:sp>
+      <p:sp>
+        <p:nvSpPr>
+          <p:cNvPr id="6" name="Tijdelijke aanduiding voor voettekst 5">
+            <a:extLst>
+              <a:ext uri="{FF2B5EF4-FFF2-40B4-BE49-F238E27FC236}">
+                <a16:creationId xmlns:a16="http://schemas.microsoft.com/office/drawing/2014/main" id="{AC30E380-23E5-D9AF-3C34-050D9FC55146}"/>
+              </a:ext>
+            </a:extLst>
+          </p:cNvPr>
+          <p:cNvSpPr>
+            <a:spLocks noGrp="1"/>
+          </p:cNvSpPr>
+          <p:nvPr>
+            <p:ph type="ftr" sz="quarter" idx="11"/>
+          </p:nvPr>
+        </p:nvSpPr>
+        <p:spPr/>
+        <p:txBody>
+          <a:bodyPr/>
+          <a:lstStyle/>
+          <a:p>
+            <a:endParaRPr lang="en-US"/>
+          </a:p>
+        </p:txBody>
+      </p:sp>
+      <p:sp>
+        <p:nvSpPr>
+          <p:cNvPr id="7" name="Tijdelijke aanduiding voor dianummer 6">
+            <a:extLst>
+              <a:ext uri="{FF2B5EF4-FFF2-40B4-BE49-F238E27FC236}">
+                <a16:creationId xmlns:a16="http://schemas.microsoft.com/office/drawing/2014/main" id="{C8973EF5-6FD6-785C-8283-A64117A016F2}"/>
+              </a:ext>
+            </a:extLst>
+          </p:cNvPr>
+          <p:cNvSpPr>
+            <a:spLocks noGrp="1"/>
+          </p:cNvSpPr>
+          <p:nvPr>
+            <p:ph type="sldNum" sz="quarter" idx="12"/>
+          </p:nvPr>
+        </p:nvSpPr>
+        <p:spPr/>
+        <p:txBody>
+          <a:bodyPr/>
+          <a:lstStyle/>
+          <a:p>
+            <a:fld id="{1EF4C9A1-A5AA-A442-908E-CD6EBABAD4FA}" type="slidenum">
+              <a:rPr lang="en-US" smtClean="0"/>
+              <a:t>‹nr.›</a:t>
+            </a:fld>
+            <a:endParaRPr lang="en-US"/>
+          </a:p>
+        </p:txBody>
+      </p:sp>
+    </p:spTree>
+    <p:extLst>
+      <p:ext uri="{BB962C8B-B14F-4D97-AF65-F5344CB8AC3E}">
+        <p14:creationId xmlns:p14="http://schemas.microsoft.com/office/powerpoint/2010/main" val="1056071967"/>
+      </p:ext>
+    </p:extLst>
+  </p:cSld>
+  <p:clrMapOvr>
+    <a:masterClrMapping/>
+  </p:clrMapOvr>
+</p:sldLayout>
+</file>
+
+<file path=ppt/slideLayouts/slideLayout5.xml><?xml version="1.0" encoding="utf-8"?>
+<p:sldLayout xmlns:a="http://schemas.openxmlformats.org/drawingml/2006/main" xmlns:r="http://schemas.openxmlformats.org/officeDocument/2006/relationships" xmlns:p="http://schemas.openxmlformats.org/presentationml/2006/main" type="twoTxTwoObj" preserve="1">
+  <p:cSld name="Vergelijking">
+    <p:spTree>
+      <p:nvGrpSpPr>
+        <p:cNvPr id="1" name=""/>
+        <p:cNvGrpSpPr/>
+        <p:nvPr/>
+      </p:nvGrpSpPr>
+      <p:grpSpPr>
+        <a:xfrm>
+          <a:off x="0" y="0"/>
+          <a:ext cx="0" cy="0"/>
+          <a:chOff x="0" y="0"/>
+          <a:chExt cx="0" cy="0"/>
+        </a:xfrm>
+      </p:grpSpPr>
+      <p:sp>
+        <p:nvSpPr>
+          <p:cNvPr id="2" name="Titel 1">
+            <a:extLst>
+              <a:ext uri="{FF2B5EF4-FFF2-40B4-BE49-F238E27FC236}">
+                <a16:creationId xmlns:a16="http://schemas.microsoft.com/office/drawing/2014/main" id="{BEAF35E9-3893-367E-2EDF-64DED32EA8B0}"/>
+              </a:ext>
+            </a:extLst>
+          </p:cNvPr>
+          <p:cNvSpPr>
+            <a:spLocks noGrp="1"/>
+          </p:cNvSpPr>
+          <p:nvPr>
+            <p:ph type="title"/>
+          </p:nvPr>
+        </p:nvSpPr>
+        <p:spPr>
+          <a:xfrm>
+            <a:off x="839788" y="365125"/>
+            <a:ext cx="10515600" cy="1325563"/>
+          </a:xfrm>
+        </p:spPr>
+        <p:txBody>
+          <a:bodyPr/>
+          <a:lstStyle/>
+          <a:p>
+            <a:r>
+              <a:rPr lang="nl-NL"/>
+              <a:t>Klik om stijl te bewerken</a:t>
+            </a:r>
+          </a:p>
+        </p:txBody>
+      </p:sp>
+      <p:sp>
+        <p:nvSpPr>
+          <p:cNvPr id="3" name="Tijdelijke aanduiding voor tekst 2">
+            <a:extLst>
+              <a:ext uri="{FF2B5EF4-FFF2-40B4-BE49-F238E27FC236}">
+                <a16:creationId xmlns:a16="http://schemas.microsoft.com/office/drawing/2014/main" id="{4791B19A-7700-EA6B-624B-C79AA6CAF045}"/>
+              </a:ext>
+            </a:extLst>
+          </p:cNvPr>
+          <p:cNvSpPr>
+            <a:spLocks noGrp="1"/>
+          </p:cNvSpPr>
+          <p:nvPr>
+            <p:ph type="body" idx="1"/>
+          </p:nvPr>
+        </p:nvSpPr>
+        <p:spPr>
+          <a:xfrm>
+            <a:off x="839788" y="1681163"/>
+            <a:ext cx="5157787" cy="823912"/>
+          </a:xfrm>
+        </p:spPr>
+        <p:txBody>
+          <a:bodyPr anchor="b"/>
+          <a:lstStyle>
+            <a:lvl1pPr marL="0" indent="0">
+              <a:buNone/>
+              <a:defRPr sz="2400" b="1"/>
+            </a:lvl1pPr>
+            <a:lvl2pPr marL="457200" indent="0">
+              <a:buNone/>
+              <a:defRPr sz="2000" b="1"/>
+            </a:lvl2pPr>
+            <a:lvl3pPr marL="914400" indent="0">
+              <a:buNone/>
+              <a:defRPr sz="1800" b="1"/>
+            </a:lvl3pPr>
+            <a:lvl4pPr marL="1371600" indent="0">
+              <a:buNone/>
+              <a:defRPr sz="1600" b="1"/>
+            </a:lvl4pPr>
+            <a:lvl5pPr marL="1828800" indent="0">
+              <a:buNone/>
+              <a:defRPr sz="1600" b="1"/>
+            </a:lvl5pPr>
+            <a:lvl6pPr marL="2286000" indent="0">
+              <a:buNone/>
+              <a:defRPr sz="1600" b="1"/>
+            </a:lvl6pPr>
+            <a:lvl7pPr marL="2743200" indent="0">
+              <a:buNone/>
+              <a:defRPr sz="1600" b="1"/>
+            </a:lvl7pPr>
+            <a:lvl8pPr marL="3200400" indent="0">
+              <a:buNone/>
+              <a:defRPr sz="1600" b="1"/>
+            </a:lvl8pPr>
+            <a:lvl9pPr marL="3657600" indent="0">
+              <a:buNone/>
+              <a:defRPr sz="1600" b="1"/>
+            </a:lvl9pPr>
+          </a:lstStyle>
+          <a:p>
+            <a:pPr lvl="0"/>
+            <a:r>
+              <a:rPr lang="nl-NL"/>
+              <a:t>Klikken om de tekststijl van het model te bewerken</a:t>
+            </a:r>
+          </a:p>
+        </p:txBody>
+      </p:sp>
+      <p:sp>
+        <p:nvSpPr>
+          <p:cNvPr id="4" name="Tijdelijke aanduiding voor inhoud 3">
+            <a:extLst>
+              <a:ext uri="{FF2B5EF4-FFF2-40B4-BE49-F238E27FC236}">
+                <a16:creationId xmlns:a16="http://schemas.microsoft.com/office/drawing/2014/main" id="{7549560B-8D47-5176-1F28-327FC7D02D9D}"/>
+              </a:ext>
+            </a:extLst>
+          </p:cNvPr>
+          <p:cNvSpPr>
+            <a:spLocks noGrp="1"/>
+          </p:cNvSpPr>
+          <p:nvPr>
+            <p:ph sz="half" idx="2"/>
+          </p:nvPr>
+        </p:nvSpPr>
+        <p:spPr>
+          <a:xfrm>
+            <a:off x="839788" y="2505075"/>
+            <a:ext cx="5157787" cy="3684588"/>
+          </a:xfrm>
+        </p:spPr>
+        <p:txBody>
+          <a:bodyPr/>
+          <a:lstStyle/>
+          <a:p>
+            <a:pPr lvl="0"/>
+            <a:r>
+              <a:rPr lang="nl-NL"/>
+              <a:t>Klikken om de tekststijl van het model te bewerken</a:t>
+            </a:r>
+          </a:p>
+          <a:p>
+            <a:pPr lvl="1"/>
+            <a:r>
+              <a:rPr lang="nl-NL"/>
+              <a:t>Tweede niveau</a:t>
+            </a:r>
+          </a:p>
+          <a:p>
+            <a:pPr lvl="2"/>
+            <a:r>
+              <a:rPr lang="nl-NL"/>
+              <a:t>Derde niveau</a:t>
+            </a:r>
+          </a:p>
+          <a:p>
+            <a:pPr lvl="3"/>
+            <a:r>
+              <a:rPr lang="nl-NL"/>
+              <a:t>Vierde niveau</a:t>
+            </a:r>
+          </a:p>
+          <a:p>
+            <a:pPr lvl="4"/>
+            <a:r>
+              <a:rPr lang="nl-NL"/>
+              <a:t>Vijfde niveau</a:t>
+            </a:r>
+          </a:p>
+        </p:txBody>
+      </p:sp>
+      <p:sp>
+        <p:nvSpPr>
+          <p:cNvPr id="5" name="Tijdelijke aanduiding voor tekst 4">
+            <a:extLst>
+              <a:ext uri="{FF2B5EF4-FFF2-40B4-BE49-F238E27FC236}">
+                <a16:creationId xmlns:a16="http://schemas.microsoft.com/office/drawing/2014/main" id="{7506B805-6FC8-0A63-6A56-ECFA7028CA56}"/>
+              </a:ext>
+            </a:extLst>
+          </p:cNvPr>
+          <p:cNvSpPr>
+            <a:spLocks noGrp="1"/>
+          </p:cNvSpPr>
+          <p:nvPr>
+            <p:ph type="body" sz="quarter" idx="3"/>
+          </p:nvPr>
+        </p:nvSpPr>
+        <p:spPr>
+          <a:xfrm>
+            <a:off x="6172200" y="1681163"/>
+            <a:ext cx="5183188" cy="823912"/>
+          </a:xfrm>
+        </p:spPr>
+        <p:txBody>
+          <a:bodyPr anchor="b"/>
+          <a:lstStyle>
+            <a:lvl1pPr marL="0" indent="0">
+              <a:buNone/>
+              <a:defRPr sz="2400" b="1"/>
+            </a:lvl1pPr>
+            <a:lvl2pPr marL="457200" indent="0">
+              <a:buNone/>
+              <a:defRPr sz="2000" b="1"/>
+            </a:lvl2pPr>
+            <a:lvl3pPr marL="914400" indent="0">
+              <a:buNone/>
+              <a:defRPr sz="1800" b="1"/>
+            </a:lvl3pPr>
+            <a:lvl4pPr marL="1371600" indent="0">
+              <a:buNone/>
+              <a:defRPr sz="1600" b="1"/>
+            </a:lvl4pPr>
+            <a:lvl5pPr marL="1828800" indent="0">
+              <a:buNone/>
+              <a:defRPr sz="1600" b="1"/>
+            </a:lvl5pPr>
+            <a:lvl6pPr marL="2286000" indent="0">
+              <a:buNone/>
+              <a:defRPr sz="1600" b="1"/>
+            </a:lvl6pPr>
+            <a:lvl7pPr marL="2743200" indent="0">
+              <a:buNone/>
+              <a:defRPr sz="1600" b="1"/>
+            </a:lvl7pPr>
+            <a:lvl8pPr marL="3200400" indent="0">
+              <a:buNone/>
+              <a:defRPr sz="1600" b="1"/>
+            </a:lvl8pPr>
+            <a:lvl9pPr marL="3657600" indent="0">
+              <a:buNone/>
+              <a:defRPr sz="1600" b="1"/>
+            </a:lvl9pPr>
+          </a:lstStyle>
+          <a:p>
+            <a:pPr lvl="0"/>
+            <a:r>
+              <a:rPr lang="nl-NL"/>
+              <a:t>Klikken om de tekststijl van het model te bewerken</a:t>
+            </a:r>
+          </a:p>
+        </p:txBody>
+      </p:sp>
+      <p:sp>
+        <p:nvSpPr>
+          <p:cNvPr id="6" name="Tijdelijke aanduiding voor inhoud 5">
+            <a:extLst>
+              <a:ext uri="{FF2B5EF4-FFF2-40B4-BE49-F238E27FC236}">
+                <a16:creationId xmlns:a16="http://schemas.microsoft.com/office/drawing/2014/main" id="{BA824290-3589-77F3-A636-86D4033606A3}"/>
+              </a:ext>
+            </a:extLst>
+          </p:cNvPr>
+          <p:cNvSpPr>
+            <a:spLocks noGrp="1"/>
+          </p:cNvSpPr>
+          <p:nvPr>
+            <p:ph sz="quarter" idx="4"/>
+          </p:nvPr>
+        </p:nvSpPr>
+        <p:spPr>
+          <a:xfrm>
+            <a:off x="6172200" y="2505075"/>
+            <a:ext cx="5183188" cy="3684588"/>
+          </a:xfrm>
+        </p:spPr>
+        <p:txBody>
+          <a:bodyPr/>
+          <a:lstStyle/>
+          <a:p>
+            <a:pPr lvl="0"/>
+            <a:r>
+              <a:rPr lang="nl-NL"/>
+              <a:t>Klikken om de tekststijl van het model te bewerken</a:t>
+            </a:r>
+          </a:p>
+          <a:p>
+            <a:pPr lvl="1"/>
+            <a:r>
+              <a:rPr lang="nl-NL"/>
+              <a:t>Tweede niveau</a:t>
+            </a:r>
+          </a:p>
+          <a:p>
+            <a:pPr lvl="2"/>
+            <a:r>
+              <a:rPr lang="nl-NL"/>
+              <a:t>Derde niveau</a:t>
+            </a:r>
+          </a:p>
+          <a:p>
+            <a:pPr lvl="3"/>
+            <a:r>
+              <a:rPr lang="nl-NL"/>
+              <a:t>Vierde niveau</a:t>
+            </a:r>
+          </a:p>
+          <a:p>
+            <a:pPr lvl="4"/>
+            <a:r>
+              <a:rPr lang="nl-NL"/>
+              <a:t>Vijfde niveau</a:t>
+            </a:r>
+          </a:p>
+        </p:txBody>
+      </p:sp>
+      <p:sp>
+        <p:nvSpPr>
+          <p:cNvPr id="7" name="Tijdelijke aanduiding voor datum 6">
+            <a:extLst>
+              <a:ext uri="{FF2B5EF4-FFF2-40B4-BE49-F238E27FC236}">
+                <a16:creationId xmlns:a16="http://schemas.microsoft.com/office/drawing/2014/main" id="{D7EB353D-4DD2-ED11-44B4-CB76D5971117}"/>
+              </a:ext>
+            </a:extLst>
+          </p:cNvPr>
+          <p:cNvSpPr>
+            <a:spLocks noGrp="1"/>
+          </p:cNvSpPr>
+          <p:nvPr>
+            <p:ph type="dt" sz="half" idx="10"/>
+          </p:nvPr>
+        </p:nvSpPr>
+        <p:spPr/>
+        <p:txBody>
+          <a:bodyPr/>
+          <a:lstStyle/>
+          <a:p>
+            <a:fld id="{F0E53E00-DC67-B043-B571-30083E803751}" type="datetimeFigureOut">
+              <a:rPr lang="en-US" smtClean="0"/>
+              <a:t>11/6/2024</a:t>
+            </a:fld>
+            <a:endParaRPr lang="en-US"/>
+          </a:p>
+        </p:txBody>
+      </p:sp>
+      <p:sp>
+        <p:nvSpPr>
+          <p:cNvPr id="8" name="Tijdelijke aanduiding voor voettekst 7">
+            <a:extLst>
+              <a:ext uri="{FF2B5EF4-FFF2-40B4-BE49-F238E27FC236}">
+                <a16:creationId xmlns:a16="http://schemas.microsoft.com/office/drawing/2014/main" id="{0479D5D2-BA99-1464-F3C5-DE89F96491EB}"/>
+              </a:ext>
+            </a:extLst>
+          </p:cNvPr>
+          <p:cNvSpPr>
+            <a:spLocks noGrp="1"/>
+          </p:cNvSpPr>
+          <p:nvPr>
+            <p:ph type="ftr" sz="quarter" idx="11"/>
+          </p:nvPr>
+        </p:nvSpPr>
+        <p:spPr/>
+        <p:txBody>
+          <a:bodyPr/>
+          <a:lstStyle/>
+          <a:p>
+            <a:endParaRPr lang="en-US"/>
+          </a:p>
+        </p:txBody>
+      </p:sp>
+      <p:sp>
+        <p:nvSpPr>
+          <p:cNvPr id="9" name="Tijdelijke aanduiding voor dianummer 8">
+            <a:extLst>
+              <a:ext uri="{FF2B5EF4-FFF2-40B4-BE49-F238E27FC236}">
+                <a16:creationId xmlns:a16="http://schemas.microsoft.com/office/drawing/2014/main" id="{05B1DC75-82F3-FE2B-09BE-4A81CD3503FB}"/>
+              </a:ext>
+            </a:extLst>
+          </p:cNvPr>
+          <p:cNvSpPr>
+            <a:spLocks noGrp="1"/>
+          </p:cNvSpPr>
+          <p:nvPr>
+            <p:ph type="sldNum" sz="quarter" idx="12"/>
+          </p:nvPr>
+        </p:nvSpPr>
+        <p:spPr/>
+        <p:txBody>
+          <a:bodyPr/>
+          <a:lstStyle/>
+          <a:p>
+            <a:fld id="{1EF4C9A1-A5AA-A442-908E-CD6EBABAD4FA}" type="slidenum">
+              <a:rPr lang="en-US" smtClean="0"/>
+              <a:t>‹nr.›</a:t>
+            </a:fld>
+            <a:endParaRPr lang="en-US"/>
+          </a:p>
+        </p:txBody>
+      </p:sp>
+    </p:spTree>
+    <p:extLst>
+      <p:ext uri="{BB962C8B-B14F-4D97-AF65-F5344CB8AC3E}">
+        <p14:creationId xmlns:p14="http://schemas.microsoft.com/office/powerpoint/2010/main" val="1367324436"/>
+      </p:ext>
+    </p:extLst>
+  </p:cSld>
+  <p:clrMapOvr>
+    <a:masterClrMapping/>
+  </p:clrMapOvr>
+</p:sldLayout>
+</file>
+
+<file path=ppt/slideLayouts/slideLayout6.xml><?xml version="1.0" encoding="utf-8"?>
+<p:sldLayout xmlns:a="http://schemas.openxmlformats.org/drawingml/2006/main" xmlns:r="http://schemas.openxmlformats.org/officeDocument/2006/relationships" xmlns:p="http://schemas.openxmlformats.org/presentationml/2006/main" type="titleOnly" preserve="1">
+  <p:cSld name="Alleen titel">
+    <p:spTree>
+      <p:nvGrpSpPr>
+        <p:cNvPr id="1" name=""/>
+        <p:cNvGrpSpPr/>
+        <p:nvPr/>
+      </p:nvGrpSpPr>
+      <p:grpSpPr>
+        <a:xfrm>
+          <a:off x="0" y="0"/>
+          <a:ext cx="0" cy="0"/>
+          <a:chOff x="0" y="0"/>
+          <a:chExt cx="0" cy="0"/>
+        </a:xfrm>
+      </p:grpSpPr>
+      <p:sp>
+        <p:nvSpPr>
+          <p:cNvPr id="2" name="Titel 1">
+            <a:extLst>
+              <a:ext uri="{FF2B5EF4-FFF2-40B4-BE49-F238E27FC236}">
+                <a16:creationId xmlns:a16="http://schemas.microsoft.com/office/drawing/2014/main" id="{1E31714F-E1F6-4DEB-0F1C-1EED31EBA7F1}"/>
+              </a:ext>
+            </a:extLst>
+          </p:cNvPr>
+          <p:cNvSpPr>
+            <a:spLocks noGrp="1"/>
+          </p:cNvSpPr>
+          <p:nvPr>
+            <p:ph type="title"/>
+          </p:nvPr>
+        </p:nvSpPr>
+        <p:spPr/>
+        <p:txBody>
+          <a:bodyPr/>
+          <a:lstStyle/>
+          <a:p>
+            <a:r>
+              <a:rPr lang="nl-NL"/>
+              <a:t>Klik om stijl te bewerken</a:t>
+            </a:r>
+          </a:p>
+        </p:txBody>
+      </p:sp>
+      <p:sp>
+        <p:nvSpPr>
+          <p:cNvPr id="3" name="Tijdelijke aanduiding voor datum 2">
+            <a:extLst>
+              <a:ext uri="{FF2B5EF4-FFF2-40B4-BE49-F238E27FC236}">
+                <a16:creationId xmlns:a16="http://schemas.microsoft.com/office/drawing/2014/main" id="{7E86C7F5-84A2-CD11-9A24-E8AE75E8EBBC}"/>
+              </a:ext>
+            </a:extLst>
+          </p:cNvPr>
+          <p:cNvSpPr>
+            <a:spLocks noGrp="1"/>
+          </p:cNvSpPr>
+          <p:nvPr>
+            <p:ph type="dt" sz="half" idx="10"/>
+          </p:nvPr>
+        </p:nvSpPr>
+        <p:spPr/>
+        <p:txBody>
+          <a:bodyPr/>
+          <a:lstStyle/>
+          <a:p>
+            <a:fld id="{F0E53E00-DC67-B043-B571-30083E803751}" type="datetimeFigureOut">
+              <a:rPr lang="en-US" smtClean="0"/>
+              <a:t>11/6/2024</a:t>
+            </a:fld>
+            <a:endParaRPr lang="en-US"/>
+          </a:p>
+        </p:txBody>
+      </p:sp>
+      <p:sp>
+        <p:nvSpPr>
+          <p:cNvPr id="4" name="Tijdelijke aanduiding voor voettekst 3">
+            <a:extLst>
+              <a:ext uri="{FF2B5EF4-FFF2-40B4-BE49-F238E27FC236}">
+                <a16:creationId xmlns:a16="http://schemas.microsoft.com/office/drawing/2014/main" id="{28142B1F-4965-6B03-BD7D-BD6892E15BFC}"/>
+              </a:ext>
+            </a:extLst>
+          </p:cNvPr>
+          <p:cNvSpPr>
+            <a:spLocks noGrp="1"/>
+          </p:cNvSpPr>
+          <p:nvPr>
+            <p:ph type="ftr" sz="quarter" idx="11"/>
+          </p:nvPr>
+        </p:nvSpPr>
+        <p:spPr/>
+        <p:txBody>
+          <a:bodyPr/>
+          <a:lstStyle/>
+          <a:p>
+            <a:endParaRPr lang="en-US"/>
+          </a:p>
+        </p:txBody>
+      </p:sp>
+      <p:sp>
+        <p:nvSpPr>
+          <p:cNvPr id="5" name="Tijdelijke aanduiding voor dianummer 4">
+            <a:extLst>
+              <a:ext uri="{FF2B5EF4-FFF2-40B4-BE49-F238E27FC236}">
+                <a16:creationId xmlns:a16="http://schemas.microsoft.com/office/drawing/2014/main" id="{848EA01C-AEEB-4661-9E2A-B868CC274522}"/>
+              </a:ext>
+            </a:extLst>
+          </p:cNvPr>
+          <p:cNvSpPr>
+            <a:spLocks noGrp="1"/>
+          </p:cNvSpPr>
+          <p:nvPr>
+            <p:ph type="sldNum" sz="quarter" idx="12"/>
+          </p:nvPr>
+        </p:nvSpPr>
+        <p:spPr/>
+        <p:txBody>
+          <a:bodyPr/>
+          <a:lstStyle/>
+          <a:p>
+            <a:fld id="{1EF4C9A1-A5AA-A442-908E-CD6EBABAD4FA}" type="slidenum">
+              <a:rPr lang="en-US" smtClean="0"/>
+              <a:t>‹nr.›</a:t>
+            </a:fld>
+            <a:endParaRPr lang="en-US"/>
+          </a:p>
+        </p:txBody>
+      </p:sp>
+    </p:spTree>
+    <p:extLst>
+      <p:ext uri="{BB962C8B-B14F-4D97-AF65-F5344CB8AC3E}">
+        <p14:creationId xmlns:p14="http://schemas.microsoft.com/office/powerpoint/2010/main" val="1106044403"/>
+      </p:ext>
+    </p:extLst>
+  </p:cSld>
+  <p:clrMapOvr>
+    <a:masterClrMapping/>
+  </p:clrMapOvr>
+</p:sldLayout>
+</file>
+
+<file path=ppt/slideLayouts/slideLayout7.xml><?xml version="1.0" encoding="utf-8"?>
+<p:sldLayout xmlns:a="http://schemas.openxmlformats.org/drawingml/2006/main" xmlns:r="http://schemas.openxmlformats.org/officeDocument/2006/relationships" xmlns:p="http://schemas.openxmlformats.org/presentationml/2006/main" type="blank" preserve="1">
+  <p:cSld name="Leeg">
+    <p:spTree>
+      <p:nvGrpSpPr>
+        <p:cNvPr id="1" name=""/>
+        <p:cNvGrpSpPr/>
+        <p:nvPr/>
+      </p:nvGrpSpPr>
+      <p:grpSpPr>
+        <a:xfrm>
+          <a:off x="0" y="0"/>
+          <a:ext cx="0" cy="0"/>
+          <a:chOff x="0" y="0"/>
+          <a:chExt cx="0" cy="0"/>
+        </a:xfrm>
+      </p:grpSpPr>
+      <p:sp>
+        <p:nvSpPr>
+          <p:cNvPr id="2" name="Tijdelijke aanduiding voor datum 1">
+            <a:extLst>
+              <a:ext uri="{FF2B5EF4-FFF2-40B4-BE49-F238E27FC236}">
+                <a16:creationId xmlns:a16="http://schemas.microsoft.com/office/drawing/2014/main" id="{BE605398-AC1A-341F-788C-2AC00F207237}"/>
+              </a:ext>
+            </a:extLst>
+          </p:cNvPr>
+          <p:cNvSpPr>
+            <a:spLocks noGrp="1"/>
+          </p:cNvSpPr>
+          <p:nvPr>
+            <p:ph type="dt" sz="half" idx="10"/>
+          </p:nvPr>
+        </p:nvSpPr>
+        <p:spPr/>
+        <p:txBody>
+          <a:bodyPr/>
+          <a:lstStyle/>
+          <a:p>
+            <a:fld id="{F0E53E00-DC67-B043-B571-30083E803751}" type="datetimeFigureOut">
+              <a:rPr lang="en-US" smtClean="0"/>
+              <a:t>11/6/2024</a:t>
+            </a:fld>
+            <a:endParaRPr lang="en-US"/>
+          </a:p>
+        </p:txBody>
+      </p:sp>
+      <p:sp>
+        <p:nvSpPr>
+          <p:cNvPr id="3" name="Tijdelijke aanduiding voor voettekst 2">
+            <a:extLst>
+              <a:ext uri="{FF2B5EF4-FFF2-40B4-BE49-F238E27FC236}">
+                <a16:creationId xmlns:a16="http://schemas.microsoft.com/office/drawing/2014/main" id="{60209834-33E5-E3B6-A251-E7E860E3C735}"/>
+              </a:ext>
+            </a:extLst>
+          </p:cNvPr>
+          <p:cNvSpPr>
+            <a:spLocks noGrp="1"/>
+          </p:cNvSpPr>
+          <p:nvPr>
+            <p:ph type="ftr" sz="quarter" idx="11"/>
+          </p:nvPr>
+        </p:nvSpPr>
+        <p:spPr/>
+        <p:txBody>
+          <a:bodyPr/>
+          <a:lstStyle/>
+          <a:p>
+            <a:endParaRPr lang="en-US"/>
+          </a:p>
+        </p:txBody>
+      </p:sp>
+      <p:sp>
+        <p:nvSpPr>
+          <p:cNvPr id="4" name="Tijdelijke aanduiding voor dianummer 3">
+            <a:extLst>
+              <a:ext uri="{FF2B5EF4-FFF2-40B4-BE49-F238E27FC236}">
+                <a16:creationId xmlns:a16="http://schemas.microsoft.com/office/drawing/2014/main" id="{D8463108-E7C4-4717-3A93-73C0D38F5F2F}"/>
+              </a:ext>
+            </a:extLst>
+          </p:cNvPr>
+          <p:cNvSpPr>
+            <a:spLocks noGrp="1"/>
+          </p:cNvSpPr>
+          <p:nvPr>
+            <p:ph type="sldNum" sz="quarter" idx="12"/>
+          </p:nvPr>
+        </p:nvSpPr>
+        <p:spPr/>
+        <p:txBody>
+          <a:bodyPr/>
+          <a:lstStyle/>
+          <a:p>
+            <a:fld id="{1EF4C9A1-A5AA-A442-908E-CD6EBABAD4FA}" type="slidenum">
+              <a:rPr lang="en-US" smtClean="0"/>
+              <a:t>‹nr.›</a:t>
+            </a:fld>
+            <a:endParaRPr lang="en-US"/>
+          </a:p>
+        </p:txBody>
+      </p:sp>
+    </p:spTree>
+    <p:extLst>
+      <p:ext uri="{BB962C8B-B14F-4D97-AF65-F5344CB8AC3E}">
+        <p14:creationId xmlns:p14="http://schemas.microsoft.com/office/powerpoint/2010/main" val="1963515577"/>
+      </p:ext>
+    </p:extLst>
+  </p:cSld>
+  <p:clrMapOvr>
+    <a:masterClrMapping/>
+  </p:clrMapOvr>
+</p:sldLayout>
+</file>
+
+<file path=ppt/slideLayouts/slideLayout8.xml><?xml version="1.0" encoding="utf-8"?>
+<p:sldLayout xmlns:a="http://schemas.openxmlformats.org/drawingml/2006/main" xmlns:r="http://schemas.openxmlformats.org/officeDocument/2006/relationships" xmlns:p="http://schemas.openxmlformats.org/presentationml/2006/main" type="objTx" preserve="1">
+  <p:cSld name="Inhoud met bijschrift">
+    <p:spTree>
+      <p:nvGrpSpPr>
+        <p:cNvPr id="1" name=""/>
+        <p:cNvGrpSpPr/>
+        <p:nvPr/>
+      </p:nvGrpSpPr>
+      <p:grpSpPr>
+        <a:xfrm>
+          <a:off x="0" y="0"/>
+          <a:ext cx="0" cy="0"/>
+          <a:chOff x="0" y="0"/>
+          <a:chExt cx="0" cy="0"/>
+        </a:xfrm>
+      </p:grpSpPr>
+      <p:sp>
+        <p:nvSpPr>
+          <p:cNvPr id="2" name="Titel 1">
+            <a:extLst>
+              <a:ext uri="{FF2B5EF4-FFF2-40B4-BE49-F238E27FC236}">
+                <a16:creationId xmlns:a16="http://schemas.microsoft.com/office/drawing/2014/main" id="{3371F995-0BC7-7B05-192C-077A75018A12}"/>
+              </a:ext>
+            </a:extLst>
+          </p:cNvPr>
           <p:cNvSpPr>
             <a:spLocks noGrp="1"/>
           </p:cNvSpPr>
@@ -1089,15 +3061,332 @@
           </a:lstStyle>
           <a:p>
             <a:r>
-              <a:rPr lang="en-US"/>
-              <a:t>Click to edit Master title style</a:t>
+              <a:rPr lang="nl-NL"/>
+              <a:t>Klik om stijl te bewerken</a:t>
             </a:r>
           </a:p>
         </p:txBody>
       </p:sp>
       <p:sp>
         <p:nvSpPr>
-          <p:cNvPr id="3" name="Picture Placeholder 2"/>
+          <p:cNvPr id="3" name="Tijdelijke aanduiding voor inhoud 2">
+            <a:extLst>
+              <a:ext uri="{FF2B5EF4-FFF2-40B4-BE49-F238E27FC236}">
+                <a16:creationId xmlns:a16="http://schemas.microsoft.com/office/drawing/2014/main" id="{7C88730F-65C8-7265-CE2C-65256E676F94}"/>
+              </a:ext>
+            </a:extLst>
+          </p:cNvPr>
+          <p:cNvSpPr>
+            <a:spLocks noGrp="1"/>
+          </p:cNvSpPr>
+          <p:nvPr>
+            <p:ph idx="1"/>
+          </p:nvPr>
+        </p:nvSpPr>
+        <p:spPr>
+          <a:xfrm>
+            <a:off x="5183188" y="987425"/>
+            <a:ext cx="6172200" cy="4873625"/>
+          </a:xfrm>
+        </p:spPr>
+        <p:txBody>
+          <a:bodyPr/>
+          <a:lstStyle>
+            <a:lvl1pPr>
+              <a:defRPr sz="3200"/>
+            </a:lvl1pPr>
+            <a:lvl2pPr>
+              <a:defRPr sz="2800"/>
+            </a:lvl2pPr>
+            <a:lvl3pPr>
+              <a:defRPr sz="2400"/>
+            </a:lvl3pPr>
+            <a:lvl4pPr>
+              <a:defRPr sz="2000"/>
+            </a:lvl4pPr>
+            <a:lvl5pPr>
+              <a:defRPr sz="2000"/>
+            </a:lvl5pPr>
+            <a:lvl6pPr>
+              <a:defRPr sz="2000"/>
+            </a:lvl6pPr>
+            <a:lvl7pPr>
+              <a:defRPr sz="2000"/>
+            </a:lvl7pPr>
+            <a:lvl8pPr>
+              <a:defRPr sz="2000"/>
+            </a:lvl8pPr>
+            <a:lvl9pPr>
+              <a:defRPr sz="2000"/>
+            </a:lvl9pPr>
+          </a:lstStyle>
+          <a:p>
+            <a:pPr lvl="0"/>
+            <a:r>
+              <a:rPr lang="nl-NL"/>
+              <a:t>Klikken om de tekststijl van het model te bewerken</a:t>
+            </a:r>
+          </a:p>
+          <a:p>
+            <a:pPr lvl="1"/>
+            <a:r>
+              <a:rPr lang="nl-NL"/>
+              <a:t>Tweede niveau</a:t>
+            </a:r>
+          </a:p>
+          <a:p>
+            <a:pPr lvl="2"/>
+            <a:r>
+              <a:rPr lang="nl-NL"/>
+              <a:t>Derde niveau</a:t>
+            </a:r>
+          </a:p>
+          <a:p>
+            <a:pPr lvl="3"/>
+            <a:r>
+              <a:rPr lang="nl-NL"/>
+              <a:t>Vierde niveau</a:t>
+            </a:r>
+          </a:p>
+          <a:p>
+            <a:pPr lvl="4"/>
+            <a:r>
+              <a:rPr lang="nl-NL"/>
+              <a:t>Vijfde niveau</a:t>
+            </a:r>
+          </a:p>
+        </p:txBody>
+      </p:sp>
+      <p:sp>
+        <p:nvSpPr>
+          <p:cNvPr id="4" name="Tijdelijke aanduiding voor tekst 3">
+            <a:extLst>
+              <a:ext uri="{FF2B5EF4-FFF2-40B4-BE49-F238E27FC236}">
+                <a16:creationId xmlns:a16="http://schemas.microsoft.com/office/drawing/2014/main" id="{1C070050-4539-7EF0-6DDB-B523D8E63864}"/>
+              </a:ext>
+            </a:extLst>
+          </p:cNvPr>
+          <p:cNvSpPr>
+            <a:spLocks noGrp="1"/>
+          </p:cNvSpPr>
+          <p:nvPr>
+            <p:ph type="body" sz="half" idx="2"/>
+          </p:nvPr>
+        </p:nvSpPr>
+        <p:spPr>
+          <a:xfrm>
+            <a:off x="839788" y="2057400"/>
+            <a:ext cx="3932237" cy="3811588"/>
+          </a:xfrm>
+        </p:spPr>
+        <p:txBody>
+          <a:bodyPr/>
+          <a:lstStyle>
+            <a:lvl1pPr marL="0" indent="0">
+              <a:buNone/>
+              <a:defRPr sz="1600"/>
+            </a:lvl1pPr>
+            <a:lvl2pPr marL="457200" indent="0">
+              <a:buNone/>
+              <a:defRPr sz="1400"/>
+            </a:lvl2pPr>
+            <a:lvl3pPr marL="914400" indent="0">
+              <a:buNone/>
+              <a:defRPr sz="1200"/>
+            </a:lvl3pPr>
+            <a:lvl4pPr marL="1371600" indent="0">
+              <a:buNone/>
+              <a:defRPr sz="1000"/>
+            </a:lvl4pPr>
+            <a:lvl5pPr marL="1828800" indent="0">
+              <a:buNone/>
+              <a:defRPr sz="1000"/>
+            </a:lvl5pPr>
+            <a:lvl6pPr marL="2286000" indent="0">
+              <a:buNone/>
+              <a:defRPr sz="1000"/>
+            </a:lvl6pPr>
+            <a:lvl7pPr marL="2743200" indent="0">
+              <a:buNone/>
+              <a:defRPr sz="1000"/>
+            </a:lvl7pPr>
+            <a:lvl8pPr marL="3200400" indent="0">
+              <a:buNone/>
+              <a:defRPr sz="1000"/>
+            </a:lvl8pPr>
+            <a:lvl9pPr marL="3657600" indent="0">
+              <a:buNone/>
+              <a:defRPr sz="1000"/>
+            </a:lvl9pPr>
+          </a:lstStyle>
+          <a:p>
+            <a:pPr lvl="0"/>
+            <a:r>
+              <a:rPr lang="nl-NL"/>
+              <a:t>Klikken om de tekststijl van het model te bewerken</a:t>
+            </a:r>
+          </a:p>
+        </p:txBody>
+      </p:sp>
+      <p:sp>
+        <p:nvSpPr>
+          <p:cNvPr id="5" name="Tijdelijke aanduiding voor datum 4">
+            <a:extLst>
+              <a:ext uri="{FF2B5EF4-FFF2-40B4-BE49-F238E27FC236}">
+                <a16:creationId xmlns:a16="http://schemas.microsoft.com/office/drawing/2014/main" id="{4234AEE0-A8D4-0B5A-B986-FFFF1EDA7583}"/>
+              </a:ext>
+            </a:extLst>
+          </p:cNvPr>
+          <p:cNvSpPr>
+            <a:spLocks noGrp="1"/>
+          </p:cNvSpPr>
+          <p:nvPr>
+            <p:ph type="dt" sz="half" idx="10"/>
+          </p:nvPr>
+        </p:nvSpPr>
+        <p:spPr/>
+        <p:txBody>
+          <a:bodyPr/>
+          <a:lstStyle/>
+          <a:p>
+            <a:fld id="{F0E53E00-DC67-B043-B571-30083E803751}" type="datetimeFigureOut">
+              <a:rPr lang="en-US" smtClean="0"/>
+              <a:t>11/6/2024</a:t>
+            </a:fld>
+            <a:endParaRPr lang="en-US"/>
+          </a:p>
+        </p:txBody>
+      </p:sp>
+      <p:sp>
+        <p:nvSpPr>
+          <p:cNvPr id="6" name="Tijdelijke aanduiding voor voettekst 5">
+            <a:extLst>
+              <a:ext uri="{FF2B5EF4-FFF2-40B4-BE49-F238E27FC236}">
+                <a16:creationId xmlns:a16="http://schemas.microsoft.com/office/drawing/2014/main" id="{8EF96723-6D5D-2E0D-6C02-DFAE2385F2DD}"/>
+              </a:ext>
+            </a:extLst>
+          </p:cNvPr>
+          <p:cNvSpPr>
+            <a:spLocks noGrp="1"/>
+          </p:cNvSpPr>
+          <p:nvPr>
+            <p:ph type="ftr" sz="quarter" idx="11"/>
+          </p:nvPr>
+        </p:nvSpPr>
+        <p:spPr/>
+        <p:txBody>
+          <a:bodyPr/>
+          <a:lstStyle/>
+          <a:p>
+            <a:endParaRPr lang="en-US"/>
+          </a:p>
+        </p:txBody>
+      </p:sp>
+      <p:sp>
+        <p:nvSpPr>
+          <p:cNvPr id="7" name="Tijdelijke aanduiding voor dianummer 6">
+            <a:extLst>
+              <a:ext uri="{FF2B5EF4-FFF2-40B4-BE49-F238E27FC236}">
+                <a16:creationId xmlns:a16="http://schemas.microsoft.com/office/drawing/2014/main" id="{896EDF28-4124-EE39-BF96-3DB71CD7973B}"/>
+              </a:ext>
+            </a:extLst>
+          </p:cNvPr>
+          <p:cNvSpPr>
+            <a:spLocks noGrp="1"/>
+          </p:cNvSpPr>
+          <p:nvPr>
+            <p:ph type="sldNum" sz="quarter" idx="12"/>
+          </p:nvPr>
+        </p:nvSpPr>
+        <p:spPr/>
+        <p:txBody>
+          <a:bodyPr/>
+          <a:lstStyle/>
+          <a:p>
+            <a:fld id="{1EF4C9A1-A5AA-A442-908E-CD6EBABAD4FA}" type="slidenum">
+              <a:rPr lang="en-US" smtClean="0"/>
+              <a:t>‹nr.›</a:t>
+            </a:fld>
+            <a:endParaRPr lang="en-US"/>
+          </a:p>
+        </p:txBody>
+      </p:sp>
+    </p:spTree>
+    <p:extLst>
+      <p:ext uri="{BB962C8B-B14F-4D97-AF65-F5344CB8AC3E}">
+        <p14:creationId xmlns:p14="http://schemas.microsoft.com/office/powerpoint/2010/main" val="3697780727"/>
+      </p:ext>
+    </p:extLst>
+  </p:cSld>
+  <p:clrMapOvr>
+    <a:masterClrMapping/>
+  </p:clrMapOvr>
+</p:sldLayout>
+</file>
+
+<file path=ppt/slideLayouts/slideLayout9.xml><?xml version="1.0" encoding="utf-8"?>
+<p:sldLayout xmlns:a="http://schemas.openxmlformats.org/drawingml/2006/main" xmlns:r="http://schemas.openxmlformats.org/officeDocument/2006/relationships" xmlns:p="http://schemas.openxmlformats.org/presentationml/2006/main" type="picTx" preserve="1">
+  <p:cSld name="Afbeelding met bijschrift">
+    <p:spTree>
+      <p:nvGrpSpPr>
+        <p:cNvPr id="1" name=""/>
+        <p:cNvGrpSpPr/>
+        <p:nvPr/>
+      </p:nvGrpSpPr>
+      <p:grpSpPr>
+        <a:xfrm>
+          <a:off x="0" y="0"/>
+          <a:ext cx="0" cy="0"/>
+          <a:chOff x="0" y="0"/>
+          <a:chExt cx="0" cy="0"/>
+        </a:xfrm>
+      </p:grpSpPr>
+      <p:sp>
+        <p:nvSpPr>
+          <p:cNvPr id="2" name="Titel 1">
+            <a:extLst>
+              <a:ext uri="{FF2B5EF4-FFF2-40B4-BE49-F238E27FC236}">
+                <a16:creationId xmlns:a16="http://schemas.microsoft.com/office/drawing/2014/main" id="{03439278-3A00-FA84-1585-04118E1192B8}"/>
+              </a:ext>
+            </a:extLst>
+          </p:cNvPr>
+          <p:cNvSpPr>
+            <a:spLocks noGrp="1"/>
+          </p:cNvSpPr>
+          <p:nvPr>
+            <p:ph type="title"/>
+          </p:nvPr>
+        </p:nvSpPr>
+        <p:spPr>
+          <a:xfrm>
+            <a:off x="839788" y="457200"/>
+            <a:ext cx="3932237" cy="1600200"/>
+          </a:xfrm>
+        </p:spPr>
+        <p:txBody>
+          <a:bodyPr anchor="b"/>
+          <a:lstStyle>
+            <a:lvl1pPr>
+              <a:defRPr sz="3200"/>
+            </a:lvl1pPr>
+          </a:lstStyle>
+          <a:p>
+            <a:r>
+              <a:rPr lang="nl-NL"/>
+              <a:t>Klik om stijl te bewerken</a:t>
+            </a:r>
+          </a:p>
+        </p:txBody>
+      </p:sp>
+      <p:sp>
+        <p:nvSpPr>
+          <p:cNvPr id="3" name="Tijdelijke aanduiding voor afbeelding 2">
+            <a:extLst>
+              <a:ext uri="{FF2B5EF4-FFF2-40B4-BE49-F238E27FC236}">
+                <a16:creationId xmlns:a16="http://schemas.microsoft.com/office/drawing/2014/main" id="{2C2BD516-B73C-8BFF-2CCB-7A381CD8A92A}"/>
+              </a:ext>
+            </a:extLst>
+          </p:cNvPr>
           <p:cNvSpPr>
             <a:spLocks noGrp="1"/>
           </p:cNvSpPr>
@@ -1152,13 +3441,19 @@
             </a:lvl9pPr>
           </a:lstStyle>
           <a:p>
-            <a:endParaRPr lang="en-US"/>
+            <a:endParaRPr lang="nl-NL"/>
           </a:p>
         </p:txBody>
       </p:sp>
       <p:sp>
         <p:nvSpPr>
-          <p:cNvPr id="4" name="Text Placeholder 3"/>
+          <p:cNvPr id="4" name="Tijdelijke aanduiding voor tekst 3">
+            <a:extLst>
+              <a:ext uri="{FF2B5EF4-FFF2-40B4-BE49-F238E27FC236}">
+                <a16:creationId xmlns:a16="http://schemas.microsoft.com/office/drawing/2014/main" id="{CABD27F4-94EC-1D43-60C6-958644A88A03}"/>
+              </a:ext>
+            </a:extLst>
+          </p:cNvPr>
           <p:cNvSpPr>
             <a:spLocks noGrp="1"/>
           </p:cNvSpPr>
@@ -1215,15 +3510,21 @@
           <a:p>
             <a:pPr lvl="0"/>
             <a:r>
-              <a:rPr lang="en-US"/>
-              <a:t>Click to edit Master text styles</a:t>
+              <a:rPr lang="nl-NL"/>
+              <a:t>Klikken om de tekststijl van het model te bewerken</a:t>
             </a:r>
           </a:p>
         </p:txBody>
       </p:sp>
       <p:sp>
         <p:nvSpPr>
-          <p:cNvPr id="5" name="Date Placeholder 4"/>
+          <p:cNvPr id="5" name="Tijdelijke aanduiding voor datum 4">
+            <a:extLst>
+              <a:ext uri="{FF2B5EF4-FFF2-40B4-BE49-F238E27FC236}">
+                <a16:creationId xmlns:a16="http://schemas.microsoft.com/office/drawing/2014/main" id="{74F734F6-AF0A-17E1-5B91-721759E8170C}"/>
+              </a:ext>
+            </a:extLst>
+          </p:cNvPr>
           <p:cNvSpPr>
             <a:spLocks noGrp="1"/>
           </p:cNvSpPr>
@@ -1238,7 +3539,7 @@
           <a:p>
             <a:fld id="{F0E53E00-DC67-B043-B571-30083E803751}" type="datetimeFigureOut">
               <a:rPr lang="en-US" smtClean="0"/>
-              <a:t>11/30/2023</a:t>
+              <a:t>11/6/2024</a:t>
             </a:fld>
             <a:endParaRPr lang="en-US"/>
           </a:p>
@@ -1246,7 +3547,13 @@
       </p:sp>
       <p:sp>
         <p:nvSpPr>
-          <p:cNvPr id="6" name="Footer Placeholder 5"/>
+          <p:cNvPr id="6" name="Tijdelijke aanduiding voor voettekst 5">
+            <a:extLst>
+              <a:ext uri="{FF2B5EF4-FFF2-40B4-BE49-F238E27FC236}">
+                <a16:creationId xmlns:a16="http://schemas.microsoft.com/office/drawing/2014/main" id="{41894DD8-CF6D-36CB-5486-65B843AB3C6B}"/>
+              </a:ext>
+            </a:extLst>
+          </p:cNvPr>
           <p:cNvSpPr>
             <a:spLocks noGrp="1"/>
           </p:cNvSpPr>
@@ -1265,7 +3572,13 @@
       </p:sp>
       <p:sp>
         <p:nvSpPr>
-          <p:cNvPr id="7" name="Slide Number Placeholder 6"/>
+          <p:cNvPr id="7" name="Tijdelijke aanduiding voor dianummer 6">
+            <a:extLst>
+              <a:ext uri="{FF2B5EF4-FFF2-40B4-BE49-F238E27FC236}">
+                <a16:creationId xmlns:a16="http://schemas.microsoft.com/office/drawing/2014/main" id="{4102275A-7C3C-FEB8-3477-C9DCB045BAF6}"/>
+              </a:ext>
+            </a:extLst>
+          </p:cNvPr>
           <p:cNvSpPr>
             <a:spLocks noGrp="1"/>
           </p:cNvSpPr>
@@ -1289,2188 +3602,7 @@
     </p:spTree>
     <p:extLst>
       <p:ext uri="{BB962C8B-B14F-4D97-AF65-F5344CB8AC3E}">
-        <p14:creationId xmlns:p14="http://schemas.microsoft.com/office/powerpoint/2010/main" val="311735902"/>
-      </p:ext>
-    </p:extLst>
-  </p:cSld>
-  <p:clrMapOvr>
-    <a:masterClrMapping/>
-  </p:clrMapOvr>
-</p:sldLayout>
-</file>
-
-<file path=ppt/slideLayouts/slideLayout11.xml><?xml version="1.0" encoding="utf-8"?>
-<p:sldLayout xmlns:a="http://schemas.openxmlformats.org/drawingml/2006/main" xmlns:r="http://schemas.openxmlformats.org/officeDocument/2006/relationships" xmlns:p="http://schemas.openxmlformats.org/presentationml/2006/main" type="vertTx" preserve="1">
-  <p:cSld name="Title and Vertical Text">
-    <p:spTree>
-      <p:nvGrpSpPr>
-        <p:cNvPr id="1" name=""/>
-        <p:cNvGrpSpPr/>
-        <p:nvPr/>
-      </p:nvGrpSpPr>
-      <p:grpSpPr>
-        <a:xfrm>
-          <a:off x="0" y="0"/>
-          <a:ext cx="0" cy="0"/>
-          <a:chOff x="0" y="0"/>
-          <a:chExt cx="0" cy="0"/>
-        </a:xfrm>
-      </p:grpSpPr>
-      <p:sp>
-        <p:nvSpPr>
-          <p:cNvPr id="2" name="Title 1"/>
-          <p:cNvSpPr>
-            <a:spLocks noGrp="1"/>
-          </p:cNvSpPr>
-          <p:nvPr>
-            <p:ph type="title"/>
-          </p:nvPr>
-        </p:nvSpPr>
-        <p:spPr/>
-        <p:txBody>
-          <a:bodyPr/>
-          <a:lstStyle/>
-          <a:p>
-            <a:r>
-              <a:rPr lang="en-US"/>
-              <a:t>Click to edit Master title style</a:t>
-            </a:r>
-          </a:p>
-        </p:txBody>
-      </p:sp>
-      <p:sp>
-        <p:nvSpPr>
-          <p:cNvPr id="3" name="Vertical Text Placeholder 2"/>
-          <p:cNvSpPr>
-            <a:spLocks noGrp="1"/>
-          </p:cNvSpPr>
-          <p:nvPr>
-            <p:ph type="body" orient="vert" idx="1"/>
-          </p:nvPr>
-        </p:nvSpPr>
-        <p:spPr/>
-        <p:txBody>
-          <a:bodyPr vert="eaVert"/>
-          <a:lstStyle/>
-          <a:p>
-            <a:pPr lvl="0"/>
-            <a:r>
-              <a:rPr lang="en-US"/>
-              <a:t>Click to edit Master text styles</a:t>
-            </a:r>
-          </a:p>
-          <a:p>
-            <a:pPr lvl="1"/>
-            <a:r>
-              <a:rPr lang="en-US"/>
-              <a:t>Second level</a:t>
-            </a:r>
-          </a:p>
-          <a:p>
-            <a:pPr lvl="2"/>
-            <a:r>
-              <a:rPr lang="en-US"/>
-              <a:t>Third level</a:t>
-            </a:r>
-          </a:p>
-          <a:p>
-            <a:pPr lvl="3"/>
-            <a:r>
-              <a:rPr lang="en-US"/>
-              <a:t>Fourth level</a:t>
-            </a:r>
-          </a:p>
-          <a:p>
-            <a:pPr lvl="4"/>
-            <a:r>
-              <a:rPr lang="en-US"/>
-              <a:t>Fifth level</a:t>
-            </a:r>
-          </a:p>
-        </p:txBody>
-      </p:sp>
-      <p:sp>
-        <p:nvSpPr>
-          <p:cNvPr id="4" name="Date Placeholder 3"/>
-          <p:cNvSpPr>
-            <a:spLocks noGrp="1"/>
-          </p:cNvSpPr>
-          <p:nvPr>
-            <p:ph type="dt" sz="half" idx="10"/>
-          </p:nvPr>
-        </p:nvSpPr>
-        <p:spPr/>
-        <p:txBody>
-          <a:bodyPr/>
-          <a:lstStyle/>
-          <a:p>
-            <a:fld id="{F0E53E00-DC67-B043-B571-30083E803751}" type="datetimeFigureOut">
-              <a:rPr lang="en-US" smtClean="0"/>
-              <a:t>11/30/2023</a:t>
-            </a:fld>
-            <a:endParaRPr lang="en-US"/>
-          </a:p>
-        </p:txBody>
-      </p:sp>
-      <p:sp>
-        <p:nvSpPr>
-          <p:cNvPr id="5" name="Footer Placeholder 4"/>
-          <p:cNvSpPr>
-            <a:spLocks noGrp="1"/>
-          </p:cNvSpPr>
-          <p:nvPr>
-            <p:ph type="ftr" sz="quarter" idx="11"/>
-          </p:nvPr>
-        </p:nvSpPr>
-        <p:spPr/>
-        <p:txBody>
-          <a:bodyPr/>
-          <a:lstStyle/>
-          <a:p>
-            <a:endParaRPr lang="en-US"/>
-          </a:p>
-        </p:txBody>
-      </p:sp>
-      <p:sp>
-        <p:nvSpPr>
-          <p:cNvPr id="6" name="Slide Number Placeholder 5"/>
-          <p:cNvSpPr>
-            <a:spLocks noGrp="1"/>
-          </p:cNvSpPr>
-          <p:nvPr>
-            <p:ph type="sldNum" sz="quarter" idx="12"/>
-          </p:nvPr>
-        </p:nvSpPr>
-        <p:spPr/>
-        <p:txBody>
-          <a:bodyPr/>
-          <a:lstStyle/>
-          <a:p>
-            <a:fld id="{1EF4C9A1-A5AA-A442-908E-CD6EBABAD4FA}" type="slidenum">
-              <a:rPr lang="en-US" smtClean="0"/>
-              <a:t>‹nr.›</a:t>
-            </a:fld>
-            <a:endParaRPr lang="en-US"/>
-          </a:p>
-        </p:txBody>
-      </p:sp>
-    </p:spTree>
-    <p:extLst>
-      <p:ext uri="{BB962C8B-B14F-4D97-AF65-F5344CB8AC3E}">
-        <p14:creationId xmlns:p14="http://schemas.microsoft.com/office/powerpoint/2010/main" val="1632689881"/>
-      </p:ext>
-    </p:extLst>
-  </p:cSld>
-  <p:clrMapOvr>
-    <a:masterClrMapping/>
-  </p:clrMapOvr>
-</p:sldLayout>
-</file>
-
-<file path=ppt/slideLayouts/slideLayout12.xml><?xml version="1.0" encoding="utf-8"?>
-<p:sldLayout xmlns:a="http://schemas.openxmlformats.org/drawingml/2006/main" xmlns:r="http://schemas.openxmlformats.org/officeDocument/2006/relationships" xmlns:p="http://schemas.openxmlformats.org/presentationml/2006/main" type="vertTitleAndTx" preserve="1">
-  <p:cSld name="Vertical Title and Text">
-    <p:spTree>
-      <p:nvGrpSpPr>
-        <p:cNvPr id="1" name=""/>
-        <p:cNvGrpSpPr/>
-        <p:nvPr/>
-      </p:nvGrpSpPr>
-      <p:grpSpPr>
-        <a:xfrm>
-          <a:off x="0" y="0"/>
-          <a:ext cx="0" cy="0"/>
-          <a:chOff x="0" y="0"/>
-          <a:chExt cx="0" cy="0"/>
-        </a:xfrm>
-      </p:grpSpPr>
-      <p:sp>
-        <p:nvSpPr>
-          <p:cNvPr id="2" name="Vertical Title 1"/>
-          <p:cNvSpPr>
-            <a:spLocks noGrp="1"/>
-          </p:cNvSpPr>
-          <p:nvPr>
-            <p:ph type="title" orient="vert"/>
-          </p:nvPr>
-        </p:nvSpPr>
-        <p:spPr>
-          <a:xfrm>
-            <a:off x="8724900" y="365125"/>
-            <a:ext cx="2628900" cy="5811838"/>
-          </a:xfrm>
-        </p:spPr>
-        <p:txBody>
-          <a:bodyPr vert="eaVert"/>
-          <a:lstStyle/>
-          <a:p>
-            <a:r>
-              <a:rPr lang="en-US"/>
-              <a:t>Click to edit Master title style</a:t>
-            </a:r>
-          </a:p>
-        </p:txBody>
-      </p:sp>
-      <p:sp>
-        <p:nvSpPr>
-          <p:cNvPr id="3" name="Vertical Text Placeholder 2"/>
-          <p:cNvSpPr>
-            <a:spLocks noGrp="1"/>
-          </p:cNvSpPr>
-          <p:nvPr>
-            <p:ph type="body" orient="vert" idx="1"/>
-          </p:nvPr>
-        </p:nvSpPr>
-        <p:spPr>
-          <a:xfrm>
-            <a:off x="838200" y="365125"/>
-            <a:ext cx="7734300" cy="5811838"/>
-          </a:xfrm>
-        </p:spPr>
-        <p:txBody>
-          <a:bodyPr vert="eaVert"/>
-          <a:lstStyle/>
-          <a:p>
-            <a:pPr lvl="0"/>
-            <a:r>
-              <a:rPr lang="en-US"/>
-              <a:t>Click to edit Master text styles</a:t>
-            </a:r>
-          </a:p>
-          <a:p>
-            <a:pPr lvl="1"/>
-            <a:r>
-              <a:rPr lang="en-US"/>
-              <a:t>Second level</a:t>
-            </a:r>
-          </a:p>
-          <a:p>
-            <a:pPr lvl="2"/>
-            <a:r>
-              <a:rPr lang="en-US"/>
-              <a:t>Third level</a:t>
-            </a:r>
-          </a:p>
-          <a:p>
-            <a:pPr lvl="3"/>
-            <a:r>
-              <a:rPr lang="en-US"/>
-              <a:t>Fourth level</a:t>
-            </a:r>
-          </a:p>
-          <a:p>
-            <a:pPr lvl="4"/>
-            <a:r>
-              <a:rPr lang="en-US"/>
-              <a:t>Fifth level</a:t>
-            </a:r>
-          </a:p>
-        </p:txBody>
-      </p:sp>
-      <p:sp>
-        <p:nvSpPr>
-          <p:cNvPr id="4" name="Date Placeholder 3"/>
-          <p:cNvSpPr>
-            <a:spLocks noGrp="1"/>
-          </p:cNvSpPr>
-          <p:nvPr>
-            <p:ph type="dt" sz="half" idx="10"/>
-          </p:nvPr>
-        </p:nvSpPr>
-        <p:spPr/>
-        <p:txBody>
-          <a:bodyPr/>
-          <a:lstStyle/>
-          <a:p>
-            <a:fld id="{F0E53E00-DC67-B043-B571-30083E803751}" type="datetimeFigureOut">
-              <a:rPr lang="en-US" smtClean="0"/>
-              <a:t>11/30/2023</a:t>
-            </a:fld>
-            <a:endParaRPr lang="en-US"/>
-          </a:p>
-        </p:txBody>
-      </p:sp>
-      <p:sp>
-        <p:nvSpPr>
-          <p:cNvPr id="5" name="Footer Placeholder 4"/>
-          <p:cNvSpPr>
-            <a:spLocks noGrp="1"/>
-          </p:cNvSpPr>
-          <p:nvPr>
-            <p:ph type="ftr" sz="quarter" idx="11"/>
-          </p:nvPr>
-        </p:nvSpPr>
-        <p:spPr/>
-        <p:txBody>
-          <a:bodyPr/>
-          <a:lstStyle/>
-          <a:p>
-            <a:endParaRPr lang="en-US"/>
-          </a:p>
-        </p:txBody>
-      </p:sp>
-      <p:sp>
-        <p:nvSpPr>
-          <p:cNvPr id="6" name="Slide Number Placeholder 5"/>
-          <p:cNvSpPr>
-            <a:spLocks noGrp="1"/>
-          </p:cNvSpPr>
-          <p:nvPr>
-            <p:ph type="sldNum" sz="quarter" idx="12"/>
-          </p:nvPr>
-        </p:nvSpPr>
-        <p:spPr/>
-        <p:txBody>
-          <a:bodyPr/>
-          <a:lstStyle/>
-          <a:p>
-            <a:fld id="{1EF4C9A1-A5AA-A442-908E-CD6EBABAD4FA}" type="slidenum">
-              <a:rPr lang="en-US" smtClean="0"/>
-              <a:t>‹nr.›</a:t>
-            </a:fld>
-            <a:endParaRPr lang="en-US"/>
-          </a:p>
-        </p:txBody>
-      </p:sp>
-    </p:spTree>
-    <p:extLst>
-      <p:ext uri="{BB962C8B-B14F-4D97-AF65-F5344CB8AC3E}">
-        <p14:creationId xmlns:p14="http://schemas.microsoft.com/office/powerpoint/2010/main" val="72788601"/>
-      </p:ext>
-    </p:extLst>
-  </p:cSld>
-  <p:clrMapOvr>
-    <a:masterClrMapping/>
-  </p:clrMapOvr>
-</p:sldLayout>
-</file>
-
-<file path=ppt/slideLayouts/slideLayout2.xml><?xml version="1.0" encoding="utf-8"?>
-<p:sldLayout xmlns:a="http://schemas.openxmlformats.org/drawingml/2006/main" xmlns:r="http://schemas.openxmlformats.org/officeDocument/2006/relationships" xmlns:p="http://schemas.openxmlformats.org/presentationml/2006/main" type="obj" preserve="1">
-  <p:cSld name="Title and Content">
-    <p:spTree>
-      <p:nvGrpSpPr>
-        <p:cNvPr id="1" name=""/>
-        <p:cNvGrpSpPr/>
-        <p:nvPr/>
-      </p:nvGrpSpPr>
-      <p:grpSpPr>
-        <a:xfrm>
-          <a:off x="0" y="0"/>
-          <a:ext cx="0" cy="0"/>
-          <a:chOff x="0" y="0"/>
-          <a:chExt cx="0" cy="0"/>
-        </a:xfrm>
-      </p:grpSpPr>
-      <p:sp>
-        <p:nvSpPr>
-          <p:cNvPr id="2" name="Title 1"/>
-          <p:cNvSpPr>
-            <a:spLocks noGrp="1"/>
-          </p:cNvSpPr>
-          <p:nvPr>
-            <p:ph type="title"/>
-          </p:nvPr>
-        </p:nvSpPr>
-        <p:spPr/>
-        <p:txBody>
-          <a:bodyPr/>
-          <a:lstStyle/>
-          <a:p>
-            <a:r>
-              <a:rPr lang="en-US"/>
-              <a:t>Click to edit Master title style</a:t>
-            </a:r>
-          </a:p>
-        </p:txBody>
-      </p:sp>
-      <p:sp>
-        <p:nvSpPr>
-          <p:cNvPr id="3" name="Content Placeholder 2"/>
-          <p:cNvSpPr>
-            <a:spLocks noGrp="1"/>
-          </p:cNvSpPr>
-          <p:nvPr>
-            <p:ph idx="1"/>
-          </p:nvPr>
-        </p:nvSpPr>
-        <p:spPr/>
-        <p:txBody>
-          <a:bodyPr/>
-          <a:lstStyle/>
-          <a:p>
-            <a:pPr lvl="0"/>
-            <a:r>
-              <a:rPr lang="en-US"/>
-              <a:t>Click to edit Master text styles</a:t>
-            </a:r>
-          </a:p>
-          <a:p>
-            <a:pPr lvl="1"/>
-            <a:r>
-              <a:rPr lang="en-US"/>
-              <a:t>Second level</a:t>
-            </a:r>
-          </a:p>
-          <a:p>
-            <a:pPr lvl="2"/>
-            <a:r>
-              <a:rPr lang="en-US"/>
-              <a:t>Third level</a:t>
-            </a:r>
-          </a:p>
-          <a:p>
-            <a:pPr lvl="3"/>
-            <a:r>
-              <a:rPr lang="en-US"/>
-              <a:t>Fourth level</a:t>
-            </a:r>
-          </a:p>
-          <a:p>
-            <a:pPr lvl="4"/>
-            <a:r>
-              <a:rPr lang="en-US"/>
-              <a:t>Fifth level</a:t>
-            </a:r>
-          </a:p>
-        </p:txBody>
-      </p:sp>
-      <p:sp>
-        <p:nvSpPr>
-          <p:cNvPr id="4" name="Date Placeholder 3"/>
-          <p:cNvSpPr>
-            <a:spLocks noGrp="1"/>
-          </p:cNvSpPr>
-          <p:nvPr>
-            <p:ph type="dt" sz="half" idx="10"/>
-          </p:nvPr>
-        </p:nvSpPr>
-        <p:spPr/>
-        <p:txBody>
-          <a:bodyPr/>
-          <a:lstStyle/>
-          <a:p>
-            <a:fld id="{F0E53E00-DC67-B043-B571-30083E803751}" type="datetimeFigureOut">
-              <a:rPr lang="en-US" smtClean="0"/>
-              <a:t>11/30/2023</a:t>
-            </a:fld>
-            <a:endParaRPr lang="en-US"/>
-          </a:p>
-        </p:txBody>
-      </p:sp>
-      <p:sp>
-        <p:nvSpPr>
-          <p:cNvPr id="5" name="Footer Placeholder 4"/>
-          <p:cNvSpPr>
-            <a:spLocks noGrp="1"/>
-          </p:cNvSpPr>
-          <p:nvPr>
-            <p:ph type="ftr" sz="quarter" idx="11"/>
-          </p:nvPr>
-        </p:nvSpPr>
-        <p:spPr/>
-        <p:txBody>
-          <a:bodyPr/>
-          <a:lstStyle/>
-          <a:p>
-            <a:endParaRPr lang="en-US"/>
-          </a:p>
-        </p:txBody>
-      </p:sp>
-      <p:sp>
-        <p:nvSpPr>
-          <p:cNvPr id="6" name="Slide Number Placeholder 5"/>
-          <p:cNvSpPr>
-            <a:spLocks noGrp="1"/>
-          </p:cNvSpPr>
-          <p:nvPr>
-            <p:ph type="sldNum" sz="quarter" idx="12"/>
-          </p:nvPr>
-        </p:nvSpPr>
-        <p:spPr/>
-        <p:txBody>
-          <a:bodyPr/>
-          <a:lstStyle/>
-          <a:p>
-            <a:fld id="{1EF4C9A1-A5AA-A442-908E-CD6EBABAD4FA}" type="slidenum">
-              <a:rPr lang="en-US" smtClean="0"/>
-              <a:t>‹nr.›</a:t>
-            </a:fld>
-            <a:endParaRPr lang="en-US"/>
-          </a:p>
-        </p:txBody>
-      </p:sp>
-      <p:pic>
-        <p:nvPicPr>
-          <p:cNvPr id="7" name="Picture 6"/>
-          <p:cNvPicPr>
-            <a:picLocks noChangeAspect="1"/>
-          </p:cNvPicPr>
-          <p:nvPr userDrawn="1"/>
-        </p:nvPicPr>
-        <p:blipFill>
-          <a:blip r:embed="rId2">
-            <a:alphaModFix amt="35000"/>
-            <a:extLst>
-              <a:ext uri="{28A0092B-C50C-407E-A947-70E740481C1C}">
-                <a14:useLocalDpi xmlns:a14="http://schemas.microsoft.com/office/drawing/2010/main"/>
-              </a:ext>
-            </a:extLst>
-          </a:blip>
-          <a:stretch>
-            <a:fillRect/>
-          </a:stretch>
-        </p:blipFill>
-        <p:spPr>
-          <a:xfrm>
-            <a:off x="9360000" y="0"/>
-            <a:ext cx="7740203" cy="2614411"/>
-          </a:xfrm>
-          <a:prstGeom prst="rect">
-            <a:avLst/>
-          </a:prstGeom>
-        </p:spPr>
-      </p:pic>
-      <p:pic>
-        <p:nvPicPr>
-          <p:cNvPr id="8" name="Picture 7"/>
-          <p:cNvPicPr>
-            <a:picLocks noChangeAspect="1"/>
-          </p:cNvPicPr>
-          <p:nvPr userDrawn="1"/>
-        </p:nvPicPr>
-        <p:blipFill>
-          <a:blip r:embed="rId3" cstate="screen">
-            <a:alphaModFix amt="35000"/>
-            <a:extLst>
-              <a:ext uri="{28A0092B-C50C-407E-A947-70E740481C1C}">
-                <a14:useLocalDpi xmlns:a14="http://schemas.microsoft.com/office/drawing/2010/main"/>
-              </a:ext>
-            </a:extLst>
-          </a:blip>
-          <a:stretch>
-            <a:fillRect/>
-          </a:stretch>
-        </p:blipFill>
-        <p:spPr>
-          <a:xfrm>
-            <a:off x="360000" y="2700000"/>
-            <a:ext cx="5930153" cy="5930153"/>
-          </a:xfrm>
-          <a:prstGeom prst="rect">
-            <a:avLst/>
-          </a:prstGeom>
-        </p:spPr>
-      </p:pic>
-      <p:sp>
-        <p:nvSpPr>
-          <p:cNvPr id="9" name="Rectangle 8"/>
-          <p:cNvSpPr/>
-          <p:nvPr userDrawn="1"/>
-        </p:nvSpPr>
-        <p:spPr>
-          <a:xfrm>
-            <a:off x="2209800" y="4744757"/>
-            <a:ext cx="4370294" cy="1976718"/>
-          </a:xfrm>
-          <a:prstGeom prst="rect">
-            <a:avLst/>
-          </a:prstGeom>
-          <a:solidFill>
-            <a:schemeClr val="bg1"/>
-          </a:solidFill>
-          <a:ln>
-            <a:noFill/>
-          </a:ln>
-        </p:spPr>
-        <p:style>
-          <a:lnRef idx="2">
-            <a:schemeClr val="accent1">
-              <a:shade val="50000"/>
-            </a:schemeClr>
-          </a:lnRef>
-          <a:fillRef idx="1">
-            <a:schemeClr val="accent1"/>
-          </a:fillRef>
-          <a:effectRef idx="0">
-            <a:schemeClr val="accent1"/>
-          </a:effectRef>
-          <a:fontRef idx="minor">
-            <a:schemeClr val="lt1"/>
-          </a:fontRef>
-        </p:style>
-        <p:txBody>
-          <a:bodyPr rtlCol="0" anchor="ctr"/>
-          <a:lstStyle/>
-          <a:p>
-            <a:pPr algn="ctr"/>
-            <a:endParaRPr lang="en-US"/>
-          </a:p>
-        </p:txBody>
-      </p:sp>
-    </p:spTree>
-    <p:extLst>
-      <p:ext uri="{BB962C8B-B14F-4D97-AF65-F5344CB8AC3E}">
-        <p14:creationId xmlns:p14="http://schemas.microsoft.com/office/powerpoint/2010/main" val="1916574975"/>
-      </p:ext>
-    </p:extLst>
-  </p:cSld>
-  <p:clrMapOvr>
-    <a:masterClrMapping/>
-  </p:clrMapOvr>
-</p:sldLayout>
-</file>
-
-<file path=ppt/slideLayouts/slideLayout3.xml><?xml version="1.0" encoding="utf-8"?>
-<p:sldLayout xmlns:a="http://schemas.openxmlformats.org/drawingml/2006/main" xmlns:r="http://schemas.openxmlformats.org/officeDocument/2006/relationships" xmlns:p="http://schemas.openxmlformats.org/presentationml/2006/main" type="secHead" preserve="1">
-  <p:cSld name="Section Header">
-    <p:spTree>
-      <p:nvGrpSpPr>
-        <p:cNvPr id="1" name=""/>
-        <p:cNvGrpSpPr/>
-        <p:nvPr/>
-      </p:nvGrpSpPr>
-      <p:grpSpPr>
-        <a:xfrm>
-          <a:off x="0" y="0"/>
-          <a:ext cx="0" cy="0"/>
-          <a:chOff x="0" y="0"/>
-          <a:chExt cx="0" cy="0"/>
-        </a:xfrm>
-      </p:grpSpPr>
-      <p:sp>
-        <p:nvSpPr>
-          <p:cNvPr id="2" name="Title 1"/>
-          <p:cNvSpPr>
-            <a:spLocks noGrp="1"/>
-          </p:cNvSpPr>
-          <p:nvPr>
-            <p:ph type="title"/>
-          </p:nvPr>
-        </p:nvSpPr>
-        <p:spPr>
-          <a:xfrm>
-            <a:off x="831850" y="1709738"/>
-            <a:ext cx="10515600" cy="2852737"/>
-          </a:xfrm>
-        </p:spPr>
-        <p:txBody>
-          <a:bodyPr anchor="b"/>
-          <a:lstStyle>
-            <a:lvl1pPr>
-              <a:defRPr sz="6000"/>
-            </a:lvl1pPr>
-          </a:lstStyle>
-          <a:p>
-            <a:r>
-              <a:rPr lang="en-US"/>
-              <a:t>Click to edit Master title style</a:t>
-            </a:r>
-          </a:p>
-        </p:txBody>
-      </p:sp>
-      <p:sp>
-        <p:nvSpPr>
-          <p:cNvPr id="3" name="Text Placeholder 2"/>
-          <p:cNvSpPr>
-            <a:spLocks noGrp="1"/>
-          </p:cNvSpPr>
-          <p:nvPr>
-            <p:ph type="body" idx="1"/>
-          </p:nvPr>
-        </p:nvSpPr>
-        <p:spPr>
-          <a:xfrm>
-            <a:off x="831850" y="4589463"/>
-            <a:ext cx="10515600" cy="1500187"/>
-          </a:xfrm>
-        </p:spPr>
-        <p:txBody>
-          <a:bodyPr/>
-          <a:lstStyle>
-            <a:lvl1pPr marL="0" indent="0">
-              <a:buNone/>
-              <a:defRPr sz="2400">
-                <a:solidFill>
-                  <a:schemeClr val="tx1">
-                    <a:tint val="75000"/>
-                  </a:schemeClr>
-                </a:solidFill>
-              </a:defRPr>
-            </a:lvl1pPr>
-            <a:lvl2pPr marL="457200" indent="0">
-              <a:buNone/>
-              <a:defRPr sz="2000">
-                <a:solidFill>
-                  <a:schemeClr val="tx1">
-                    <a:tint val="75000"/>
-                  </a:schemeClr>
-                </a:solidFill>
-              </a:defRPr>
-            </a:lvl2pPr>
-            <a:lvl3pPr marL="914400" indent="0">
-              <a:buNone/>
-              <a:defRPr sz="1800">
-                <a:solidFill>
-                  <a:schemeClr val="tx1">
-                    <a:tint val="75000"/>
-                  </a:schemeClr>
-                </a:solidFill>
-              </a:defRPr>
-            </a:lvl3pPr>
-            <a:lvl4pPr marL="1371600" indent="0">
-              <a:buNone/>
-              <a:defRPr sz="1600">
-                <a:solidFill>
-                  <a:schemeClr val="tx1">
-                    <a:tint val="75000"/>
-                  </a:schemeClr>
-                </a:solidFill>
-              </a:defRPr>
-            </a:lvl4pPr>
-            <a:lvl5pPr marL="1828800" indent="0">
-              <a:buNone/>
-              <a:defRPr sz="1600">
-                <a:solidFill>
-                  <a:schemeClr val="tx1">
-                    <a:tint val="75000"/>
-                  </a:schemeClr>
-                </a:solidFill>
-              </a:defRPr>
-            </a:lvl5pPr>
-            <a:lvl6pPr marL="2286000" indent="0">
-              <a:buNone/>
-              <a:defRPr sz="1600">
-                <a:solidFill>
-                  <a:schemeClr val="tx1">
-                    <a:tint val="75000"/>
-                  </a:schemeClr>
-                </a:solidFill>
-              </a:defRPr>
-            </a:lvl6pPr>
-            <a:lvl7pPr marL="2743200" indent="0">
-              <a:buNone/>
-              <a:defRPr sz="1600">
-                <a:solidFill>
-                  <a:schemeClr val="tx1">
-                    <a:tint val="75000"/>
-                  </a:schemeClr>
-                </a:solidFill>
-              </a:defRPr>
-            </a:lvl7pPr>
-            <a:lvl8pPr marL="3200400" indent="0">
-              <a:buNone/>
-              <a:defRPr sz="1600">
-                <a:solidFill>
-                  <a:schemeClr val="tx1">
-                    <a:tint val="75000"/>
-                  </a:schemeClr>
-                </a:solidFill>
-              </a:defRPr>
-            </a:lvl8pPr>
-            <a:lvl9pPr marL="3657600" indent="0">
-              <a:buNone/>
-              <a:defRPr sz="1600">
-                <a:solidFill>
-                  <a:schemeClr val="tx1">
-                    <a:tint val="75000"/>
-                  </a:schemeClr>
-                </a:solidFill>
-              </a:defRPr>
-            </a:lvl9pPr>
-          </a:lstStyle>
-          <a:p>
-            <a:pPr lvl="0"/>
-            <a:r>
-              <a:rPr lang="en-US"/>
-              <a:t>Click to edit Master text styles</a:t>
-            </a:r>
-          </a:p>
-        </p:txBody>
-      </p:sp>
-      <p:sp>
-        <p:nvSpPr>
-          <p:cNvPr id="4" name="Date Placeholder 3"/>
-          <p:cNvSpPr>
-            <a:spLocks noGrp="1"/>
-          </p:cNvSpPr>
-          <p:nvPr>
-            <p:ph type="dt" sz="half" idx="10"/>
-          </p:nvPr>
-        </p:nvSpPr>
-        <p:spPr/>
-        <p:txBody>
-          <a:bodyPr/>
-          <a:lstStyle/>
-          <a:p>
-            <a:fld id="{F0E53E00-DC67-B043-B571-30083E803751}" type="datetimeFigureOut">
-              <a:rPr lang="en-US" smtClean="0"/>
-              <a:t>11/30/2023</a:t>
-            </a:fld>
-            <a:endParaRPr lang="en-US"/>
-          </a:p>
-        </p:txBody>
-      </p:sp>
-      <p:sp>
-        <p:nvSpPr>
-          <p:cNvPr id="5" name="Footer Placeholder 4"/>
-          <p:cNvSpPr>
-            <a:spLocks noGrp="1"/>
-          </p:cNvSpPr>
-          <p:nvPr>
-            <p:ph type="ftr" sz="quarter" idx="11"/>
-          </p:nvPr>
-        </p:nvSpPr>
-        <p:spPr/>
-        <p:txBody>
-          <a:bodyPr/>
-          <a:lstStyle/>
-          <a:p>
-            <a:endParaRPr lang="en-US"/>
-          </a:p>
-        </p:txBody>
-      </p:sp>
-      <p:sp>
-        <p:nvSpPr>
-          <p:cNvPr id="6" name="Slide Number Placeholder 5"/>
-          <p:cNvSpPr>
-            <a:spLocks noGrp="1"/>
-          </p:cNvSpPr>
-          <p:nvPr>
-            <p:ph type="sldNum" sz="quarter" idx="12"/>
-          </p:nvPr>
-        </p:nvSpPr>
-        <p:spPr/>
-        <p:txBody>
-          <a:bodyPr/>
-          <a:lstStyle/>
-          <a:p>
-            <a:fld id="{1EF4C9A1-A5AA-A442-908E-CD6EBABAD4FA}" type="slidenum">
-              <a:rPr lang="en-US" smtClean="0"/>
-              <a:t>‹nr.›</a:t>
-            </a:fld>
-            <a:endParaRPr lang="en-US"/>
-          </a:p>
-        </p:txBody>
-      </p:sp>
-    </p:spTree>
-    <p:extLst>
-      <p:ext uri="{BB962C8B-B14F-4D97-AF65-F5344CB8AC3E}">
-        <p14:creationId xmlns:p14="http://schemas.microsoft.com/office/powerpoint/2010/main" val="1768383472"/>
-      </p:ext>
-    </p:extLst>
-  </p:cSld>
-  <p:clrMapOvr>
-    <a:masterClrMapping/>
-  </p:clrMapOvr>
-</p:sldLayout>
-</file>
-
-<file path=ppt/slideLayouts/slideLayout4.xml><?xml version="1.0" encoding="utf-8"?>
-<p:sldLayout xmlns:a="http://schemas.openxmlformats.org/drawingml/2006/main" xmlns:r="http://schemas.openxmlformats.org/officeDocument/2006/relationships" xmlns:p="http://schemas.openxmlformats.org/presentationml/2006/main" type="twoObj" preserve="1">
-  <p:cSld name="Two Content">
-    <p:spTree>
-      <p:nvGrpSpPr>
-        <p:cNvPr id="1" name=""/>
-        <p:cNvGrpSpPr/>
-        <p:nvPr/>
-      </p:nvGrpSpPr>
-      <p:grpSpPr>
-        <a:xfrm>
-          <a:off x="0" y="0"/>
-          <a:ext cx="0" cy="0"/>
-          <a:chOff x="0" y="0"/>
-          <a:chExt cx="0" cy="0"/>
-        </a:xfrm>
-      </p:grpSpPr>
-      <p:sp>
-        <p:nvSpPr>
-          <p:cNvPr id="2" name="Title 1"/>
-          <p:cNvSpPr>
-            <a:spLocks noGrp="1"/>
-          </p:cNvSpPr>
-          <p:nvPr>
-            <p:ph type="title"/>
-          </p:nvPr>
-        </p:nvSpPr>
-        <p:spPr/>
-        <p:txBody>
-          <a:bodyPr/>
-          <a:lstStyle/>
-          <a:p>
-            <a:r>
-              <a:rPr lang="en-US"/>
-              <a:t>Click to edit Master title style</a:t>
-            </a:r>
-          </a:p>
-        </p:txBody>
-      </p:sp>
-      <p:sp>
-        <p:nvSpPr>
-          <p:cNvPr id="3" name="Content Placeholder 2"/>
-          <p:cNvSpPr>
-            <a:spLocks noGrp="1"/>
-          </p:cNvSpPr>
-          <p:nvPr>
-            <p:ph sz="half" idx="1"/>
-          </p:nvPr>
-        </p:nvSpPr>
-        <p:spPr>
-          <a:xfrm>
-            <a:off x="838200" y="1825625"/>
-            <a:ext cx="5181600" cy="4351338"/>
-          </a:xfrm>
-        </p:spPr>
-        <p:txBody>
-          <a:bodyPr/>
-          <a:lstStyle/>
-          <a:p>
-            <a:pPr lvl="0"/>
-            <a:r>
-              <a:rPr lang="en-US"/>
-              <a:t>Click to edit Master text styles</a:t>
-            </a:r>
-          </a:p>
-          <a:p>
-            <a:pPr lvl="1"/>
-            <a:r>
-              <a:rPr lang="en-US"/>
-              <a:t>Second level</a:t>
-            </a:r>
-          </a:p>
-          <a:p>
-            <a:pPr lvl="2"/>
-            <a:r>
-              <a:rPr lang="en-US"/>
-              <a:t>Third level</a:t>
-            </a:r>
-          </a:p>
-          <a:p>
-            <a:pPr lvl="3"/>
-            <a:r>
-              <a:rPr lang="en-US"/>
-              <a:t>Fourth level</a:t>
-            </a:r>
-          </a:p>
-          <a:p>
-            <a:pPr lvl="4"/>
-            <a:r>
-              <a:rPr lang="en-US"/>
-              <a:t>Fifth level</a:t>
-            </a:r>
-          </a:p>
-        </p:txBody>
-      </p:sp>
-      <p:sp>
-        <p:nvSpPr>
-          <p:cNvPr id="4" name="Content Placeholder 3"/>
-          <p:cNvSpPr>
-            <a:spLocks noGrp="1"/>
-          </p:cNvSpPr>
-          <p:nvPr>
-            <p:ph sz="half" idx="2"/>
-          </p:nvPr>
-        </p:nvSpPr>
-        <p:spPr>
-          <a:xfrm>
-            <a:off x="6172200" y="1825625"/>
-            <a:ext cx="5181600" cy="4351338"/>
-          </a:xfrm>
-        </p:spPr>
-        <p:txBody>
-          <a:bodyPr/>
-          <a:lstStyle/>
-          <a:p>
-            <a:pPr lvl="0"/>
-            <a:r>
-              <a:rPr lang="en-US"/>
-              <a:t>Click to edit Master text styles</a:t>
-            </a:r>
-          </a:p>
-          <a:p>
-            <a:pPr lvl="1"/>
-            <a:r>
-              <a:rPr lang="en-US"/>
-              <a:t>Second level</a:t>
-            </a:r>
-          </a:p>
-          <a:p>
-            <a:pPr lvl="2"/>
-            <a:r>
-              <a:rPr lang="en-US"/>
-              <a:t>Third level</a:t>
-            </a:r>
-          </a:p>
-          <a:p>
-            <a:pPr lvl="3"/>
-            <a:r>
-              <a:rPr lang="en-US"/>
-              <a:t>Fourth level</a:t>
-            </a:r>
-          </a:p>
-          <a:p>
-            <a:pPr lvl="4"/>
-            <a:r>
-              <a:rPr lang="en-US"/>
-              <a:t>Fifth level</a:t>
-            </a:r>
-          </a:p>
-        </p:txBody>
-      </p:sp>
-      <p:sp>
-        <p:nvSpPr>
-          <p:cNvPr id="5" name="Date Placeholder 4"/>
-          <p:cNvSpPr>
-            <a:spLocks noGrp="1"/>
-          </p:cNvSpPr>
-          <p:nvPr>
-            <p:ph type="dt" sz="half" idx="10"/>
-          </p:nvPr>
-        </p:nvSpPr>
-        <p:spPr/>
-        <p:txBody>
-          <a:bodyPr/>
-          <a:lstStyle/>
-          <a:p>
-            <a:fld id="{F0E53E00-DC67-B043-B571-30083E803751}" type="datetimeFigureOut">
-              <a:rPr lang="en-US" smtClean="0"/>
-              <a:t>11/30/2023</a:t>
-            </a:fld>
-            <a:endParaRPr lang="en-US"/>
-          </a:p>
-        </p:txBody>
-      </p:sp>
-      <p:sp>
-        <p:nvSpPr>
-          <p:cNvPr id="6" name="Footer Placeholder 5"/>
-          <p:cNvSpPr>
-            <a:spLocks noGrp="1"/>
-          </p:cNvSpPr>
-          <p:nvPr>
-            <p:ph type="ftr" sz="quarter" idx="11"/>
-          </p:nvPr>
-        </p:nvSpPr>
-        <p:spPr/>
-        <p:txBody>
-          <a:bodyPr/>
-          <a:lstStyle/>
-          <a:p>
-            <a:endParaRPr lang="en-US"/>
-          </a:p>
-        </p:txBody>
-      </p:sp>
-      <p:sp>
-        <p:nvSpPr>
-          <p:cNvPr id="7" name="Slide Number Placeholder 6"/>
-          <p:cNvSpPr>
-            <a:spLocks noGrp="1"/>
-          </p:cNvSpPr>
-          <p:nvPr>
-            <p:ph type="sldNum" sz="quarter" idx="12"/>
-          </p:nvPr>
-        </p:nvSpPr>
-        <p:spPr/>
-        <p:txBody>
-          <a:bodyPr/>
-          <a:lstStyle/>
-          <a:p>
-            <a:fld id="{1EF4C9A1-A5AA-A442-908E-CD6EBABAD4FA}" type="slidenum">
-              <a:rPr lang="en-US" smtClean="0"/>
-              <a:t>‹nr.›</a:t>
-            </a:fld>
-            <a:endParaRPr lang="en-US"/>
-          </a:p>
-        </p:txBody>
-      </p:sp>
-    </p:spTree>
-    <p:extLst>
-      <p:ext uri="{BB962C8B-B14F-4D97-AF65-F5344CB8AC3E}">
-        <p14:creationId xmlns:p14="http://schemas.microsoft.com/office/powerpoint/2010/main" val="47339424"/>
-      </p:ext>
-    </p:extLst>
-  </p:cSld>
-  <p:clrMapOvr>
-    <a:masterClrMapping/>
-  </p:clrMapOvr>
-</p:sldLayout>
-</file>
-
-<file path=ppt/slideLayouts/slideLayout5.xml><?xml version="1.0" encoding="utf-8"?>
-<p:sldLayout xmlns:a="http://schemas.openxmlformats.org/drawingml/2006/main" xmlns:r="http://schemas.openxmlformats.org/officeDocument/2006/relationships" xmlns:p="http://schemas.openxmlformats.org/presentationml/2006/main" type="twoTxTwoObj" preserve="1">
-  <p:cSld name="Comparison">
-    <p:spTree>
-      <p:nvGrpSpPr>
-        <p:cNvPr id="1" name=""/>
-        <p:cNvGrpSpPr/>
-        <p:nvPr/>
-      </p:nvGrpSpPr>
-      <p:grpSpPr>
-        <a:xfrm>
-          <a:off x="0" y="0"/>
-          <a:ext cx="0" cy="0"/>
-          <a:chOff x="0" y="0"/>
-          <a:chExt cx="0" cy="0"/>
-        </a:xfrm>
-      </p:grpSpPr>
-      <p:sp>
-        <p:nvSpPr>
-          <p:cNvPr id="2" name="Title 1"/>
-          <p:cNvSpPr>
-            <a:spLocks noGrp="1"/>
-          </p:cNvSpPr>
-          <p:nvPr>
-            <p:ph type="title"/>
-          </p:nvPr>
-        </p:nvSpPr>
-        <p:spPr>
-          <a:xfrm>
-            <a:off x="839788" y="365125"/>
-            <a:ext cx="10515600" cy="1325563"/>
-          </a:xfrm>
-        </p:spPr>
-        <p:txBody>
-          <a:bodyPr/>
-          <a:lstStyle/>
-          <a:p>
-            <a:r>
-              <a:rPr lang="en-US"/>
-              <a:t>Click to edit Master title style</a:t>
-            </a:r>
-          </a:p>
-        </p:txBody>
-      </p:sp>
-      <p:sp>
-        <p:nvSpPr>
-          <p:cNvPr id="3" name="Text Placeholder 2"/>
-          <p:cNvSpPr>
-            <a:spLocks noGrp="1"/>
-          </p:cNvSpPr>
-          <p:nvPr>
-            <p:ph type="body" idx="1"/>
-          </p:nvPr>
-        </p:nvSpPr>
-        <p:spPr>
-          <a:xfrm>
-            <a:off x="839788" y="1681163"/>
-            <a:ext cx="5157787" cy="823912"/>
-          </a:xfrm>
-        </p:spPr>
-        <p:txBody>
-          <a:bodyPr anchor="b"/>
-          <a:lstStyle>
-            <a:lvl1pPr marL="0" indent="0">
-              <a:buNone/>
-              <a:defRPr sz="2400" b="1"/>
-            </a:lvl1pPr>
-            <a:lvl2pPr marL="457200" indent="0">
-              <a:buNone/>
-              <a:defRPr sz="2000" b="1"/>
-            </a:lvl2pPr>
-            <a:lvl3pPr marL="914400" indent="0">
-              <a:buNone/>
-              <a:defRPr sz="1800" b="1"/>
-            </a:lvl3pPr>
-            <a:lvl4pPr marL="1371600" indent="0">
-              <a:buNone/>
-              <a:defRPr sz="1600" b="1"/>
-            </a:lvl4pPr>
-            <a:lvl5pPr marL="1828800" indent="0">
-              <a:buNone/>
-              <a:defRPr sz="1600" b="1"/>
-            </a:lvl5pPr>
-            <a:lvl6pPr marL="2286000" indent="0">
-              <a:buNone/>
-              <a:defRPr sz="1600" b="1"/>
-            </a:lvl6pPr>
-            <a:lvl7pPr marL="2743200" indent="0">
-              <a:buNone/>
-              <a:defRPr sz="1600" b="1"/>
-            </a:lvl7pPr>
-            <a:lvl8pPr marL="3200400" indent="0">
-              <a:buNone/>
-              <a:defRPr sz="1600" b="1"/>
-            </a:lvl8pPr>
-            <a:lvl9pPr marL="3657600" indent="0">
-              <a:buNone/>
-              <a:defRPr sz="1600" b="1"/>
-            </a:lvl9pPr>
-          </a:lstStyle>
-          <a:p>
-            <a:pPr lvl="0"/>
-            <a:r>
-              <a:rPr lang="en-US"/>
-              <a:t>Click to edit Master text styles</a:t>
-            </a:r>
-          </a:p>
-        </p:txBody>
-      </p:sp>
-      <p:sp>
-        <p:nvSpPr>
-          <p:cNvPr id="4" name="Content Placeholder 3"/>
-          <p:cNvSpPr>
-            <a:spLocks noGrp="1"/>
-          </p:cNvSpPr>
-          <p:nvPr>
-            <p:ph sz="half" idx="2"/>
-          </p:nvPr>
-        </p:nvSpPr>
-        <p:spPr>
-          <a:xfrm>
-            <a:off x="839788" y="2505075"/>
-            <a:ext cx="5157787" cy="3684588"/>
-          </a:xfrm>
-        </p:spPr>
-        <p:txBody>
-          <a:bodyPr/>
-          <a:lstStyle/>
-          <a:p>
-            <a:pPr lvl="0"/>
-            <a:r>
-              <a:rPr lang="en-US"/>
-              <a:t>Click to edit Master text styles</a:t>
-            </a:r>
-          </a:p>
-          <a:p>
-            <a:pPr lvl="1"/>
-            <a:r>
-              <a:rPr lang="en-US"/>
-              <a:t>Second level</a:t>
-            </a:r>
-          </a:p>
-          <a:p>
-            <a:pPr lvl="2"/>
-            <a:r>
-              <a:rPr lang="en-US"/>
-              <a:t>Third level</a:t>
-            </a:r>
-          </a:p>
-          <a:p>
-            <a:pPr lvl="3"/>
-            <a:r>
-              <a:rPr lang="en-US"/>
-              <a:t>Fourth level</a:t>
-            </a:r>
-          </a:p>
-          <a:p>
-            <a:pPr lvl="4"/>
-            <a:r>
-              <a:rPr lang="en-US"/>
-              <a:t>Fifth level</a:t>
-            </a:r>
-          </a:p>
-        </p:txBody>
-      </p:sp>
-      <p:sp>
-        <p:nvSpPr>
-          <p:cNvPr id="5" name="Text Placeholder 4"/>
-          <p:cNvSpPr>
-            <a:spLocks noGrp="1"/>
-          </p:cNvSpPr>
-          <p:nvPr>
-            <p:ph type="body" sz="quarter" idx="3"/>
-          </p:nvPr>
-        </p:nvSpPr>
-        <p:spPr>
-          <a:xfrm>
-            <a:off x="6172200" y="1681163"/>
-            <a:ext cx="5183188" cy="823912"/>
-          </a:xfrm>
-        </p:spPr>
-        <p:txBody>
-          <a:bodyPr anchor="b"/>
-          <a:lstStyle>
-            <a:lvl1pPr marL="0" indent="0">
-              <a:buNone/>
-              <a:defRPr sz="2400" b="1"/>
-            </a:lvl1pPr>
-            <a:lvl2pPr marL="457200" indent="0">
-              <a:buNone/>
-              <a:defRPr sz="2000" b="1"/>
-            </a:lvl2pPr>
-            <a:lvl3pPr marL="914400" indent="0">
-              <a:buNone/>
-              <a:defRPr sz="1800" b="1"/>
-            </a:lvl3pPr>
-            <a:lvl4pPr marL="1371600" indent="0">
-              <a:buNone/>
-              <a:defRPr sz="1600" b="1"/>
-            </a:lvl4pPr>
-            <a:lvl5pPr marL="1828800" indent="0">
-              <a:buNone/>
-              <a:defRPr sz="1600" b="1"/>
-            </a:lvl5pPr>
-            <a:lvl6pPr marL="2286000" indent="0">
-              <a:buNone/>
-              <a:defRPr sz="1600" b="1"/>
-            </a:lvl6pPr>
-            <a:lvl7pPr marL="2743200" indent="0">
-              <a:buNone/>
-              <a:defRPr sz="1600" b="1"/>
-            </a:lvl7pPr>
-            <a:lvl8pPr marL="3200400" indent="0">
-              <a:buNone/>
-              <a:defRPr sz="1600" b="1"/>
-            </a:lvl8pPr>
-            <a:lvl9pPr marL="3657600" indent="0">
-              <a:buNone/>
-              <a:defRPr sz="1600" b="1"/>
-            </a:lvl9pPr>
-          </a:lstStyle>
-          <a:p>
-            <a:pPr lvl="0"/>
-            <a:r>
-              <a:rPr lang="en-US"/>
-              <a:t>Click to edit Master text styles</a:t>
-            </a:r>
-          </a:p>
-        </p:txBody>
-      </p:sp>
-      <p:sp>
-        <p:nvSpPr>
-          <p:cNvPr id="6" name="Content Placeholder 5"/>
-          <p:cNvSpPr>
-            <a:spLocks noGrp="1"/>
-          </p:cNvSpPr>
-          <p:nvPr>
-            <p:ph sz="quarter" idx="4"/>
-          </p:nvPr>
-        </p:nvSpPr>
-        <p:spPr>
-          <a:xfrm>
-            <a:off x="6172200" y="2505075"/>
-            <a:ext cx="5183188" cy="3684588"/>
-          </a:xfrm>
-        </p:spPr>
-        <p:txBody>
-          <a:bodyPr/>
-          <a:lstStyle/>
-          <a:p>
-            <a:pPr lvl="0"/>
-            <a:r>
-              <a:rPr lang="en-US"/>
-              <a:t>Click to edit Master text styles</a:t>
-            </a:r>
-          </a:p>
-          <a:p>
-            <a:pPr lvl="1"/>
-            <a:r>
-              <a:rPr lang="en-US"/>
-              <a:t>Second level</a:t>
-            </a:r>
-          </a:p>
-          <a:p>
-            <a:pPr lvl="2"/>
-            <a:r>
-              <a:rPr lang="en-US"/>
-              <a:t>Third level</a:t>
-            </a:r>
-          </a:p>
-          <a:p>
-            <a:pPr lvl="3"/>
-            <a:r>
-              <a:rPr lang="en-US"/>
-              <a:t>Fourth level</a:t>
-            </a:r>
-          </a:p>
-          <a:p>
-            <a:pPr lvl="4"/>
-            <a:r>
-              <a:rPr lang="en-US"/>
-              <a:t>Fifth level</a:t>
-            </a:r>
-          </a:p>
-        </p:txBody>
-      </p:sp>
-      <p:sp>
-        <p:nvSpPr>
-          <p:cNvPr id="7" name="Date Placeholder 6"/>
-          <p:cNvSpPr>
-            <a:spLocks noGrp="1"/>
-          </p:cNvSpPr>
-          <p:nvPr>
-            <p:ph type="dt" sz="half" idx="10"/>
-          </p:nvPr>
-        </p:nvSpPr>
-        <p:spPr/>
-        <p:txBody>
-          <a:bodyPr/>
-          <a:lstStyle/>
-          <a:p>
-            <a:fld id="{F0E53E00-DC67-B043-B571-30083E803751}" type="datetimeFigureOut">
-              <a:rPr lang="en-US" smtClean="0"/>
-              <a:t>11/30/2023</a:t>
-            </a:fld>
-            <a:endParaRPr lang="en-US"/>
-          </a:p>
-        </p:txBody>
-      </p:sp>
-      <p:sp>
-        <p:nvSpPr>
-          <p:cNvPr id="8" name="Footer Placeholder 7"/>
-          <p:cNvSpPr>
-            <a:spLocks noGrp="1"/>
-          </p:cNvSpPr>
-          <p:nvPr>
-            <p:ph type="ftr" sz="quarter" idx="11"/>
-          </p:nvPr>
-        </p:nvSpPr>
-        <p:spPr/>
-        <p:txBody>
-          <a:bodyPr/>
-          <a:lstStyle/>
-          <a:p>
-            <a:endParaRPr lang="en-US"/>
-          </a:p>
-        </p:txBody>
-      </p:sp>
-      <p:sp>
-        <p:nvSpPr>
-          <p:cNvPr id="9" name="Slide Number Placeholder 8"/>
-          <p:cNvSpPr>
-            <a:spLocks noGrp="1"/>
-          </p:cNvSpPr>
-          <p:nvPr>
-            <p:ph type="sldNum" sz="quarter" idx="12"/>
-          </p:nvPr>
-        </p:nvSpPr>
-        <p:spPr/>
-        <p:txBody>
-          <a:bodyPr/>
-          <a:lstStyle/>
-          <a:p>
-            <a:fld id="{1EF4C9A1-A5AA-A442-908E-CD6EBABAD4FA}" type="slidenum">
-              <a:rPr lang="en-US" smtClean="0"/>
-              <a:t>‹nr.›</a:t>
-            </a:fld>
-            <a:endParaRPr lang="en-US"/>
-          </a:p>
-        </p:txBody>
-      </p:sp>
-    </p:spTree>
-    <p:extLst>
-      <p:ext uri="{BB962C8B-B14F-4D97-AF65-F5344CB8AC3E}">
-        <p14:creationId xmlns:p14="http://schemas.microsoft.com/office/powerpoint/2010/main" val="1064749778"/>
-      </p:ext>
-    </p:extLst>
-  </p:cSld>
-  <p:clrMapOvr>
-    <a:masterClrMapping/>
-  </p:clrMapOvr>
-</p:sldLayout>
-</file>
-
-<file path=ppt/slideLayouts/slideLayout6.xml><?xml version="1.0" encoding="utf-8"?>
-<p:sldLayout xmlns:a="http://schemas.openxmlformats.org/drawingml/2006/main" xmlns:r="http://schemas.openxmlformats.org/officeDocument/2006/relationships" xmlns:p="http://schemas.openxmlformats.org/presentationml/2006/main" type="titleOnly" preserve="1">
-  <p:cSld name="Title Only">
-    <p:spTree>
-      <p:nvGrpSpPr>
-        <p:cNvPr id="1" name=""/>
-        <p:cNvGrpSpPr/>
-        <p:nvPr/>
-      </p:nvGrpSpPr>
-      <p:grpSpPr>
-        <a:xfrm>
-          <a:off x="0" y="0"/>
-          <a:ext cx="0" cy="0"/>
-          <a:chOff x="0" y="0"/>
-          <a:chExt cx="0" cy="0"/>
-        </a:xfrm>
-      </p:grpSpPr>
-      <p:sp>
-        <p:nvSpPr>
-          <p:cNvPr id="2" name="Title 1"/>
-          <p:cNvSpPr>
-            <a:spLocks noGrp="1"/>
-          </p:cNvSpPr>
-          <p:nvPr>
-            <p:ph type="title"/>
-          </p:nvPr>
-        </p:nvSpPr>
-        <p:spPr/>
-        <p:txBody>
-          <a:bodyPr/>
-          <a:lstStyle/>
-          <a:p>
-            <a:r>
-              <a:rPr lang="en-US"/>
-              <a:t>Click to edit Master title style</a:t>
-            </a:r>
-          </a:p>
-        </p:txBody>
-      </p:sp>
-      <p:sp>
-        <p:nvSpPr>
-          <p:cNvPr id="3" name="Date Placeholder 2"/>
-          <p:cNvSpPr>
-            <a:spLocks noGrp="1"/>
-          </p:cNvSpPr>
-          <p:nvPr>
-            <p:ph type="dt" sz="half" idx="10"/>
-          </p:nvPr>
-        </p:nvSpPr>
-        <p:spPr/>
-        <p:txBody>
-          <a:bodyPr/>
-          <a:lstStyle/>
-          <a:p>
-            <a:fld id="{F0E53E00-DC67-B043-B571-30083E803751}" type="datetimeFigureOut">
-              <a:rPr lang="en-US" smtClean="0"/>
-              <a:t>11/30/2023</a:t>
-            </a:fld>
-            <a:endParaRPr lang="en-US"/>
-          </a:p>
-        </p:txBody>
-      </p:sp>
-      <p:sp>
-        <p:nvSpPr>
-          <p:cNvPr id="4" name="Footer Placeholder 3"/>
-          <p:cNvSpPr>
-            <a:spLocks noGrp="1"/>
-          </p:cNvSpPr>
-          <p:nvPr>
-            <p:ph type="ftr" sz="quarter" idx="11"/>
-          </p:nvPr>
-        </p:nvSpPr>
-        <p:spPr/>
-        <p:txBody>
-          <a:bodyPr/>
-          <a:lstStyle/>
-          <a:p>
-            <a:endParaRPr lang="en-US"/>
-          </a:p>
-        </p:txBody>
-      </p:sp>
-      <p:sp>
-        <p:nvSpPr>
-          <p:cNvPr id="5" name="Slide Number Placeholder 4"/>
-          <p:cNvSpPr>
-            <a:spLocks noGrp="1"/>
-          </p:cNvSpPr>
-          <p:nvPr>
-            <p:ph type="sldNum" sz="quarter" idx="12"/>
-          </p:nvPr>
-        </p:nvSpPr>
-        <p:spPr/>
-        <p:txBody>
-          <a:bodyPr/>
-          <a:lstStyle/>
-          <a:p>
-            <a:fld id="{1EF4C9A1-A5AA-A442-908E-CD6EBABAD4FA}" type="slidenum">
-              <a:rPr lang="en-US" smtClean="0"/>
-              <a:t>‹nr.›</a:t>
-            </a:fld>
-            <a:endParaRPr lang="en-US"/>
-          </a:p>
-        </p:txBody>
-      </p:sp>
-    </p:spTree>
-    <p:extLst>
-      <p:ext uri="{BB962C8B-B14F-4D97-AF65-F5344CB8AC3E}">
-        <p14:creationId xmlns:p14="http://schemas.microsoft.com/office/powerpoint/2010/main" val="268288395"/>
-      </p:ext>
-    </p:extLst>
-  </p:cSld>
-  <p:clrMapOvr>
-    <a:masterClrMapping/>
-  </p:clrMapOvr>
-</p:sldLayout>
-</file>
-
-<file path=ppt/slideLayouts/slideLayout7.xml><?xml version="1.0" encoding="utf-8"?>
-<p:sldLayout xmlns:a="http://schemas.openxmlformats.org/drawingml/2006/main" xmlns:r="http://schemas.openxmlformats.org/officeDocument/2006/relationships" xmlns:p="http://schemas.openxmlformats.org/presentationml/2006/main" type="blank" preserve="1">
-  <p:cSld name="Blank">
-    <p:spTree>
-      <p:nvGrpSpPr>
-        <p:cNvPr id="1" name=""/>
-        <p:cNvGrpSpPr/>
-        <p:nvPr/>
-      </p:nvGrpSpPr>
-      <p:grpSpPr>
-        <a:xfrm>
-          <a:off x="0" y="0"/>
-          <a:ext cx="0" cy="0"/>
-          <a:chOff x="0" y="0"/>
-          <a:chExt cx="0" cy="0"/>
-        </a:xfrm>
-      </p:grpSpPr>
-      <p:sp>
-        <p:nvSpPr>
-          <p:cNvPr id="2" name="Date Placeholder 1"/>
-          <p:cNvSpPr>
-            <a:spLocks noGrp="1"/>
-          </p:cNvSpPr>
-          <p:nvPr>
-            <p:ph type="dt" sz="half" idx="10"/>
-          </p:nvPr>
-        </p:nvSpPr>
-        <p:spPr/>
-        <p:txBody>
-          <a:bodyPr/>
-          <a:lstStyle/>
-          <a:p>
-            <a:fld id="{F0E53E00-DC67-B043-B571-30083E803751}" type="datetimeFigureOut">
-              <a:rPr lang="en-US" smtClean="0"/>
-              <a:t>11/30/2023</a:t>
-            </a:fld>
-            <a:endParaRPr lang="en-US"/>
-          </a:p>
-        </p:txBody>
-      </p:sp>
-      <p:sp>
-        <p:nvSpPr>
-          <p:cNvPr id="3" name="Footer Placeholder 2"/>
-          <p:cNvSpPr>
-            <a:spLocks noGrp="1"/>
-          </p:cNvSpPr>
-          <p:nvPr>
-            <p:ph type="ftr" sz="quarter" idx="11"/>
-          </p:nvPr>
-        </p:nvSpPr>
-        <p:spPr/>
-        <p:txBody>
-          <a:bodyPr/>
-          <a:lstStyle/>
-          <a:p>
-            <a:endParaRPr lang="en-US"/>
-          </a:p>
-        </p:txBody>
-      </p:sp>
-      <p:sp>
-        <p:nvSpPr>
-          <p:cNvPr id="4" name="Slide Number Placeholder 3"/>
-          <p:cNvSpPr>
-            <a:spLocks noGrp="1"/>
-          </p:cNvSpPr>
-          <p:nvPr>
-            <p:ph type="sldNum" sz="quarter" idx="12"/>
-          </p:nvPr>
-        </p:nvSpPr>
-        <p:spPr/>
-        <p:txBody>
-          <a:bodyPr/>
-          <a:lstStyle/>
-          <a:p>
-            <a:fld id="{1EF4C9A1-A5AA-A442-908E-CD6EBABAD4FA}" type="slidenum">
-              <a:rPr lang="en-US" smtClean="0"/>
-              <a:t>‹nr.›</a:t>
-            </a:fld>
-            <a:endParaRPr lang="en-US"/>
-          </a:p>
-        </p:txBody>
-      </p:sp>
-      <p:pic>
-        <p:nvPicPr>
-          <p:cNvPr id="5" name="Picture 4"/>
-          <p:cNvPicPr>
-            <a:picLocks noChangeAspect="1"/>
-          </p:cNvPicPr>
-          <p:nvPr userDrawn="1"/>
-        </p:nvPicPr>
-        <p:blipFill>
-          <a:blip r:embed="rId2">
-            <a:alphaModFix amt="35000"/>
-            <a:extLst>
-              <a:ext uri="{28A0092B-C50C-407E-A947-70E740481C1C}">
-                <a14:useLocalDpi xmlns:a14="http://schemas.microsoft.com/office/drawing/2010/main"/>
-              </a:ext>
-            </a:extLst>
-          </a:blip>
-          <a:stretch>
-            <a:fillRect/>
-          </a:stretch>
-        </p:blipFill>
-        <p:spPr>
-          <a:xfrm>
-            <a:off x="9360000" y="0"/>
-            <a:ext cx="7740203" cy="2614411"/>
-          </a:xfrm>
-          <a:prstGeom prst="rect">
-            <a:avLst/>
-          </a:prstGeom>
-        </p:spPr>
-      </p:pic>
-      <p:pic>
-        <p:nvPicPr>
-          <p:cNvPr id="8" name="Picture 7"/>
-          <p:cNvPicPr>
-            <a:picLocks noChangeAspect="1"/>
-          </p:cNvPicPr>
-          <p:nvPr userDrawn="1"/>
-        </p:nvPicPr>
-        <p:blipFill>
-          <a:blip r:embed="rId3" cstate="screen">
-            <a:alphaModFix amt="35000"/>
-            <a:extLst>
-              <a:ext uri="{28A0092B-C50C-407E-A947-70E740481C1C}">
-                <a14:useLocalDpi xmlns:a14="http://schemas.microsoft.com/office/drawing/2010/main"/>
-              </a:ext>
-            </a:extLst>
-          </a:blip>
-          <a:stretch>
-            <a:fillRect/>
-          </a:stretch>
-        </p:blipFill>
-        <p:spPr>
-          <a:xfrm>
-            <a:off x="360000" y="2700000"/>
-            <a:ext cx="5930153" cy="5930153"/>
-          </a:xfrm>
-          <a:prstGeom prst="rect">
-            <a:avLst/>
-          </a:prstGeom>
-        </p:spPr>
-      </p:pic>
-      <p:sp>
-        <p:nvSpPr>
-          <p:cNvPr id="9" name="Rectangle 8"/>
-          <p:cNvSpPr/>
-          <p:nvPr userDrawn="1"/>
-        </p:nvSpPr>
-        <p:spPr>
-          <a:xfrm>
-            <a:off x="2209800" y="4744757"/>
-            <a:ext cx="4370294" cy="1976718"/>
-          </a:xfrm>
-          <a:prstGeom prst="rect">
-            <a:avLst/>
-          </a:prstGeom>
-          <a:solidFill>
-            <a:schemeClr val="bg1"/>
-          </a:solidFill>
-          <a:ln>
-            <a:noFill/>
-          </a:ln>
-        </p:spPr>
-        <p:style>
-          <a:lnRef idx="2">
-            <a:schemeClr val="accent1">
-              <a:shade val="50000"/>
-            </a:schemeClr>
-          </a:lnRef>
-          <a:fillRef idx="1">
-            <a:schemeClr val="accent1"/>
-          </a:fillRef>
-          <a:effectRef idx="0">
-            <a:schemeClr val="accent1"/>
-          </a:effectRef>
-          <a:fontRef idx="minor">
-            <a:schemeClr val="lt1"/>
-          </a:fontRef>
-        </p:style>
-        <p:txBody>
-          <a:bodyPr rtlCol="0" anchor="ctr"/>
-          <a:lstStyle/>
-          <a:p>
-            <a:pPr algn="ctr"/>
-            <a:endParaRPr lang="en-US"/>
-          </a:p>
-        </p:txBody>
-      </p:sp>
-    </p:spTree>
-    <p:extLst>
-      <p:ext uri="{BB962C8B-B14F-4D97-AF65-F5344CB8AC3E}">
-        <p14:creationId xmlns:p14="http://schemas.microsoft.com/office/powerpoint/2010/main" val="1554879712"/>
-      </p:ext>
-    </p:extLst>
-  </p:cSld>
-  <p:clrMapOvr>
-    <a:masterClrMapping/>
-  </p:clrMapOvr>
-</p:sldLayout>
-</file>
-
-<file path=ppt/slideLayouts/slideLayout8.xml><?xml version="1.0" encoding="utf-8"?>
-<p:sldLayout xmlns:a="http://schemas.openxmlformats.org/drawingml/2006/main" xmlns:r="http://schemas.openxmlformats.org/officeDocument/2006/relationships" xmlns:p="http://schemas.openxmlformats.org/presentationml/2006/main" preserve="1" userDrawn="1">
-  <p:cSld name="Custom Layout">
-    <p:spTree>
-      <p:nvGrpSpPr>
-        <p:cNvPr id="1" name=""/>
-        <p:cNvGrpSpPr/>
-        <p:nvPr/>
-      </p:nvGrpSpPr>
-      <p:grpSpPr>
-        <a:xfrm>
-          <a:off x="0" y="0"/>
-          <a:ext cx="0" cy="0"/>
-          <a:chOff x="0" y="0"/>
-          <a:chExt cx="0" cy="0"/>
-        </a:xfrm>
-      </p:grpSpPr>
-      <p:sp>
-        <p:nvSpPr>
-          <p:cNvPr id="3" name="Date Placeholder 2"/>
-          <p:cNvSpPr>
-            <a:spLocks noGrp="1"/>
-          </p:cNvSpPr>
-          <p:nvPr>
-            <p:ph type="dt" sz="half" idx="10"/>
-          </p:nvPr>
-        </p:nvSpPr>
-        <p:spPr/>
-        <p:txBody>
-          <a:bodyPr/>
-          <a:lstStyle/>
-          <a:p>
-            <a:fld id="{F0E53E00-DC67-B043-B571-30083E803751}" type="datetimeFigureOut">
-              <a:rPr lang="en-US" smtClean="0"/>
-              <a:t>11/30/2023</a:t>
-            </a:fld>
-            <a:endParaRPr lang="en-US"/>
-          </a:p>
-        </p:txBody>
-      </p:sp>
-      <p:sp>
-        <p:nvSpPr>
-          <p:cNvPr id="4" name="Footer Placeholder 3"/>
-          <p:cNvSpPr>
-            <a:spLocks noGrp="1"/>
-          </p:cNvSpPr>
-          <p:nvPr>
-            <p:ph type="ftr" sz="quarter" idx="11"/>
-          </p:nvPr>
-        </p:nvSpPr>
-        <p:spPr/>
-        <p:txBody>
-          <a:bodyPr/>
-          <a:lstStyle/>
-          <a:p>
-            <a:endParaRPr lang="en-US"/>
-          </a:p>
-        </p:txBody>
-      </p:sp>
-      <p:sp>
-        <p:nvSpPr>
-          <p:cNvPr id="5" name="Slide Number Placeholder 4"/>
-          <p:cNvSpPr>
-            <a:spLocks noGrp="1"/>
-          </p:cNvSpPr>
-          <p:nvPr>
-            <p:ph type="sldNum" sz="quarter" idx="12"/>
-          </p:nvPr>
-        </p:nvSpPr>
-        <p:spPr/>
-        <p:txBody>
-          <a:bodyPr/>
-          <a:lstStyle/>
-          <a:p>
-            <a:fld id="{1EF4C9A1-A5AA-A442-908E-CD6EBABAD4FA}" type="slidenum">
-              <a:rPr lang="en-US" smtClean="0"/>
-              <a:t>‹nr.›</a:t>
-            </a:fld>
-            <a:endParaRPr lang="en-US"/>
-          </a:p>
-        </p:txBody>
-      </p:sp>
-      <p:pic>
-        <p:nvPicPr>
-          <p:cNvPr id="6" name="Picture 5"/>
-          <p:cNvPicPr>
-            <a:picLocks noChangeAspect="1"/>
-          </p:cNvPicPr>
-          <p:nvPr userDrawn="1"/>
-        </p:nvPicPr>
-        <p:blipFill>
-          <a:blip r:embed="rId2">
-            <a:alphaModFix amt="35000"/>
-            <a:extLst>
-              <a:ext uri="{28A0092B-C50C-407E-A947-70E740481C1C}">
-                <a14:useLocalDpi xmlns:a14="http://schemas.microsoft.com/office/drawing/2010/main"/>
-              </a:ext>
-            </a:extLst>
-          </a:blip>
-          <a:stretch>
-            <a:fillRect/>
-          </a:stretch>
-        </p:blipFill>
-        <p:spPr>
-          <a:xfrm>
-            <a:off x="9360000" y="0"/>
-            <a:ext cx="7740203" cy="2614411"/>
-          </a:xfrm>
-          <a:prstGeom prst="rect">
-            <a:avLst/>
-          </a:prstGeom>
-        </p:spPr>
-      </p:pic>
-    </p:spTree>
-    <p:extLst>
-      <p:ext uri="{BB962C8B-B14F-4D97-AF65-F5344CB8AC3E}">
-        <p14:creationId xmlns:p14="http://schemas.microsoft.com/office/powerpoint/2010/main" val="1169865759"/>
-      </p:ext>
-    </p:extLst>
-  </p:cSld>
-  <p:clrMapOvr>
-    <a:masterClrMapping/>
-  </p:clrMapOvr>
-</p:sldLayout>
-</file>
-
-<file path=ppt/slideLayouts/slideLayout9.xml><?xml version="1.0" encoding="utf-8"?>
-<p:sldLayout xmlns:a="http://schemas.openxmlformats.org/drawingml/2006/main" xmlns:r="http://schemas.openxmlformats.org/officeDocument/2006/relationships" xmlns:p="http://schemas.openxmlformats.org/presentationml/2006/main" type="objTx" preserve="1">
-  <p:cSld name="Content with Caption">
-    <p:spTree>
-      <p:nvGrpSpPr>
-        <p:cNvPr id="1" name=""/>
-        <p:cNvGrpSpPr/>
-        <p:nvPr/>
-      </p:nvGrpSpPr>
-      <p:grpSpPr>
-        <a:xfrm>
-          <a:off x="0" y="0"/>
-          <a:ext cx="0" cy="0"/>
-          <a:chOff x="0" y="0"/>
-          <a:chExt cx="0" cy="0"/>
-        </a:xfrm>
-      </p:grpSpPr>
-      <p:sp>
-        <p:nvSpPr>
-          <p:cNvPr id="2" name="Title 1"/>
-          <p:cNvSpPr>
-            <a:spLocks noGrp="1"/>
-          </p:cNvSpPr>
-          <p:nvPr>
-            <p:ph type="title"/>
-          </p:nvPr>
-        </p:nvSpPr>
-        <p:spPr>
-          <a:xfrm>
-            <a:off x="839788" y="457200"/>
-            <a:ext cx="3932237" cy="1600200"/>
-          </a:xfrm>
-        </p:spPr>
-        <p:txBody>
-          <a:bodyPr anchor="b"/>
-          <a:lstStyle>
-            <a:lvl1pPr>
-              <a:defRPr sz="3200"/>
-            </a:lvl1pPr>
-          </a:lstStyle>
-          <a:p>
-            <a:r>
-              <a:rPr lang="en-US"/>
-              <a:t>Click to edit Master title style</a:t>
-            </a:r>
-          </a:p>
-        </p:txBody>
-      </p:sp>
-      <p:sp>
-        <p:nvSpPr>
-          <p:cNvPr id="3" name="Content Placeholder 2"/>
-          <p:cNvSpPr>
-            <a:spLocks noGrp="1"/>
-          </p:cNvSpPr>
-          <p:nvPr>
-            <p:ph idx="1"/>
-          </p:nvPr>
-        </p:nvSpPr>
-        <p:spPr>
-          <a:xfrm>
-            <a:off x="5183188" y="987425"/>
-            <a:ext cx="6172200" cy="4873625"/>
-          </a:xfrm>
-        </p:spPr>
-        <p:txBody>
-          <a:bodyPr/>
-          <a:lstStyle>
-            <a:lvl1pPr>
-              <a:defRPr sz="3200"/>
-            </a:lvl1pPr>
-            <a:lvl2pPr>
-              <a:defRPr sz="2800"/>
-            </a:lvl2pPr>
-            <a:lvl3pPr>
-              <a:defRPr sz="2400"/>
-            </a:lvl3pPr>
-            <a:lvl4pPr>
-              <a:defRPr sz="2000"/>
-            </a:lvl4pPr>
-            <a:lvl5pPr>
-              <a:defRPr sz="2000"/>
-            </a:lvl5pPr>
-            <a:lvl6pPr>
-              <a:defRPr sz="2000"/>
-            </a:lvl6pPr>
-            <a:lvl7pPr>
-              <a:defRPr sz="2000"/>
-            </a:lvl7pPr>
-            <a:lvl8pPr>
-              <a:defRPr sz="2000"/>
-            </a:lvl8pPr>
-            <a:lvl9pPr>
-              <a:defRPr sz="2000"/>
-            </a:lvl9pPr>
-          </a:lstStyle>
-          <a:p>
-            <a:pPr lvl="0"/>
-            <a:r>
-              <a:rPr lang="en-US"/>
-              <a:t>Click to edit Master text styles</a:t>
-            </a:r>
-          </a:p>
-          <a:p>
-            <a:pPr lvl="1"/>
-            <a:r>
-              <a:rPr lang="en-US"/>
-              <a:t>Second level</a:t>
-            </a:r>
-          </a:p>
-          <a:p>
-            <a:pPr lvl="2"/>
-            <a:r>
-              <a:rPr lang="en-US"/>
-              <a:t>Third level</a:t>
-            </a:r>
-          </a:p>
-          <a:p>
-            <a:pPr lvl="3"/>
-            <a:r>
-              <a:rPr lang="en-US"/>
-              <a:t>Fourth level</a:t>
-            </a:r>
-          </a:p>
-          <a:p>
-            <a:pPr lvl="4"/>
-            <a:r>
-              <a:rPr lang="en-US"/>
-              <a:t>Fifth level</a:t>
-            </a:r>
-          </a:p>
-        </p:txBody>
-      </p:sp>
-      <p:sp>
-        <p:nvSpPr>
-          <p:cNvPr id="4" name="Text Placeholder 3"/>
-          <p:cNvSpPr>
-            <a:spLocks noGrp="1"/>
-          </p:cNvSpPr>
-          <p:nvPr>
-            <p:ph type="body" sz="half" idx="2"/>
-          </p:nvPr>
-        </p:nvSpPr>
-        <p:spPr>
-          <a:xfrm>
-            <a:off x="839788" y="2057400"/>
-            <a:ext cx="3932237" cy="3811588"/>
-          </a:xfrm>
-        </p:spPr>
-        <p:txBody>
-          <a:bodyPr/>
-          <a:lstStyle>
-            <a:lvl1pPr marL="0" indent="0">
-              <a:buNone/>
-              <a:defRPr sz="1600"/>
-            </a:lvl1pPr>
-            <a:lvl2pPr marL="457200" indent="0">
-              <a:buNone/>
-              <a:defRPr sz="1400"/>
-            </a:lvl2pPr>
-            <a:lvl3pPr marL="914400" indent="0">
-              <a:buNone/>
-              <a:defRPr sz="1200"/>
-            </a:lvl3pPr>
-            <a:lvl4pPr marL="1371600" indent="0">
-              <a:buNone/>
-              <a:defRPr sz="1000"/>
-            </a:lvl4pPr>
-            <a:lvl5pPr marL="1828800" indent="0">
-              <a:buNone/>
-              <a:defRPr sz="1000"/>
-            </a:lvl5pPr>
-            <a:lvl6pPr marL="2286000" indent="0">
-              <a:buNone/>
-              <a:defRPr sz="1000"/>
-            </a:lvl6pPr>
-            <a:lvl7pPr marL="2743200" indent="0">
-              <a:buNone/>
-              <a:defRPr sz="1000"/>
-            </a:lvl7pPr>
-            <a:lvl8pPr marL="3200400" indent="0">
-              <a:buNone/>
-              <a:defRPr sz="1000"/>
-            </a:lvl8pPr>
-            <a:lvl9pPr marL="3657600" indent="0">
-              <a:buNone/>
-              <a:defRPr sz="1000"/>
-            </a:lvl9pPr>
-          </a:lstStyle>
-          <a:p>
-            <a:pPr lvl="0"/>
-            <a:r>
-              <a:rPr lang="en-US"/>
-              <a:t>Click to edit Master text styles</a:t>
-            </a:r>
-          </a:p>
-        </p:txBody>
-      </p:sp>
-      <p:sp>
-        <p:nvSpPr>
-          <p:cNvPr id="5" name="Date Placeholder 4"/>
-          <p:cNvSpPr>
-            <a:spLocks noGrp="1"/>
-          </p:cNvSpPr>
-          <p:nvPr>
-            <p:ph type="dt" sz="half" idx="10"/>
-          </p:nvPr>
-        </p:nvSpPr>
-        <p:spPr/>
-        <p:txBody>
-          <a:bodyPr/>
-          <a:lstStyle/>
-          <a:p>
-            <a:fld id="{F0E53E00-DC67-B043-B571-30083E803751}" type="datetimeFigureOut">
-              <a:rPr lang="en-US" smtClean="0"/>
-              <a:t>11/30/2023</a:t>
-            </a:fld>
-            <a:endParaRPr lang="en-US"/>
-          </a:p>
-        </p:txBody>
-      </p:sp>
-      <p:sp>
-        <p:nvSpPr>
-          <p:cNvPr id="6" name="Footer Placeholder 5"/>
-          <p:cNvSpPr>
-            <a:spLocks noGrp="1"/>
-          </p:cNvSpPr>
-          <p:nvPr>
-            <p:ph type="ftr" sz="quarter" idx="11"/>
-          </p:nvPr>
-        </p:nvSpPr>
-        <p:spPr/>
-        <p:txBody>
-          <a:bodyPr/>
-          <a:lstStyle/>
-          <a:p>
-            <a:endParaRPr lang="en-US"/>
-          </a:p>
-        </p:txBody>
-      </p:sp>
-      <p:sp>
-        <p:nvSpPr>
-          <p:cNvPr id="7" name="Slide Number Placeholder 6"/>
-          <p:cNvSpPr>
-            <a:spLocks noGrp="1"/>
-          </p:cNvSpPr>
-          <p:nvPr>
-            <p:ph type="sldNum" sz="quarter" idx="12"/>
-          </p:nvPr>
-        </p:nvSpPr>
-        <p:spPr/>
-        <p:txBody>
-          <a:bodyPr/>
-          <a:lstStyle/>
-          <a:p>
-            <a:fld id="{1EF4C9A1-A5AA-A442-908E-CD6EBABAD4FA}" type="slidenum">
-              <a:rPr lang="en-US" smtClean="0"/>
-              <a:t>‹nr.›</a:t>
-            </a:fld>
-            <a:endParaRPr lang="en-US"/>
-          </a:p>
-        </p:txBody>
-      </p:sp>
-    </p:spTree>
-    <p:extLst>
-      <p:ext uri="{BB962C8B-B14F-4D97-AF65-F5344CB8AC3E}">
-        <p14:creationId xmlns:p14="http://schemas.microsoft.com/office/powerpoint/2010/main" val="134819241"/>
+        <p14:creationId xmlns:p14="http://schemas.microsoft.com/office/powerpoint/2010/main" val="4290152302"/>
       </p:ext>
     </p:extLst>
   </p:cSld>
@@ -3504,7 +3636,13 @@
       </p:grpSpPr>
       <p:sp>
         <p:nvSpPr>
-          <p:cNvPr id="2" name="Title Placeholder 1"/>
+          <p:cNvPr id="2" name="Tijdelijke aanduiding voor titel 1">
+            <a:extLst>
+              <a:ext uri="{FF2B5EF4-FFF2-40B4-BE49-F238E27FC236}">
+                <a16:creationId xmlns:a16="http://schemas.microsoft.com/office/drawing/2014/main" id="{AF191C13-D9AB-C37D-911A-29FDE01E67A9}"/>
+              </a:ext>
+            </a:extLst>
+          </p:cNvPr>
           <p:cNvSpPr>
             <a:spLocks noGrp="1"/>
           </p:cNvSpPr>
@@ -3528,15 +3666,21 @@
           <a:lstStyle/>
           <a:p>
             <a:r>
-              <a:rPr lang="en-US"/>
-              <a:t>Click to edit Master title style</a:t>
+              <a:rPr lang="nl-NL"/>
+              <a:t>Klik om stijl te bewerken</a:t>
             </a:r>
           </a:p>
         </p:txBody>
       </p:sp>
       <p:sp>
         <p:nvSpPr>
-          <p:cNvPr id="3" name="Text Placeholder 2"/>
+          <p:cNvPr id="3" name="Tijdelijke aanduiding voor tekst 2">
+            <a:extLst>
+              <a:ext uri="{FF2B5EF4-FFF2-40B4-BE49-F238E27FC236}">
+                <a16:creationId xmlns:a16="http://schemas.microsoft.com/office/drawing/2014/main" id="{5DE2AF1A-099E-67D4-8F00-0071A0D05208}"/>
+              </a:ext>
+            </a:extLst>
+          </p:cNvPr>
           <p:cNvSpPr>
             <a:spLocks noGrp="1"/>
           </p:cNvSpPr>
@@ -3561,43 +3705,49 @@
           <a:p>
             <a:pPr lvl="0"/>
             <a:r>
-              <a:rPr lang="en-US"/>
-              <a:t>Click to edit Master text styles</a:t>
+              <a:rPr lang="nl-NL"/>
+              <a:t>Klikken om de tekststijl van het model te bewerken</a:t>
             </a:r>
           </a:p>
           <a:p>
             <a:pPr lvl="1"/>
             <a:r>
-              <a:rPr lang="en-US"/>
-              <a:t>Second level</a:t>
+              <a:rPr lang="nl-NL"/>
+              <a:t>Tweede niveau</a:t>
             </a:r>
           </a:p>
           <a:p>
             <a:pPr lvl="2"/>
             <a:r>
-              <a:rPr lang="en-US"/>
-              <a:t>Third level</a:t>
+              <a:rPr lang="nl-NL"/>
+              <a:t>Derde niveau</a:t>
             </a:r>
           </a:p>
           <a:p>
             <a:pPr lvl="3"/>
             <a:r>
-              <a:rPr lang="en-US"/>
-              <a:t>Fourth level</a:t>
+              <a:rPr lang="nl-NL"/>
+              <a:t>Vierde niveau</a:t>
             </a:r>
           </a:p>
           <a:p>
             <a:pPr lvl="4"/>
             <a:r>
-              <a:rPr lang="en-US"/>
-              <a:t>Fifth level</a:t>
+              <a:rPr lang="nl-NL"/>
+              <a:t>Vijfde niveau</a:t>
             </a:r>
           </a:p>
         </p:txBody>
       </p:sp>
       <p:sp>
         <p:nvSpPr>
-          <p:cNvPr id="4" name="Date Placeholder 3"/>
+          <p:cNvPr id="4" name="Tijdelijke aanduiding voor datum 3">
+            <a:extLst>
+              <a:ext uri="{FF2B5EF4-FFF2-40B4-BE49-F238E27FC236}">
+                <a16:creationId xmlns:a16="http://schemas.microsoft.com/office/drawing/2014/main" id="{B40D3BF5-5933-476D-E3BD-0CD95613DDA3}"/>
+              </a:ext>
+            </a:extLst>
+          </p:cNvPr>
           <p:cNvSpPr>
             <a:spLocks noGrp="1"/>
           </p:cNvSpPr>
@@ -3621,7 +3771,7 @@
               <a:defRPr sz="1200">
                 <a:solidFill>
                   <a:schemeClr val="tx1">
-                    <a:tint val="75000"/>
+                    <a:tint val="82000"/>
                   </a:schemeClr>
                 </a:solidFill>
               </a:defRPr>
@@ -3630,7 +3780,7 @@
           <a:p>
             <a:fld id="{F0E53E00-DC67-B043-B571-30083E803751}" type="datetimeFigureOut">
               <a:rPr lang="en-US" smtClean="0"/>
-              <a:t>11/30/2023</a:t>
+              <a:t>11/6/2024</a:t>
             </a:fld>
             <a:endParaRPr lang="en-US"/>
           </a:p>
@@ -3638,7 +3788,13 @@
       </p:sp>
       <p:sp>
         <p:nvSpPr>
-          <p:cNvPr id="5" name="Footer Placeholder 4"/>
+          <p:cNvPr id="5" name="Tijdelijke aanduiding voor voettekst 4">
+            <a:extLst>
+              <a:ext uri="{FF2B5EF4-FFF2-40B4-BE49-F238E27FC236}">
+                <a16:creationId xmlns:a16="http://schemas.microsoft.com/office/drawing/2014/main" id="{ED465BC5-9DBB-ED00-85DB-F65179BC190F}"/>
+              </a:ext>
+            </a:extLst>
+          </p:cNvPr>
           <p:cNvSpPr>
             <a:spLocks noGrp="1"/>
           </p:cNvSpPr>
@@ -3662,7 +3818,7 @@
               <a:defRPr sz="1200">
                 <a:solidFill>
                   <a:schemeClr val="tx1">
-                    <a:tint val="75000"/>
+                    <a:tint val="82000"/>
                   </a:schemeClr>
                 </a:solidFill>
               </a:defRPr>
@@ -3675,7 +3831,13 @@
       </p:sp>
       <p:sp>
         <p:nvSpPr>
-          <p:cNvPr id="6" name="Slide Number Placeholder 5"/>
+          <p:cNvPr id="6" name="Tijdelijke aanduiding voor dianummer 5">
+            <a:extLst>
+              <a:ext uri="{FF2B5EF4-FFF2-40B4-BE49-F238E27FC236}">
+                <a16:creationId xmlns:a16="http://schemas.microsoft.com/office/drawing/2014/main" id="{AFF45270-425F-AFC4-2E13-BD16433D8799}"/>
+              </a:ext>
+            </a:extLst>
+          </p:cNvPr>
           <p:cNvSpPr>
             <a:spLocks noGrp="1"/>
           </p:cNvSpPr>
@@ -3699,7 +3861,7 @@
               <a:defRPr sz="1200">
                 <a:solidFill>
                   <a:schemeClr val="tx1">
-                    <a:tint val="75000"/>
+                    <a:tint val="82000"/>
                   </a:schemeClr>
                 </a:solidFill>
               </a:defRPr>
@@ -3717,24 +3879,24 @@
     </p:spTree>
     <p:extLst>
       <p:ext uri="{BB962C8B-B14F-4D97-AF65-F5344CB8AC3E}">
-        <p14:creationId xmlns:p14="http://schemas.microsoft.com/office/powerpoint/2010/main" val="51812958"/>
+        <p14:creationId xmlns:p14="http://schemas.microsoft.com/office/powerpoint/2010/main" val="4058373773"/>
       </p:ext>
     </p:extLst>
   </p:cSld>
   <p:clrMap bg1="lt1" tx1="dk1" bg2="lt2" tx2="dk2" accent1="accent1" accent2="accent2" accent3="accent3" accent4="accent4" accent5="accent5" accent6="accent6" hlink="hlink" folHlink="folHlink"/>
   <p:sldLayoutIdLst>
-    <p:sldLayoutId id="2147483649" r:id="rId1"/>
-    <p:sldLayoutId id="2147483650" r:id="rId2"/>
-    <p:sldLayoutId id="2147483651" r:id="rId3"/>
-    <p:sldLayoutId id="2147483652" r:id="rId4"/>
-    <p:sldLayoutId id="2147483653" r:id="rId5"/>
-    <p:sldLayoutId id="2147483654" r:id="rId6"/>
-    <p:sldLayoutId id="2147483655" r:id="rId7"/>
-    <p:sldLayoutId id="2147483660" r:id="rId8"/>
-    <p:sldLayoutId id="2147483656" r:id="rId9"/>
-    <p:sldLayoutId id="2147483657" r:id="rId10"/>
-    <p:sldLayoutId id="2147483658" r:id="rId11"/>
-    <p:sldLayoutId id="2147483659" r:id="rId12"/>
+    <p:sldLayoutId id="2147483922" r:id="rId1"/>
+    <p:sldLayoutId id="2147483923" r:id="rId2"/>
+    <p:sldLayoutId id="2147483924" r:id="rId3"/>
+    <p:sldLayoutId id="2147483925" r:id="rId4"/>
+    <p:sldLayoutId id="2147483926" r:id="rId5"/>
+    <p:sldLayoutId id="2147483927" r:id="rId6"/>
+    <p:sldLayoutId id="2147483928" r:id="rId7"/>
+    <p:sldLayoutId id="2147483929" r:id="rId8"/>
+    <p:sldLayoutId id="2147483930" r:id="rId9"/>
+    <p:sldLayoutId id="2147483931" r:id="rId10"/>
+    <p:sldLayoutId id="2147483932" r:id="rId11"/>
+    <p:sldLayoutId id="2147483933" r:id="rId12"/>
   </p:sldLayoutIdLst>
   <p:txStyles>
     <p:titleStyle>
@@ -3764,7 +3926,7 @@
         <a:spcBef>
           <a:spcPts val="1000"/>
         </a:spcBef>
-        <a:buFont typeface="Arial"/>
+        <a:buFont typeface="Arial" panose="020B0604020202020204" pitchFamily="34" charset="0"/>
         <a:buChar char="•"/>
         <a:defRPr sz="2800" kern="1200">
           <a:solidFill>
@@ -3782,7 +3944,7 @@
         <a:spcBef>
           <a:spcPts val="500"/>
         </a:spcBef>
-        <a:buFont typeface="Arial"/>
+        <a:buFont typeface="Arial" panose="020B0604020202020204" pitchFamily="34" charset="0"/>
         <a:buChar char="•"/>
         <a:defRPr sz="2400" kern="1200">
           <a:solidFill>
@@ -3800,7 +3962,7 @@
         <a:spcBef>
           <a:spcPts val="500"/>
         </a:spcBef>
-        <a:buFont typeface="Arial"/>
+        <a:buFont typeface="Arial" panose="020B0604020202020204" pitchFamily="34" charset="0"/>
         <a:buChar char="•"/>
         <a:defRPr sz="2000" kern="1200">
           <a:solidFill>
@@ -3818,7 +3980,7 @@
         <a:spcBef>
           <a:spcPts val="500"/>
         </a:spcBef>
-        <a:buFont typeface="Arial"/>
+        <a:buFont typeface="Arial" panose="020B0604020202020204" pitchFamily="34" charset="0"/>
         <a:buChar char="•"/>
         <a:defRPr sz="1800" kern="1200">
           <a:solidFill>
@@ -3836,7 +3998,7 @@
         <a:spcBef>
           <a:spcPts val="500"/>
         </a:spcBef>
-        <a:buFont typeface="Arial"/>
+        <a:buFont typeface="Arial" panose="020B0604020202020204" pitchFamily="34" charset="0"/>
         <a:buChar char="•"/>
         <a:defRPr sz="1800" kern="1200">
           <a:solidFill>
@@ -3854,7 +4016,7 @@
         <a:spcBef>
           <a:spcPts val="500"/>
         </a:spcBef>
-        <a:buFont typeface="Arial"/>
+        <a:buFont typeface="Arial" panose="020B0604020202020204" pitchFamily="34" charset="0"/>
         <a:buChar char="•"/>
         <a:defRPr sz="1800" kern="1200">
           <a:solidFill>
@@ -3872,7 +4034,7 @@
         <a:spcBef>
           <a:spcPts val="500"/>
         </a:spcBef>
-        <a:buFont typeface="Arial"/>
+        <a:buFont typeface="Arial" panose="020B0604020202020204" pitchFamily="34" charset="0"/>
         <a:buChar char="•"/>
         <a:defRPr sz="1800" kern="1200">
           <a:solidFill>
@@ -3890,7 +4052,7 @@
         <a:spcBef>
           <a:spcPts val="500"/>
         </a:spcBef>
-        <a:buFont typeface="Arial"/>
+        <a:buFont typeface="Arial" panose="020B0604020202020204" pitchFamily="34" charset="0"/>
         <a:buChar char="•"/>
         <a:defRPr sz="1800" kern="1200">
           <a:solidFill>
@@ -3908,7 +4070,7 @@
         <a:spcBef>
           <a:spcPts val="500"/>
         </a:spcBef>
-        <a:buFont typeface="Arial"/>
+        <a:buFont typeface="Arial" panose="020B0604020202020204" pitchFamily="34" charset="0"/>
         <a:buChar char="•"/>
         <a:defRPr sz="1800" kern="1200">
           <a:solidFill>
@@ -3922,7 +4084,7 @@
     </p:bodyStyle>
     <p:otherStyle>
       <a:defPPr>
-        <a:defRPr lang="en-US"/>
+        <a:defRPr lang="nl-NL"/>
       </a:defPPr>
       <a:lvl1pPr marL="0" algn="l" defTabSz="914400" rtl="0" eaLnBrk="1" latinLnBrk="0" hangingPunct="1">
         <a:defRPr sz="1800" kern="1200">
@@ -4179,7 +4341,7 @@
                   <a:schemeClr val="accent2"/>
                 </a:solidFill>
               </a:rPr>
-              <a:t>1 december 2023</a:t>
+              <a:t>22 november 2024</a:t>
             </a:r>
             <a:endParaRPr lang="en-US" b="1" dirty="0">
               <a:solidFill>
@@ -5112,6 +5274,36 @@
           </a:p>
         </p:txBody>
       </p:sp>
+      <p:pic>
+        <p:nvPicPr>
+          <p:cNvPr id="15" name="Afbeelding 14" descr="Afbeelding met clipart, symbool, Graphics, tekenfilm&#10;&#10;Automatisch gegenereerde beschrijving">
+            <a:extLst>
+              <a:ext uri="{FF2B5EF4-FFF2-40B4-BE49-F238E27FC236}">
+                <a16:creationId xmlns:a16="http://schemas.microsoft.com/office/drawing/2014/main" id="{D7116916-9F96-D49D-0872-9AF752AA6506}"/>
+              </a:ext>
+            </a:extLst>
+          </p:cNvPr>
+          <p:cNvPicPr>
+            <a:picLocks noChangeAspect="1"/>
+          </p:cNvPicPr>
+          <p:nvPr/>
+        </p:nvPicPr>
+        <p:blipFill>
+          <a:blip r:embed="rId2"/>
+          <a:stretch>
+            <a:fillRect/>
+          </a:stretch>
+        </p:blipFill>
+        <p:spPr>
+          <a:xfrm>
+            <a:off x="9967427" y="681037"/>
+            <a:ext cx="1058245" cy="1282483"/>
+          </a:xfrm>
+          <a:prstGeom prst="rect">
+            <a:avLst/>
+          </a:prstGeom>
+        </p:spPr>
+      </p:pic>
     </p:spTree>
     <p:extLst>
       <p:ext uri="{BB962C8B-B14F-4D97-AF65-F5344CB8AC3E}">
@@ -6292,6 +6484,36 @@
           </p:txBody>
         </p:sp>
       </p:grpSp>
+      <p:pic>
+        <p:nvPicPr>
+          <p:cNvPr id="8" name="Afbeelding 7" descr="Afbeelding met clipart, symbool, Graphics, tekenfilm&#10;&#10;Automatisch gegenereerde beschrijving">
+            <a:extLst>
+              <a:ext uri="{FF2B5EF4-FFF2-40B4-BE49-F238E27FC236}">
+                <a16:creationId xmlns:a16="http://schemas.microsoft.com/office/drawing/2014/main" id="{22BB3937-3E2D-E538-3346-E5B287DCB5C1}"/>
+              </a:ext>
+            </a:extLst>
+          </p:cNvPr>
+          <p:cNvPicPr>
+            <a:picLocks noChangeAspect="1"/>
+          </p:cNvPicPr>
+          <p:nvPr/>
+        </p:nvPicPr>
+        <p:blipFill>
+          <a:blip r:embed="rId2"/>
+          <a:stretch>
+            <a:fillRect/>
+          </a:stretch>
+        </p:blipFill>
+        <p:spPr>
+          <a:xfrm>
+            <a:off x="9967427" y="681037"/>
+            <a:ext cx="1058245" cy="1282483"/>
+          </a:xfrm>
+          <a:prstGeom prst="rect">
+            <a:avLst/>
+          </a:prstGeom>
+        </p:spPr>
+      </p:pic>
     </p:spTree>
     <p:extLst>
       <p:ext uri="{BB962C8B-B14F-4D97-AF65-F5344CB8AC3E}">
@@ -6916,6 +7138,36 @@
           </p:txBody>
         </p:sp>
       </p:grpSp>
+      <p:pic>
+        <p:nvPicPr>
+          <p:cNvPr id="3" name="Afbeelding 2" descr="Afbeelding met clipart, symbool, Graphics, tekenfilm&#10;&#10;Automatisch gegenereerde beschrijving">
+            <a:extLst>
+              <a:ext uri="{FF2B5EF4-FFF2-40B4-BE49-F238E27FC236}">
+                <a16:creationId xmlns:a16="http://schemas.microsoft.com/office/drawing/2014/main" id="{3B399688-59B7-0289-1E90-8150C7E671CA}"/>
+              </a:ext>
+            </a:extLst>
+          </p:cNvPr>
+          <p:cNvPicPr>
+            <a:picLocks noChangeAspect="1"/>
+          </p:cNvPicPr>
+          <p:nvPr/>
+        </p:nvPicPr>
+        <p:blipFill>
+          <a:blip r:embed="rId2"/>
+          <a:stretch>
+            <a:fillRect/>
+          </a:stretch>
+        </p:blipFill>
+        <p:spPr>
+          <a:xfrm>
+            <a:off x="9967427" y="681037"/>
+            <a:ext cx="1058245" cy="1282483"/>
+          </a:xfrm>
+          <a:prstGeom prst="rect">
+            <a:avLst/>
+          </a:prstGeom>
+        </p:spPr>
+      </p:pic>
     </p:spTree>
     <p:extLst>
       <p:ext uri="{BB962C8B-B14F-4D97-AF65-F5344CB8AC3E}">
@@ -8557,6 +8809,36 @@
           </a:p>
         </p:txBody>
       </p:sp>
+      <p:pic>
+        <p:nvPicPr>
+          <p:cNvPr id="2" name="Afbeelding 1" descr="Afbeelding met clipart, symbool, Graphics, tekenfilm&#10;&#10;Automatisch gegenereerde beschrijving">
+            <a:extLst>
+              <a:ext uri="{FF2B5EF4-FFF2-40B4-BE49-F238E27FC236}">
+                <a16:creationId xmlns:a16="http://schemas.microsoft.com/office/drawing/2014/main" id="{6E477129-F4ED-8A8C-47D1-37FA87057680}"/>
+              </a:ext>
+            </a:extLst>
+          </p:cNvPr>
+          <p:cNvPicPr>
+            <a:picLocks noChangeAspect="1"/>
+          </p:cNvPicPr>
+          <p:nvPr/>
+        </p:nvPicPr>
+        <p:blipFill>
+          <a:blip r:embed="rId2"/>
+          <a:stretch>
+            <a:fillRect/>
+          </a:stretch>
+        </p:blipFill>
+        <p:spPr>
+          <a:xfrm>
+            <a:off x="9967427" y="681037"/>
+            <a:ext cx="1058245" cy="1282483"/>
+          </a:xfrm>
+          <a:prstGeom prst="rect">
+            <a:avLst/>
+          </a:prstGeom>
+        </p:spPr>
+      </p:pic>
     </p:spTree>
     <p:extLst>
       <p:ext uri="{BB962C8B-B14F-4D97-AF65-F5344CB8AC3E}">
@@ -8887,7 +9169,7 @@
 </file>
 
 <file path=ppt/slides/slide14.xml><?xml version="1.0" encoding="utf-8"?>
-<p:sld xmlns:a="http://schemas.openxmlformats.org/drawingml/2006/main" xmlns:r="http://schemas.openxmlformats.org/officeDocument/2006/relationships" xmlns:p="http://schemas.openxmlformats.org/presentationml/2006/main">
+<p:sld xmlns:a="http://schemas.openxmlformats.org/drawingml/2006/main" xmlns:r="http://schemas.openxmlformats.org/officeDocument/2006/relationships" xmlns:p="http://schemas.openxmlformats.org/presentationml/2006/main" showMasterSp="0">
   <p:cSld>
     <p:spTree>
       <p:nvGrpSpPr>
@@ -11033,81 +11315,34 @@
       </p:grpSp>
       <p:pic>
         <p:nvPicPr>
-          <p:cNvPr id="24" name="Picture 23"/>
+          <p:cNvPr id="22" name="Afbeelding 21" descr="Afbeelding met clipart, symbool, Graphics, tekenfilm&#10;&#10;Automatisch gegenereerde beschrijving">
+            <a:extLst>
+              <a:ext uri="{FF2B5EF4-FFF2-40B4-BE49-F238E27FC236}">
+                <a16:creationId xmlns:a16="http://schemas.microsoft.com/office/drawing/2014/main" id="{12477364-C56C-4F48-CFEB-7159AF9C7A8D}"/>
+              </a:ext>
+            </a:extLst>
+          </p:cNvPr>
           <p:cNvPicPr>
             <a:picLocks noChangeAspect="1"/>
           </p:cNvPicPr>
           <p:nvPr/>
         </p:nvPicPr>
         <p:blipFill>
-          <a:blip r:embed="rId3" cstate="screen">
-            <a:alphaModFix amt="35000"/>
-            <a:extLst>
-              <a:ext uri="{28A0092B-C50C-407E-A947-70E740481C1C}">
-                <a14:useLocalDpi xmlns:a14="http://schemas.microsoft.com/office/drawing/2010/main"/>
-              </a:ext>
-            </a:extLst>
-          </a:blip>
+          <a:blip r:embed="rId3"/>
           <a:stretch>
             <a:fillRect/>
           </a:stretch>
         </p:blipFill>
         <p:spPr>
           <a:xfrm>
-            <a:off x="360000" y="2700000"/>
-            <a:ext cx="5930153" cy="5930153"/>
+            <a:off x="9967427" y="681037"/>
+            <a:ext cx="1058245" cy="1282483"/>
           </a:xfrm>
           <a:prstGeom prst="rect">
             <a:avLst/>
           </a:prstGeom>
         </p:spPr>
       </p:pic>
-      <p:sp>
-        <p:nvSpPr>
-          <p:cNvPr id="25" name="Rectangle 24"/>
-          <p:cNvSpPr/>
-          <p:nvPr/>
-        </p:nvSpPr>
-        <p:spPr>
-          <a:xfrm>
-            <a:off x="2209800" y="4915945"/>
-            <a:ext cx="4370294" cy="1805530"/>
-          </a:xfrm>
-          <a:prstGeom prst="rect">
-            <a:avLst/>
-          </a:prstGeom>
-          <a:solidFill>
-            <a:schemeClr val="bg1"/>
-          </a:solidFill>
-          <a:ln>
-            <a:noFill/>
-          </a:ln>
-        </p:spPr>
-        <p:style>
-          <a:lnRef idx="2">
-            <a:schemeClr val="accent1">
-              <a:shade val="50000"/>
-            </a:schemeClr>
-          </a:lnRef>
-          <a:fillRef idx="1">
-            <a:schemeClr val="accent1"/>
-          </a:fillRef>
-          <a:effectRef idx="0">
-            <a:schemeClr val="accent1"/>
-          </a:effectRef>
-          <a:fontRef idx="minor">
-            <a:schemeClr val="lt1"/>
-          </a:fontRef>
-        </p:style>
-        <p:txBody>
-          <a:bodyPr rtlCol="0" anchor="ctr"/>
-          <a:lstStyle/>
-          <a:p>
-            <a:pPr algn="ctr"/>
-            <a:endParaRPr lang="en-US"/>
-          </a:p>
-        </p:txBody>
-      </p:sp>
     </p:spTree>
     <p:extLst>
       <p:ext uri="{BB962C8B-B14F-4D97-AF65-F5344CB8AC3E}">
@@ -13010,6 +13245,36 @@
           </a:p>
         </p:txBody>
       </p:sp>
+      <p:pic>
+        <p:nvPicPr>
+          <p:cNvPr id="2" name="Afbeelding 1" descr="Afbeelding met clipart, symbool, Graphics, tekenfilm&#10;&#10;Automatisch gegenereerde beschrijving">
+            <a:extLst>
+              <a:ext uri="{FF2B5EF4-FFF2-40B4-BE49-F238E27FC236}">
+                <a16:creationId xmlns:a16="http://schemas.microsoft.com/office/drawing/2014/main" id="{F20ED977-D57C-A2AE-783B-723C04A3FEC2}"/>
+              </a:ext>
+            </a:extLst>
+          </p:cNvPr>
+          <p:cNvPicPr>
+            <a:picLocks noChangeAspect="1"/>
+          </p:cNvPicPr>
+          <p:nvPr/>
+        </p:nvPicPr>
+        <p:blipFill>
+          <a:blip r:embed="rId3"/>
+          <a:stretch>
+            <a:fillRect/>
+          </a:stretch>
+        </p:blipFill>
+        <p:spPr>
+          <a:xfrm>
+            <a:off x="9967427" y="681037"/>
+            <a:ext cx="1058245" cy="1282483"/>
+          </a:xfrm>
+          <a:prstGeom prst="rect">
+            <a:avLst/>
+          </a:prstGeom>
+        </p:spPr>
+      </p:pic>
     </p:spTree>
     <p:extLst>
       <p:ext uri="{BB962C8B-B14F-4D97-AF65-F5344CB8AC3E}">
@@ -15163,6 +15428,36 @@
           </a:p>
         </p:txBody>
       </p:sp>
+      <p:pic>
+        <p:nvPicPr>
+          <p:cNvPr id="2" name="Afbeelding 1" descr="Afbeelding met clipart, symbool, Graphics, tekenfilm&#10;&#10;Automatisch gegenereerde beschrijving">
+            <a:extLst>
+              <a:ext uri="{FF2B5EF4-FFF2-40B4-BE49-F238E27FC236}">
+                <a16:creationId xmlns:a16="http://schemas.microsoft.com/office/drawing/2014/main" id="{21024E9B-62B1-0FCC-0D7D-AD62B5373A27}"/>
+              </a:ext>
+            </a:extLst>
+          </p:cNvPr>
+          <p:cNvPicPr>
+            <a:picLocks noChangeAspect="1"/>
+          </p:cNvPicPr>
+          <p:nvPr/>
+        </p:nvPicPr>
+        <p:blipFill>
+          <a:blip r:embed="rId2"/>
+          <a:stretch>
+            <a:fillRect/>
+          </a:stretch>
+        </p:blipFill>
+        <p:spPr>
+          <a:xfrm>
+            <a:off x="9967427" y="681037"/>
+            <a:ext cx="1058245" cy="1282483"/>
+          </a:xfrm>
+          <a:prstGeom prst="rect">
+            <a:avLst/>
+          </a:prstGeom>
+        </p:spPr>
+      </p:pic>
     </p:spTree>
     <p:extLst>
       <p:ext uri="{BB962C8B-B14F-4D97-AF65-F5344CB8AC3E}">
@@ -17562,6 +17857,36 @@
           </p:txBody>
         </p:sp>
       </p:grpSp>
+      <p:pic>
+        <p:nvPicPr>
+          <p:cNvPr id="2" name="Afbeelding 1" descr="Afbeelding met clipart, symbool, Graphics, tekenfilm&#10;&#10;Automatisch gegenereerde beschrijving">
+            <a:extLst>
+              <a:ext uri="{FF2B5EF4-FFF2-40B4-BE49-F238E27FC236}">
+                <a16:creationId xmlns:a16="http://schemas.microsoft.com/office/drawing/2014/main" id="{7D487590-96AD-B217-3247-4BC1D67E1501}"/>
+              </a:ext>
+            </a:extLst>
+          </p:cNvPr>
+          <p:cNvPicPr>
+            <a:picLocks noChangeAspect="1"/>
+          </p:cNvPicPr>
+          <p:nvPr/>
+        </p:nvPicPr>
+        <p:blipFill>
+          <a:blip r:embed="rId2"/>
+          <a:stretch>
+            <a:fillRect/>
+          </a:stretch>
+        </p:blipFill>
+        <p:spPr>
+          <a:xfrm>
+            <a:off x="9967427" y="681037"/>
+            <a:ext cx="1058245" cy="1282483"/>
+          </a:xfrm>
+          <a:prstGeom prst="rect">
+            <a:avLst/>
+          </a:prstGeom>
+        </p:spPr>
+      </p:pic>
     </p:spTree>
     <p:extLst>
       <p:ext uri="{BB962C8B-B14F-4D97-AF65-F5344CB8AC3E}">
@@ -19302,6 +19627,36 @@
           </p:sp>
         </p:grpSp>
       </p:grpSp>
+      <p:pic>
+        <p:nvPicPr>
+          <p:cNvPr id="2" name="Afbeelding 1" descr="Afbeelding met clipart, symbool, Graphics, tekenfilm&#10;&#10;Automatisch gegenereerde beschrijving">
+            <a:extLst>
+              <a:ext uri="{FF2B5EF4-FFF2-40B4-BE49-F238E27FC236}">
+                <a16:creationId xmlns:a16="http://schemas.microsoft.com/office/drawing/2014/main" id="{FE9E8C31-A479-EBA7-FEAD-CD664F79BBF7}"/>
+              </a:ext>
+            </a:extLst>
+          </p:cNvPr>
+          <p:cNvPicPr>
+            <a:picLocks noChangeAspect="1"/>
+          </p:cNvPicPr>
+          <p:nvPr/>
+        </p:nvPicPr>
+        <p:blipFill>
+          <a:blip r:embed="rId2"/>
+          <a:stretch>
+            <a:fillRect/>
+          </a:stretch>
+        </p:blipFill>
+        <p:spPr>
+          <a:xfrm>
+            <a:off x="9967427" y="681037"/>
+            <a:ext cx="1058245" cy="1282483"/>
+          </a:xfrm>
+          <a:prstGeom prst="rect">
+            <a:avLst/>
+          </a:prstGeom>
+        </p:spPr>
+      </p:pic>
     </p:spTree>
     <p:extLst>
       <p:ext uri="{BB962C8B-B14F-4D97-AF65-F5344CB8AC3E}">
@@ -20914,6 +21269,36 @@
           </p:txBody>
         </p:sp>
       </p:grpSp>
+      <p:pic>
+        <p:nvPicPr>
+          <p:cNvPr id="2" name="Afbeelding 1" descr="Afbeelding met clipart, symbool, Graphics, tekenfilm&#10;&#10;Automatisch gegenereerde beschrijving">
+            <a:extLst>
+              <a:ext uri="{FF2B5EF4-FFF2-40B4-BE49-F238E27FC236}">
+                <a16:creationId xmlns:a16="http://schemas.microsoft.com/office/drawing/2014/main" id="{E25EAA6F-21A3-B8B3-0ABB-326DFE00B259}"/>
+              </a:ext>
+            </a:extLst>
+          </p:cNvPr>
+          <p:cNvPicPr>
+            <a:picLocks noChangeAspect="1"/>
+          </p:cNvPicPr>
+          <p:nvPr/>
+        </p:nvPicPr>
+        <p:blipFill>
+          <a:blip r:embed="rId2"/>
+          <a:stretch>
+            <a:fillRect/>
+          </a:stretch>
+        </p:blipFill>
+        <p:spPr>
+          <a:xfrm>
+            <a:off x="9967427" y="681037"/>
+            <a:ext cx="1058245" cy="1282483"/>
+          </a:xfrm>
+          <a:prstGeom prst="rect">
+            <a:avLst/>
+          </a:prstGeom>
+        </p:spPr>
+      </p:pic>
     </p:spTree>
     <p:extLst>
       <p:ext uri="{BB962C8B-B14F-4D97-AF65-F5344CB8AC3E}">
@@ -21261,12 +21646,7 @@
             <p:ph idx="1"/>
           </p:nvPr>
         </p:nvSpPr>
-        <p:spPr>
-          <a:xfrm>
-            <a:off x="838200" y="1825625"/>
-            <a:ext cx="10515600" cy="4351338"/>
-          </a:xfrm>
-        </p:spPr>
+        <p:spPr/>
         <p:txBody>
           <a:bodyPr/>
           <a:lstStyle/>
@@ -21322,6 +21702,36 @@
           </a:p>
         </p:txBody>
       </p:sp>
+      <p:pic>
+        <p:nvPicPr>
+          <p:cNvPr id="5" name="Afbeelding 4" descr="Afbeelding met clipart, symbool, Graphics, tekenfilm&#10;&#10;Automatisch gegenereerde beschrijving">
+            <a:extLst>
+              <a:ext uri="{FF2B5EF4-FFF2-40B4-BE49-F238E27FC236}">
+                <a16:creationId xmlns:a16="http://schemas.microsoft.com/office/drawing/2014/main" id="{E47352FB-B75B-8A11-EDB0-E0791460A9A4}"/>
+              </a:ext>
+            </a:extLst>
+          </p:cNvPr>
+          <p:cNvPicPr>
+            <a:picLocks noChangeAspect="1"/>
+          </p:cNvPicPr>
+          <p:nvPr/>
+        </p:nvPicPr>
+        <p:blipFill>
+          <a:blip r:embed="rId2"/>
+          <a:stretch>
+            <a:fillRect/>
+          </a:stretch>
+        </p:blipFill>
+        <p:spPr>
+          <a:xfrm>
+            <a:off x="9967427" y="681037"/>
+            <a:ext cx="1058245" cy="1282483"/>
+          </a:xfrm>
+          <a:prstGeom prst="rect">
+            <a:avLst/>
+          </a:prstGeom>
+        </p:spPr>
+      </p:pic>
     </p:spTree>
     <p:extLst>
       <p:ext uri="{BB962C8B-B14F-4D97-AF65-F5344CB8AC3E}">
@@ -22595,6 +23005,36 @@
           </p:txBody>
         </p:sp>
       </p:grpSp>
+      <p:pic>
+        <p:nvPicPr>
+          <p:cNvPr id="2" name="Afbeelding 1" descr="Afbeelding met clipart, symbool, Graphics, tekenfilm&#10;&#10;Automatisch gegenereerde beschrijving">
+            <a:extLst>
+              <a:ext uri="{FF2B5EF4-FFF2-40B4-BE49-F238E27FC236}">
+                <a16:creationId xmlns:a16="http://schemas.microsoft.com/office/drawing/2014/main" id="{D49B40CD-5F8F-1B82-A2DB-407EB9DCD27E}"/>
+              </a:ext>
+            </a:extLst>
+          </p:cNvPr>
+          <p:cNvPicPr>
+            <a:picLocks noChangeAspect="1"/>
+          </p:cNvPicPr>
+          <p:nvPr/>
+        </p:nvPicPr>
+        <p:blipFill>
+          <a:blip r:embed="rId2"/>
+          <a:stretch>
+            <a:fillRect/>
+          </a:stretch>
+        </p:blipFill>
+        <p:spPr>
+          <a:xfrm>
+            <a:off x="9967427" y="681037"/>
+            <a:ext cx="1058245" cy="1282483"/>
+          </a:xfrm>
+          <a:prstGeom prst="rect">
+            <a:avLst/>
+          </a:prstGeom>
+        </p:spPr>
+      </p:pic>
     </p:spTree>
     <p:extLst>
       <p:ext uri="{BB962C8B-B14F-4D97-AF65-F5344CB8AC3E}">
@@ -24103,6 +24543,36 @@
           </p:txBody>
         </p:sp>
       </p:grpSp>
+      <p:pic>
+        <p:nvPicPr>
+          <p:cNvPr id="2" name="Afbeelding 1" descr="Afbeelding met clipart, symbool, Graphics, tekenfilm&#10;&#10;Automatisch gegenereerde beschrijving">
+            <a:extLst>
+              <a:ext uri="{FF2B5EF4-FFF2-40B4-BE49-F238E27FC236}">
+                <a16:creationId xmlns:a16="http://schemas.microsoft.com/office/drawing/2014/main" id="{9898894B-D8B6-3600-0C77-872586AE5EB9}"/>
+              </a:ext>
+            </a:extLst>
+          </p:cNvPr>
+          <p:cNvPicPr>
+            <a:picLocks noChangeAspect="1"/>
+          </p:cNvPicPr>
+          <p:nvPr/>
+        </p:nvPicPr>
+        <p:blipFill>
+          <a:blip r:embed="rId2"/>
+          <a:stretch>
+            <a:fillRect/>
+          </a:stretch>
+        </p:blipFill>
+        <p:spPr>
+          <a:xfrm>
+            <a:off x="9967427" y="681037"/>
+            <a:ext cx="1058245" cy="1282483"/>
+          </a:xfrm>
+          <a:prstGeom prst="rect">
+            <a:avLst/>
+          </a:prstGeom>
+        </p:spPr>
+      </p:pic>
     </p:spTree>
     <p:extLst>
       <p:ext uri="{BB962C8B-B14F-4D97-AF65-F5344CB8AC3E}">
@@ -25741,6 +26211,36 @@
           </p:txBody>
         </p:sp>
       </p:grpSp>
+      <p:pic>
+        <p:nvPicPr>
+          <p:cNvPr id="2" name="Afbeelding 1" descr="Afbeelding met clipart, symbool, Graphics, tekenfilm&#10;&#10;Automatisch gegenereerde beschrijving">
+            <a:extLst>
+              <a:ext uri="{FF2B5EF4-FFF2-40B4-BE49-F238E27FC236}">
+                <a16:creationId xmlns:a16="http://schemas.microsoft.com/office/drawing/2014/main" id="{26308D7B-BDAC-C89B-7DCA-2EE75E3FAD46}"/>
+              </a:ext>
+            </a:extLst>
+          </p:cNvPr>
+          <p:cNvPicPr>
+            <a:picLocks noChangeAspect="1"/>
+          </p:cNvPicPr>
+          <p:nvPr/>
+        </p:nvPicPr>
+        <p:blipFill>
+          <a:blip r:embed="rId2"/>
+          <a:stretch>
+            <a:fillRect/>
+          </a:stretch>
+        </p:blipFill>
+        <p:spPr>
+          <a:xfrm>
+            <a:off x="9967427" y="681037"/>
+            <a:ext cx="1058245" cy="1282483"/>
+          </a:xfrm>
+          <a:prstGeom prst="rect">
+            <a:avLst/>
+          </a:prstGeom>
+        </p:spPr>
+      </p:pic>
     </p:spTree>
     <p:extLst>
       <p:ext uri="{BB962C8B-B14F-4D97-AF65-F5344CB8AC3E}">
@@ -27588,6 +28088,36 @@
           </p:txBody>
         </p:sp>
       </p:grpSp>
+      <p:pic>
+        <p:nvPicPr>
+          <p:cNvPr id="2" name="Afbeelding 1" descr="Afbeelding met clipart, symbool, Graphics, tekenfilm&#10;&#10;Automatisch gegenereerde beschrijving">
+            <a:extLst>
+              <a:ext uri="{FF2B5EF4-FFF2-40B4-BE49-F238E27FC236}">
+                <a16:creationId xmlns:a16="http://schemas.microsoft.com/office/drawing/2014/main" id="{DC0C3F21-37C7-758B-A581-E7DF8E547A24}"/>
+              </a:ext>
+            </a:extLst>
+          </p:cNvPr>
+          <p:cNvPicPr>
+            <a:picLocks noChangeAspect="1"/>
+          </p:cNvPicPr>
+          <p:nvPr/>
+        </p:nvPicPr>
+        <p:blipFill>
+          <a:blip r:embed="rId2"/>
+          <a:stretch>
+            <a:fillRect/>
+          </a:stretch>
+        </p:blipFill>
+        <p:spPr>
+          <a:xfrm>
+            <a:off x="9967427" y="681037"/>
+            <a:ext cx="1058245" cy="1282483"/>
+          </a:xfrm>
+          <a:prstGeom prst="rect">
+            <a:avLst/>
+          </a:prstGeom>
+        </p:spPr>
+      </p:pic>
     </p:spTree>
     <p:extLst>
       <p:ext uri="{BB962C8B-B14F-4D97-AF65-F5344CB8AC3E}">
@@ -30781,6 +31311,36 @@
           </a:p>
         </p:txBody>
       </p:sp>
+      <p:pic>
+        <p:nvPicPr>
+          <p:cNvPr id="2" name="Afbeelding 1" descr="Afbeelding met clipart, symbool, Graphics, tekenfilm&#10;&#10;Automatisch gegenereerde beschrijving">
+            <a:extLst>
+              <a:ext uri="{FF2B5EF4-FFF2-40B4-BE49-F238E27FC236}">
+                <a16:creationId xmlns:a16="http://schemas.microsoft.com/office/drawing/2014/main" id="{167A6E71-E708-0E8D-513C-7200FDA93493}"/>
+              </a:ext>
+            </a:extLst>
+          </p:cNvPr>
+          <p:cNvPicPr>
+            <a:picLocks noChangeAspect="1"/>
+          </p:cNvPicPr>
+          <p:nvPr/>
+        </p:nvPicPr>
+        <p:blipFill>
+          <a:blip r:embed="rId2"/>
+          <a:stretch>
+            <a:fillRect/>
+          </a:stretch>
+        </p:blipFill>
+        <p:spPr>
+          <a:xfrm>
+            <a:off x="9967427" y="681037"/>
+            <a:ext cx="1058245" cy="1282483"/>
+          </a:xfrm>
+          <a:prstGeom prst="rect">
+            <a:avLst/>
+          </a:prstGeom>
+        </p:spPr>
+      </p:pic>
     </p:spTree>
     <p:extLst>
       <p:ext uri="{BB962C8B-B14F-4D97-AF65-F5344CB8AC3E}">
@@ -34048,6 +34608,36 @@
           </p:txBody>
         </p:sp>
       </p:grpSp>
+      <p:pic>
+        <p:nvPicPr>
+          <p:cNvPr id="2" name="Afbeelding 1" descr="Afbeelding met clipart, symbool, Graphics, tekenfilm&#10;&#10;Automatisch gegenereerde beschrijving">
+            <a:extLst>
+              <a:ext uri="{FF2B5EF4-FFF2-40B4-BE49-F238E27FC236}">
+                <a16:creationId xmlns:a16="http://schemas.microsoft.com/office/drawing/2014/main" id="{C1D9065F-A8BA-1024-9A6F-2666150911C3}"/>
+              </a:ext>
+            </a:extLst>
+          </p:cNvPr>
+          <p:cNvPicPr>
+            <a:picLocks noChangeAspect="1"/>
+          </p:cNvPicPr>
+          <p:nvPr/>
+        </p:nvPicPr>
+        <p:blipFill>
+          <a:blip r:embed="rId2"/>
+          <a:stretch>
+            <a:fillRect/>
+          </a:stretch>
+        </p:blipFill>
+        <p:spPr>
+          <a:xfrm>
+            <a:off x="9967427" y="681037"/>
+            <a:ext cx="1058245" cy="1282483"/>
+          </a:xfrm>
+          <a:prstGeom prst="rect">
+            <a:avLst/>
+          </a:prstGeom>
+        </p:spPr>
+      </p:pic>
     </p:spTree>
     <p:extLst>
       <p:ext uri="{BB962C8B-B14F-4D97-AF65-F5344CB8AC3E}">
@@ -35105,6 +35695,36 @@
           </p:txBody>
         </p:sp>
       </p:grpSp>
+      <p:pic>
+        <p:nvPicPr>
+          <p:cNvPr id="2" name="Afbeelding 1" descr="Afbeelding met clipart, symbool, Graphics, tekenfilm&#10;&#10;Automatisch gegenereerde beschrijving">
+            <a:extLst>
+              <a:ext uri="{FF2B5EF4-FFF2-40B4-BE49-F238E27FC236}">
+                <a16:creationId xmlns:a16="http://schemas.microsoft.com/office/drawing/2014/main" id="{66A2E603-E54A-A0B8-941D-C5A5E574CB20}"/>
+              </a:ext>
+            </a:extLst>
+          </p:cNvPr>
+          <p:cNvPicPr>
+            <a:picLocks noChangeAspect="1"/>
+          </p:cNvPicPr>
+          <p:nvPr/>
+        </p:nvPicPr>
+        <p:blipFill>
+          <a:blip r:embed="rId2"/>
+          <a:stretch>
+            <a:fillRect/>
+          </a:stretch>
+        </p:blipFill>
+        <p:spPr>
+          <a:xfrm>
+            <a:off x="9967427" y="681037"/>
+            <a:ext cx="1058245" cy="1282483"/>
+          </a:xfrm>
+          <a:prstGeom prst="rect">
+            <a:avLst/>
+          </a:prstGeom>
+        </p:spPr>
+      </p:pic>
     </p:spTree>
     <p:extLst>
       <p:ext uri="{BB962C8B-B14F-4D97-AF65-F5344CB8AC3E}">
@@ -35275,14 +35895,6 @@
 <file path=ppt/slides/slide3.xml><?xml version="1.0" encoding="utf-8"?>
 <p:sld xmlns:a="http://schemas.openxmlformats.org/drawingml/2006/main" xmlns:r="http://schemas.openxmlformats.org/officeDocument/2006/relationships" xmlns:p="http://schemas.openxmlformats.org/presentationml/2006/main">
   <p:cSld>
-    <p:bg>
-      <p:bgPr>
-        <a:solidFill>
-          <a:schemeClr val="bg1"/>
-        </a:solidFill>
-        <a:effectLst/>
-      </p:bgPr>
-    </p:bg>
     <p:spTree>
       <p:nvGrpSpPr>
         <p:cNvPr id="1" name=""/>
@@ -36062,14 +36674,6 @@
 <file path=ppt/slides/slide5.xml><?xml version="1.0" encoding="utf-8"?>
 <p:sld xmlns:a="http://schemas.openxmlformats.org/drawingml/2006/main" xmlns:r="http://schemas.openxmlformats.org/officeDocument/2006/relationships" xmlns:p="http://schemas.openxmlformats.org/presentationml/2006/main">
   <p:cSld>
-    <p:bg>
-      <p:bgPr>
-        <a:solidFill>
-          <a:schemeClr val="bg1"/>
-        </a:solidFill>
-        <a:effectLst/>
-      </p:bgPr>
-    </p:bg>
     <p:spTree>
       <p:nvGrpSpPr>
         <p:cNvPr id="1" name=""/>
@@ -36114,161 +36718,6 @@
           </a:prstGeom>
         </p:spPr>
       </p:pic>
-      <p:sp>
-        <p:nvSpPr>
-          <p:cNvPr id="9" name="Rectangle 8">
-            <a:extLst>
-              <a:ext uri="{FF2B5EF4-FFF2-40B4-BE49-F238E27FC236}">
-                <a16:creationId xmlns:a16="http://schemas.microsoft.com/office/drawing/2014/main" id="{42A4FC2C-047E-45A5-965D-8E1E3BF09BC6}"/>
-              </a:ext>
-              <a:ext uri="{C183D7F6-B498-43B3-948B-1728B52AA6E4}">
-                <adec:decorative xmlns:adec="http://schemas.microsoft.com/office/drawing/2017/decorative" val="1"/>
-              </a:ext>
-            </a:extLst>
-          </p:cNvPr>
-          <p:cNvSpPr>
-            <a:spLocks noGrp="1" noRot="1" noChangeAspect="1" noMove="1" noResize="1" noEditPoints="1" noAdjustHandles="1" noChangeArrowheads="1" noChangeShapeType="1" noTextEdit="1"/>
-          </p:cNvSpPr>
-          <p:nvPr>
-            <p:extLst>
-              <p:ext uri="{386F3935-93C4-4BCD-93E2-E3B085C9AB24}">
-                <p16:designElem xmlns:p16="http://schemas.microsoft.com/office/powerpoint/2015/main" val="1"/>
-              </p:ext>
-            </p:extLst>
-          </p:nvPr>
-        </p:nvSpPr>
-        <p:spPr bwMode="white">
-          <a:xfrm>
-            <a:off x="1524" y="0"/>
-            <a:ext cx="12188952" cy="6858000"/>
-          </a:xfrm>
-          <a:prstGeom prst="rect">
-            <a:avLst/>
-          </a:prstGeom>
-          <a:noFill/>
-          <a:ln>
-            <a:noFill/>
-          </a:ln>
-        </p:spPr>
-        <p:style>
-          <a:lnRef idx="2">
-            <a:schemeClr val="accent1">
-              <a:shade val="50000"/>
-            </a:schemeClr>
-          </a:lnRef>
-          <a:fillRef idx="1">
-            <a:schemeClr val="accent1"/>
-          </a:fillRef>
-          <a:effectRef idx="0">
-            <a:schemeClr val="accent1"/>
-          </a:effectRef>
-          <a:fontRef idx="minor">
-            <a:schemeClr val="lt1"/>
-          </a:fontRef>
-        </p:style>
-        <p:txBody>
-          <a:bodyPr rtlCol="0" anchor="ctr"/>
-          <a:lstStyle>
-            <a:defPPr>
-              <a:defRPr lang="en-US"/>
-            </a:defPPr>
-            <a:lvl1pPr marL="0" algn="l" defTabSz="914400" rtl="0" eaLnBrk="1" latinLnBrk="0" hangingPunct="1">
-              <a:defRPr sz="1800" kern="1200">
-                <a:solidFill>
-                  <a:schemeClr val="lt1"/>
-                </a:solidFill>
-                <a:latin typeface="+mn-lt"/>
-                <a:ea typeface="+mn-ea"/>
-                <a:cs typeface="+mn-cs"/>
-              </a:defRPr>
-            </a:lvl1pPr>
-            <a:lvl2pPr marL="457200" algn="l" defTabSz="914400" rtl="0" eaLnBrk="1" latinLnBrk="0" hangingPunct="1">
-              <a:defRPr sz="1800" kern="1200">
-                <a:solidFill>
-                  <a:schemeClr val="lt1"/>
-                </a:solidFill>
-                <a:latin typeface="+mn-lt"/>
-                <a:ea typeface="+mn-ea"/>
-                <a:cs typeface="+mn-cs"/>
-              </a:defRPr>
-            </a:lvl2pPr>
-            <a:lvl3pPr marL="914400" algn="l" defTabSz="914400" rtl="0" eaLnBrk="1" latinLnBrk="0" hangingPunct="1">
-              <a:defRPr sz="1800" kern="1200">
-                <a:solidFill>
-                  <a:schemeClr val="lt1"/>
-                </a:solidFill>
-                <a:latin typeface="+mn-lt"/>
-                <a:ea typeface="+mn-ea"/>
-                <a:cs typeface="+mn-cs"/>
-              </a:defRPr>
-            </a:lvl3pPr>
-            <a:lvl4pPr marL="1371600" algn="l" defTabSz="914400" rtl="0" eaLnBrk="1" latinLnBrk="0" hangingPunct="1">
-              <a:defRPr sz="1800" kern="1200">
-                <a:solidFill>
-                  <a:schemeClr val="lt1"/>
-                </a:solidFill>
-                <a:latin typeface="+mn-lt"/>
-                <a:ea typeface="+mn-ea"/>
-                <a:cs typeface="+mn-cs"/>
-              </a:defRPr>
-            </a:lvl4pPr>
-            <a:lvl5pPr marL="1828800" algn="l" defTabSz="914400" rtl="0" eaLnBrk="1" latinLnBrk="0" hangingPunct="1">
-              <a:defRPr sz="1800" kern="1200">
-                <a:solidFill>
-                  <a:schemeClr val="lt1"/>
-                </a:solidFill>
-                <a:latin typeface="+mn-lt"/>
-                <a:ea typeface="+mn-ea"/>
-                <a:cs typeface="+mn-cs"/>
-              </a:defRPr>
-            </a:lvl5pPr>
-            <a:lvl6pPr marL="2286000" algn="l" defTabSz="914400" rtl="0" eaLnBrk="1" latinLnBrk="0" hangingPunct="1">
-              <a:defRPr sz="1800" kern="1200">
-                <a:solidFill>
-                  <a:schemeClr val="lt1"/>
-                </a:solidFill>
-                <a:latin typeface="+mn-lt"/>
-                <a:ea typeface="+mn-ea"/>
-                <a:cs typeface="+mn-cs"/>
-              </a:defRPr>
-            </a:lvl6pPr>
-            <a:lvl7pPr marL="2743200" algn="l" defTabSz="914400" rtl="0" eaLnBrk="1" latinLnBrk="0" hangingPunct="1">
-              <a:defRPr sz="1800" kern="1200">
-                <a:solidFill>
-                  <a:schemeClr val="lt1"/>
-                </a:solidFill>
-                <a:latin typeface="+mn-lt"/>
-                <a:ea typeface="+mn-ea"/>
-                <a:cs typeface="+mn-cs"/>
-              </a:defRPr>
-            </a:lvl7pPr>
-            <a:lvl8pPr marL="3200400" algn="l" defTabSz="914400" rtl="0" eaLnBrk="1" latinLnBrk="0" hangingPunct="1">
-              <a:defRPr sz="1800" kern="1200">
-                <a:solidFill>
-                  <a:schemeClr val="lt1"/>
-                </a:solidFill>
-                <a:latin typeface="+mn-lt"/>
-                <a:ea typeface="+mn-ea"/>
-                <a:cs typeface="+mn-cs"/>
-              </a:defRPr>
-            </a:lvl8pPr>
-            <a:lvl9pPr marL="3657600" algn="l" defTabSz="914400" rtl="0" eaLnBrk="1" latinLnBrk="0" hangingPunct="1">
-              <a:defRPr sz="1800" kern="1200">
-                <a:solidFill>
-                  <a:schemeClr val="lt1"/>
-                </a:solidFill>
-                <a:latin typeface="+mn-lt"/>
-                <a:ea typeface="+mn-ea"/>
-                <a:cs typeface="+mn-cs"/>
-              </a:defRPr>
-            </a:lvl9pPr>
-          </a:lstStyle>
-          <a:p>
-            <a:pPr algn="ctr"/>
-            <a:endParaRPr lang="en-US"/>
-          </a:p>
-        </p:txBody>
-      </p:sp>
       <p:sp>
         <p:nvSpPr>
           <p:cNvPr id="6" name="TextBox 5">
@@ -38654,6 +39103,36 @@
           </p:txBody>
         </p:sp>
       </p:grpSp>
+      <p:pic>
+        <p:nvPicPr>
+          <p:cNvPr id="3" name="Afbeelding 2" descr="Afbeelding met clipart, symbool, Graphics, tekenfilm&#10;&#10;Automatisch gegenereerde beschrijving">
+            <a:extLst>
+              <a:ext uri="{FF2B5EF4-FFF2-40B4-BE49-F238E27FC236}">
+                <a16:creationId xmlns:a16="http://schemas.microsoft.com/office/drawing/2014/main" id="{950A45DE-4F0C-D85F-DFEE-6E1A242BF5BB}"/>
+              </a:ext>
+            </a:extLst>
+          </p:cNvPr>
+          <p:cNvPicPr>
+            <a:picLocks noChangeAspect="1"/>
+          </p:cNvPicPr>
+          <p:nvPr/>
+        </p:nvPicPr>
+        <p:blipFill>
+          <a:blip r:embed="rId3"/>
+          <a:stretch>
+            <a:fillRect/>
+          </a:stretch>
+        </p:blipFill>
+        <p:spPr>
+          <a:xfrm>
+            <a:off x="9967427" y="681037"/>
+            <a:ext cx="1058245" cy="1282483"/>
+          </a:xfrm>
+          <a:prstGeom prst="rect">
+            <a:avLst/>
+          </a:prstGeom>
+        </p:spPr>
+      </p:pic>
     </p:spTree>
     <p:extLst>
       <p:ext uri="{BB962C8B-B14F-4D97-AF65-F5344CB8AC3E}">
@@ -39886,6 +40365,36 @@
           </a:p>
         </p:txBody>
       </p:sp>
+      <p:pic>
+        <p:nvPicPr>
+          <p:cNvPr id="2" name="Afbeelding 1" descr="Afbeelding met clipart, symbool, Graphics, tekenfilm&#10;&#10;Automatisch gegenereerde beschrijving">
+            <a:extLst>
+              <a:ext uri="{FF2B5EF4-FFF2-40B4-BE49-F238E27FC236}">
+                <a16:creationId xmlns:a16="http://schemas.microsoft.com/office/drawing/2014/main" id="{E25F40AE-13FA-6E30-0C84-D837B83B1304}"/>
+              </a:ext>
+            </a:extLst>
+          </p:cNvPr>
+          <p:cNvPicPr>
+            <a:picLocks noChangeAspect="1"/>
+          </p:cNvPicPr>
+          <p:nvPr/>
+        </p:nvPicPr>
+        <p:blipFill>
+          <a:blip r:embed="rId2"/>
+          <a:stretch>
+            <a:fillRect/>
+          </a:stretch>
+        </p:blipFill>
+        <p:spPr>
+          <a:xfrm>
+            <a:off x="9967427" y="681037"/>
+            <a:ext cx="1058245" cy="1282483"/>
+          </a:xfrm>
+          <a:prstGeom prst="rect">
+            <a:avLst/>
+          </a:prstGeom>
+        </p:spPr>
+      </p:pic>
     </p:spTree>
     <p:extLst>
       <p:ext uri="{BB962C8B-B14F-4D97-AF65-F5344CB8AC3E}">
@@ -40512,7 +41021,7 @@
 </file>
 
 <file path=ppt/theme/theme1.xml><?xml version="1.0" encoding="utf-8"?>
-<a:theme xmlns:a="http://schemas.openxmlformats.org/drawingml/2006/main" name="Office Theme">
+<a:theme xmlns:a="http://schemas.openxmlformats.org/drawingml/2006/main" name="Kantoorthema">
   <a:themeElements>
     <a:clrScheme name="Office">
       <a:dk1>
@@ -40522,44 +41031,44 @@
         <a:sysClr val="window" lastClr="FFFFFF"/>
       </a:lt1>
       <a:dk2>
-        <a:srgbClr val="44546A"/>
+        <a:srgbClr val="0E2841"/>
       </a:dk2>
       <a:lt2>
-        <a:srgbClr val="E7E6E6"/>
+        <a:srgbClr val="E8E8E8"/>
       </a:lt2>
       <a:accent1>
-        <a:srgbClr val="4472C4"/>
+        <a:srgbClr val="156082"/>
       </a:accent1>
       <a:accent2>
-        <a:srgbClr val="ED7D31"/>
+        <a:srgbClr val="E97132"/>
       </a:accent2>
       <a:accent3>
-        <a:srgbClr val="A5A5A5"/>
+        <a:srgbClr val="196B24"/>
       </a:accent3>
       <a:accent4>
-        <a:srgbClr val="FFC000"/>
+        <a:srgbClr val="0F9ED5"/>
       </a:accent4>
       <a:accent5>
-        <a:srgbClr val="5B9BD5"/>
+        <a:srgbClr val="A02B93"/>
       </a:accent5>
       <a:accent6>
-        <a:srgbClr val="70AD47"/>
+        <a:srgbClr val="4EA72E"/>
       </a:accent6>
       <a:hlink>
-        <a:srgbClr val="0563C1"/>
+        <a:srgbClr val="467886"/>
       </a:hlink>
       <a:folHlink>
-        <a:srgbClr val="954F72"/>
+        <a:srgbClr val="96607D"/>
       </a:folHlink>
     </a:clrScheme>
     <a:fontScheme name="Office">
       <a:majorFont>
-        <a:latin typeface="Calibri Light" panose="020F0302020204030204"/>
+        <a:latin typeface="Aptos Display" panose="02110004020202020204"/>
         <a:ea typeface=""/>
         <a:cs typeface=""/>
-        <a:font script="Jpan" typeface="Yu Gothic Light"/>
+        <a:font script="Jpan" typeface="游ゴシック Light"/>
         <a:font script="Hang" typeface="맑은 고딕"/>
-        <a:font script="Hans" typeface="DengXian Light"/>
+        <a:font script="Hans" typeface="等线 Light"/>
         <a:font script="Hant" typeface="新細明體"/>
         <a:font script="Arab" typeface="Times New Roman"/>
         <a:font script="Hebr" typeface="Times New Roman"/>
@@ -40587,14 +41096,31 @@
         <a:font script="Viet" typeface="Times New Roman"/>
         <a:font script="Uigh" typeface="Microsoft Uighur"/>
         <a:font script="Geor" typeface="Sylfaen"/>
+        <a:font script="Armn" typeface="Arial"/>
+        <a:font script="Bugi" typeface="Leelawadee UI"/>
+        <a:font script="Bopo" typeface="Microsoft JhengHei"/>
+        <a:font script="Java" typeface="Javanese Text"/>
+        <a:font script="Lisu" typeface="Segoe UI"/>
+        <a:font script="Mymr" typeface="Myanmar Text"/>
+        <a:font script="Nkoo" typeface="Ebrima"/>
+        <a:font script="Olck" typeface="Nirmala UI"/>
+        <a:font script="Osma" typeface="Ebrima"/>
+        <a:font script="Phag" typeface="Phagspa"/>
+        <a:font script="Syrn" typeface="Estrangelo Edessa"/>
+        <a:font script="Syrj" typeface="Estrangelo Edessa"/>
+        <a:font script="Syre" typeface="Estrangelo Edessa"/>
+        <a:font script="Sora" typeface="Nirmala UI"/>
+        <a:font script="Tale" typeface="Microsoft Tai Le"/>
+        <a:font script="Talu" typeface="Microsoft New Tai Lue"/>
+        <a:font script="Tfng" typeface="Ebrima"/>
       </a:majorFont>
       <a:minorFont>
-        <a:latin typeface="Calibri" panose="020F0502020204030204"/>
+        <a:latin typeface="Aptos" panose="02110004020202020204"/>
         <a:ea typeface=""/>
         <a:cs typeface=""/>
-        <a:font script="Jpan" typeface="Yu Gothic"/>
+        <a:font script="Jpan" typeface="游ゴシック"/>
         <a:font script="Hang" typeface="맑은 고딕"/>
-        <a:font script="Hans" typeface="DengXian"/>
+        <a:font script="Hans" typeface="等线"/>
         <a:font script="Hant" typeface="新細明體"/>
         <a:font script="Arab" typeface="Arial"/>
         <a:font script="Hebr" typeface="Arial"/>
@@ -40622,6 +41148,23 @@
         <a:font script="Viet" typeface="Arial"/>
         <a:font script="Uigh" typeface="Microsoft Uighur"/>
         <a:font script="Geor" typeface="Sylfaen"/>
+        <a:font script="Armn" typeface="Arial"/>
+        <a:font script="Bugi" typeface="Leelawadee UI"/>
+        <a:font script="Bopo" typeface="Microsoft JhengHei"/>
+        <a:font script="Java" typeface="Javanese Text"/>
+        <a:font script="Lisu" typeface="Segoe UI"/>
+        <a:font script="Mymr" typeface="Myanmar Text"/>
+        <a:font script="Nkoo" typeface="Ebrima"/>
+        <a:font script="Olck" typeface="Nirmala UI"/>
+        <a:font script="Osma" typeface="Ebrima"/>
+        <a:font script="Phag" typeface="Phagspa"/>
+        <a:font script="Syrn" typeface="Estrangelo Edessa"/>
+        <a:font script="Syrj" typeface="Estrangelo Edessa"/>
+        <a:font script="Syre" typeface="Estrangelo Edessa"/>
+        <a:font script="Sora" typeface="Nirmala UI"/>
+        <a:font script="Tale" typeface="Microsoft Tai Le"/>
+        <a:font script="Talu" typeface="Microsoft New Tai Lue"/>
+        <a:font script="Tfng" typeface="Ebrima"/>
       </a:minorFont>
     </a:fontScheme>
     <a:fmtScheme name="Office">
@@ -40683,13 +41226,6 @@
         </a:gradFill>
       </a:fillStyleLst>
       <a:lnStyleLst>
-        <a:ln w="6350" cap="flat" cmpd="sng" algn="ctr">
-          <a:solidFill>
-            <a:schemeClr val="phClr"/>
-          </a:solidFill>
-          <a:prstDash val="solid"/>
-          <a:miter lim="800000"/>
-        </a:ln>
         <a:ln w="12700" cap="flat" cmpd="sng" algn="ctr">
           <a:solidFill>
             <a:schemeClr val="phClr"/>
@@ -40698,6 +41234,13 @@
           <a:miter lim="800000"/>
         </a:ln>
         <a:ln w="19050" cap="flat" cmpd="sng" algn="ctr">
+          <a:solidFill>
+            <a:schemeClr val="phClr"/>
+          </a:solidFill>
+          <a:prstDash val="solid"/>
+          <a:miter lim="800000"/>
+        </a:ln>
+        <a:ln w="25400" cap="flat" cmpd="sng" algn="ctr">
           <a:solidFill>
             <a:schemeClr val="phClr"/>
           </a:solidFill>
@@ -40762,11 +41305,31 @@
       </a:bgFillStyleLst>
     </a:fmtScheme>
   </a:themeElements>
-  <a:objectDefaults/>
+  <a:objectDefaults>
+    <a:lnDef>
+      <a:spPr/>
+      <a:bodyPr/>
+      <a:lstStyle/>
+      <a:style>
+        <a:lnRef idx="2">
+          <a:schemeClr val="accent1"/>
+        </a:lnRef>
+        <a:fillRef idx="0">
+          <a:schemeClr val="accent1"/>
+        </a:fillRef>
+        <a:effectRef idx="1">
+          <a:schemeClr val="accent1"/>
+        </a:effectRef>
+        <a:fontRef idx="minor">
+          <a:schemeClr val="tx1"/>
+        </a:fontRef>
+      </a:style>
+    </a:lnDef>
+  </a:objectDefaults>
   <a:extraClrSchemeLst/>
   <a:extLst>
     <a:ext uri="{05A4C25C-085E-4340-85A3-A5531E510DB2}">
-      <thm15:themeFamily xmlns:thm15="http://schemas.microsoft.com/office/thememl/2012/main" name="Office Theme" id="{62F939B6-93AF-4DB8-9C6B-D6C7DFDC589F}" vid="{4A3C46E8-61CC-4603-A589-7422A47A8E4A}"/>
+      <thm15:themeFamily xmlns:thm15="http://schemas.microsoft.com/office/thememl/2012/main" name="Office Theme" id="{2E142A2C-CD16-42D6-873A-C26D2A0506FA}" vid="{1BDDFF52-6CD6-40A5-AB3C-68EB2F1E4D0A}"/>
     </a:ext>
   </a:extLst>
 </a:theme>
